--- a/ucalgarytalk/assets/Presentation2.pptx
+++ b/ucalgarytalk/assets/Presentation2.pptx
@@ -5,9 +5,13 @@
     <p:sldMasterId id="2147483648" r:id="rId1"/>
   </p:sldMasterIdLst>
   <p:sldIdLst>
-    <p:sldId id="256" r:id="rId2"/>
-    <p:sldId id="257" r:id="rId3"/>
-    <p:sldId id="258" r:id="rId4"/>
+    <p:sldId id="262" r:id="rId2"/>
+    <p:sldId id="256" r:id="rId3"/>
+    <p:sldId id="257" r:id="rId4"/>
+    <p:sldId id="258" r:id="rId5"/>
+    <p:sldId id="259" r:id="rId6"/>
+    <p:sldId id="260" r:id="rId7"/>
+    <p:sldId id="261" r:id="rId8"/>
   </p:sldIdLst>
   <p:sldSz cx="9144000" cy="6858000" type="screen4x3"/>
   <p:notesSz cx="6858000" cy="9144000"/>
@@ -287,7 +291,7 @@
           <a:lstStyle/>
           <a:p>
             <a:fld id="{78370B39-E701-BD43-A90D-E131465F0C45}" type="datetimeFigureOut">
-              <a:t>9/11/12</a:t>
+              <a:t>9/12/12</a:t>
             </a:fld>
             <a:endParaRPr lang="en-US"/>
           </a:p>
@@ -453,7 +457,7 @@
           <a:lstStyle/>
           <a:p>
             <a:fld id="{78370B39-E701-BD43-A90D-E131465F0C45}" type="datetimeFigureOut">
-              <a:t>9/11/12</a:t>
+              <a:t>9/12/12</a:t>
             </a:fld>
             <a:endParaRPr lang="en-US"/>
           </a:p>
@@ -629,7 +633,7 @@
           <a:lstStyle/>
           <a:p>
             <a:fld id="{78370B39-E701-BD43-A90D-E131465F0C45}" type="datetimeFigureOut">
-              <a:t>9/11/12</a:t>
+              <a:t>9/12/12</a:t>
             </a:fld>
             <a:endParaRPr lang="en-US"/>
           </a:p>
@@ -795,7 +799,7 @@
           <a:lstStyle/>
           <a:p>
             <a:fld id="{78370B39-E701-BD43-A90D-E131465F0C45}" type="datetimeFigureOut">
-              <a:t>9/11/12</a:t>
+              <a:t>9/12/12</a:t>
             </a:fld>
             <a:endParaRPr lang="en-US"/>
           </a:p>
@@ -1038,7 +1042,7 @@
           <a:lstStyle/>
           <a:p>
             <a:fld id="{78370B39-E701-BD43-A90D-E131465F0C45}" type="datetimeFigureOut">
-              <a:t>9/11/12</a:t>
+              <a:t>9/12/12</a:t>
             </a:fld>
             <a:endParaRPr lang="en-US"/>
           </a:p>
@@ -1321,7 +1325,7 @@
           <a:lstStyle/>
           <a:p>
             <a:fld id="{78370B39-E701-BD43-A90D-E131465F0C45}" type="datetimeFigureOut">
-              <a:t>9/11/12</a:t>
+              <a:t>9/12/12</a:t>
             </a:fld>
             <a:endParaRPr lang="en-US"/>
           </a:p>
@@ -1738,7 +1742,7 @@
           <a:lstStyle/>
           <a:p>
             <a:fld id="{78370B39-E701-BD43-A90D-E131465F0C45}" type="datetimeFigureOut">
-              <a:t>9/11/12</a:t>
+              <a:t>9/12/12</a:t>
             </a:fld>
             <a:endParaRPr lang="en-US"/>
           </a:p>
@@ -1853,7 +1857,7 @@
           <a:lstStyle/>
           <a:p>
             <a:fld id="{78370B39-E701-BD43-A90D-E131465F0C45}" type="datetimeFigureOut">
-              <a:t>9/11/12</a:t>
+              <a:t>9/12/12</a:t>
             </a:fld>
             <a:endParaRPr lang="en-US"/>
           </a:p>
@@ -1946,7 +1950,7 @@
           <a:lstStyle/>
           <a:p>
             <a:fld id="{78370B39-E701-BD43-A90D-E131465F0C45}" type="datetimeFigureOut">
-              <a:t>9/11/12</a:t>
+              <a:t>9/12/12</a:t>
             </a:fld>
             <a:endParaRPr lang="en-US"/>
           </a:p>
@@ -2219,7 +2223,7 @@
           <a:lstStyle/>
           <a:p>
             <a:fld id="{78370B39-E701-BD43-A90D-E131465F0C45}" type="datetimeFigureOut">
-              <a:t>9/11/12</a:t>
+              <a:t>9/12/12</a:t>
             </a:fld>
             <a:endParaRPr lang="en-US"/>
           </a:p>
@@ -2469,7 +2473,7 @@
           <a:lstStyle/>
           <a:p>
             <a:fld id="{78370B39-E701-BD43-A90D-E131465F0C45}" type="datetimeFigureOut">
-              <a:t>9/11/12</a:t>
+              <a:t>9/12/12</a:t>
             </a:fld>
             <a:endParaRPr lang="en-US"/>
           </a:p>
@@ -2678,7 +2682,7 @@
           </a:lstStyle>
           <a:p>
             <a:fld id="{78370B39-E701-BD43-A90D-E131465F0C45}" type="datetimeFigureOut">
-              <a:t>9/11/12</a:t>
+              <a:t>9/12/12</a:t>
             </a:fld>
             <a:endParaRPr lang="en-US"/>
           </a:p>
@@ -3054,6 +3058,186 @@
       </p:grpSpPr>
       <p:pic>
         <p:nvPicPr>
+          <p:cNvPr id="4" name="Picture 3" descr="ecosystem.png"/>
+          <p:cNvPicPr>
+            <a:picLocks noChangeAspect="1"/>
+          </p:cNvPicPr>
+          <p:nvPr/>
+        </p:nvPicPr>
+        <p:blipFill>
+          <a:blip r:embed="rId2">
+            <a:extLst>
+              <a:ext uri="{28A0092B-C50C-407E-A947-70E740481C1C}">
+                <a14:useLocalDpi xmlns:a14="http://schemas.microsoft.com/office/drawing/2010/main" val="0"/>
+              </a:ext>
+            </a:extLst>
+          </a:blip>
+          <a:stretch>
+            <a:fillRect/>
+          </a:stretch>
+        </p:blipFill>
+        <p:spPr>
+          <a:xfrm>
+            <a:off x="1201276" y="1062218"/>
+            <a:ext cx="7170506" cy="4864695"/>
+          </a:xfrm>
+          <a:prstGeom prst="rect">
+            <a:avLst/>
+          </a:prstGeom>
+        </p:spPr>
+      </p:pic>
+      <p:sp>
+        <p:nvSpPr>
+          <p:cNvPr id="5" name="Oval 4"/>
+          <p:cNvSpPr>
+            <a:spLocks noChangeAspect="1"/>
+          </p:cNvSpPr>
+          <p:nvPr/>
+        </p:nvSpPr>
+        <p:spPr>
+          <a:xfrm>
+            <a:off x="6898752" y="1956569"/>
+            <a:ext cx="1333830" cy="1334013"/>
+          </a:xfrm>
+          <a:prstGeom prst="ellipse">
+            <a:avLst/>
+          </a:prstGeom>
+        </p:spPr>
+        <p:style>
+          <a:lnRef idx="1">
+            <a:schemeClr val="accent1"/>
+          </a:lnRef>
+          <a:fillRef idx="3">
+            <a:schemeClr val="accent1"/>
+          </a:fillRef>
+          <a:effectRef idx="2">
+            <a:schemeClr val="accent1"/>
+          </a:effectRef>
+          <a:fontRef idx="minor">
+            <a:schemeClr val="lt1"/>
+          </a:fontRef>
+        </p:style>
+        <p:txBody>
+          <a:bodyPr rtlCol="0" anchor="ctr"/>
+          <a:lstStyle/>
+          <a:p>
+            <a:pPr algn="ctr"/>
+            <a:endParaRPr lang="en-US"/>
+          </a:p>
+        </p:txBody>
+      </p:sp>
+      <p:sp>
+        <p:nvSpPr>
+          <p:cNvPr id="6" name="Oval 5"/>
+          <p:cNvSpPr>
+            <a:spLocks noChangeAspect="1"/>
+          </p:cNvSpPr>
+          <p:nvPr/>
+        </p:nvSpPr>
+        <p:spPr>
+          <a:xfrm>
+            <a:off x="1548187" y="4553883"/>
+            <a:ext cx="657589" cy="656975"/>
+          </a:xfrm>
+          <a:prstGeom prst="ellipse">
+            <a:avLst/>
+          </a:prstGeom>
+        </p:spPr>
+        <p:style>
+          <a:lnRef idx="1">
+            <a:schemeClr val="accent1"/>
+          </a:lnRef>
+          <a:fillRef idx="3">
+            <a:schemeClr val="accent1"/>
+          </a:fillRef>
+          <a:effectRef idx="2">
+            <a:schemeClr val="accent1"/>
+          </a:effectRef>
+          <a:fontRef idx="minor">
+            <a:schemeClr val="lt1"/>
+          </a:fontRef>
+        </p:style>
+        <p:txBody>
+          <a:bodyPr rtlCol="0" anchor="ctr"/>
+          <a:lstStyle/>
+          <a:p>
+            <a:pPr algn="ctr"/>
+            <a:endParaRPr lang="en-US"/>
+          </a:p>
+        </p:txBody>
+      </p:sp>
+      <p:sp>
+        <p:nvSpPr>
+          <p:cNvPr id="7" name="Oval 6"/>
+          <p:cNvSpPr>
+            <a:spLocks noChangeAspect="1"/>
+          </p:cNvSpPr>
+          <p:nvPr/>
+        </p:nvSpPr>
+        <p:spPr>
+          <a:xfrm>
+            <a:off x="4534199" y="3203743"/>
+            <a:ext cx="849919" cy="849116"/>
+          </a:xfrm>
+          <a:prstGeom prst="ellipse">
+            <a:avLst/>
+          </a:prstGeom>
+        </p:spPr>
+        <p:style>
+          <a:lnRef idx="1">
+            <a:schemeClr val="accent1"/>
+          </a:lnRef>
+          <a:fillRef idx="3">
+            <a:schemeClr val="accent1"/>
+          </a:fillRef>
+          <a:effectRef idx="2">
+            <a:schemeClr val="accent1"/>
+          </a:effectRef>
+          <a:fontRef idx="minor">
+            <a:schemeClr val="lt1"/>
+          </a:fontRef>
+        </p:style>
+        <p:txBody>
+          <a:bodyPr rtlCol="0" anchor="ctr"/>
+          <a:lstStyle/>
+          <a:p>
+            <a:pPr algn="ctr"/>
+            <a:endParaRPr lang="en-US"/>
+          </a:p>
+        </p:txBody>
+      </p:sp>
+    </p:spTree>
+    <p:extLst>
+      <p:ext uri="{BB962C8B-B14F-4D97-AF65-F5344CB8AC3E}">
+        <p14:creationId xmlns:p14="http://schemas.microsoft.com/office/powerpoint/2010/main" val="3314517942"/>
+      </p:ext>
+    </p:extLst>
+  </p:cSld>
+  <p:clrMapOvr>
+    <a:masterClrMapping/>
+  </p:clrMapOvr>
+</p:sld>
+</file>
+
+<file path=ppt/slides/slide2.xml><?xml version="1.0" encoding="utf-8"?>
+<p:sld xmlns:a="http://schemas.openxmlformats.org/drawingml/2006/main" xmlns:r="http://schemas.openxmlformats.org/officeDocument/2006/relationships" xmlns:p="http://schemas.openxmlformats.org/presentationml/2006/main">
+  <p:cSld>
+    <p:spTree>
+      <p:nvGrpSpPr>
+        <p:cNvPr id="1" name=""/>
+        <p:cNvGrpSpPr/>
+        <p:nvPr/>
+      </p:nvGrpSpPr>
+      <p:grpSpPr>
+        <a:xfrm>
+          <a:off x="0" y="0"/>
+          <a:ext cx="0" cy="0"/>
+          <a:chOff x="0" y="0"/>
+          <a:chExt cx="0" cy="0"/>
+        </a:xfrm>
+      </p:grpSpPr>
+      <p:pic>
+        <p:nvPicPr>
           <p:cNvPr id="4" name="Picture 3"/>
           <p:cNvPicPr/>
           <p:nvPr/>
@@ -3173,7 +3357,7 @@
 </p:sld>
 </file>
 
-<file path=ppt/slides/slide2.xml><?xml version="1.0" encoding="utf-8"?>
+<file path=ppt/slides/slide3.xml><?xml version="1.0" encoding="utf-8"?>
 <p:sld xmlns:a="http://schemas.openxmlformats.org/drawingml/2006/main" xmlns:r="http://schemas.openxmlformats.org/officeDocument/2006/relationships" xmlns:p="http://schemas.openxmlformats.org/presentationml/2006/main">
   <p:cSld>
     <p:spTree>
@@ -3275,7 +3459,7 @@
 </p:sld>
 </file>
 
-<file path=ppt/slides/slide3.xml><?xml version="1.0" encoding="utf-8"?>
+<file path=ppt/slides/slide4.xml><?xml version="1.0" encoding="utf-8"?>
 <p:sld xmlns:a="http://schemas.openxmlformats.org/drawingml/2006/main" xmlns:r="http://schemas.openxmlformats.org/officeDocument/2006/relationships" xmlns:p="http://schemas.openxmlformats.org/presentationml/2006/main">
   <p:cSld>
     <p:spTree>
@@ -3332,6 +3516,663 @@
     <p:extLst>
       <p:ext uri="{BB962C8B-B14F-4D97-AF65-F5344CB8AC3E}">
         <p14:creationId xmlns:p14="http://schemas.microsoft.com/office/powerpoint/2010/main" val="4251907966"/>
+      </p:ext>
+    </p:extLst>
+  </p:cSld>
+  <p:clrMapOvr>
+    <a:masterClrMapping/>
+  </p:clrMapOvr>
+</p:sld>
+</file>
+
+<file path=ppt/slides/slide5.xml><?xml version="1.0" encoding="utf-8"?>
+<p:sld xmlns:a="http://schemas.openxmlformats.org/drawingml/2006/main" xmlns:r="http://schemas.openxmlformats.org/officeDocument/2006/relationships" xmlns:p="http://schemas.openxmlformats.org/presentationml/2006/main">
+  <p:cSld>
+    <p:spTree>
+      <p:nvGrpSpPr>
+        <p:cNvPr id="1" name=""/>
+        <p:cNvGrpSpPr/>
+        <p:nvPr/>
+      </p:nvGrpSpPr>
+      <p:grpSpPr>
+        <a:xfrm>
+          <a:off x="0" y="0"/>
+          <a:ext cx="0" cy="0"/>
+          <a:chOff x="0" y="0"/>
+          <a:chExt cx="0" cy="0"/>
+        </a:xfrm>
+      </p:grpSpPr>
+      <p:sp>
+        <p:nvSpPr>
+          <p:cNvPr id="6" name="Rectangle 5"/>
+          <p:cNvSpPr/>
+          <p:nvPr/>
+        </p:nvSpPr>
+        <p:spPr>
+          <a:xfrm>
+            <a:off x="646488" y="603816"/>
+            <a:ext cx="6245020" cy="2758816"/>
+          </a:xfrm>
+          <a:prstGeom prst="rect">
+            <a:avLst/>
+          </a:prstGeom>
+          <a:solidFill>
+            <a:schemeClr val="bg1"/>
+          </a:solidFill>
+          <a:ln>
+            <a:noFill/>
+          </a:ln>
+          <a:effectLst/>
+        </p:spPr>
+        <p:style>
+          <a:lnRef idx="1">
+            <a:schemeClr val="accent1"/>
+          </a:lnRef>
+          <a:fillRef idx="3">
+            <a:schemeClr val="accent1"/>
+          </a:fillRef>
+          <a:effectRef idx="2">
+            <a:schemeClr val="accent1"/>
+          </a:effectRef>
+          <a:fontRef idx="minor">
+            <a:schemeClr val="lt1"/>
+          </a:fontRef>
+        </p:style>
+        <p:txBody>
+          <a:bodyPr rtlCol="0" anchor="ctr"/>
+          <a:lstStyle/>
+          <a:p>
+            <a:pPr algn="ctr"/>
+            <a:endParaRPr lang="en-US"/>
+          </a:p>
+        </p:txBody>
+      </p:sp>
+      <p:pic>
+        <p:nvPicPr>
+          <p:cNvPr id="2" name="Picture 1" descr="Macintosh HD:Mac:Projects:Conditionality:Analyses:R:latfigs:abslat_byspinttype.pdf"/>
+          <p:cNvPicPr/>
+          <p:nvPr/>
+        </p:nvPicPr>
+        <p:blipFill rotWithShape="1">
+          <a:blip r:embed="rId2">
+            <a:extLst>
+              <a:ext uri="{28A0092B-C50C-407E-A947-70E740481C1C}">
+                <a14:useLocalDpi xmlns:a14="http://schemas.microsoft.com/office/drawing/2010/main" val="0"/>
+              </a:ext>
+            </a:extLst>
+          </a:blip>
+          <a:srcRect l="12389" t="304" r="7010" b="69843"/>
+          <a:stretch/>
+        </p:blipFill>
+        <p:spPr bwMode="auto">
+          <a:xfrm>
+            <a:off x="1311676" y="695339"/>
+            <a:ext cx="5402834" cy="2001013"/>
+          </a:xfrm>
+          <a:prstGeom prst="rect">
+            <a:avLst/>
+          </a:prstGeom>
+          <a:noFill/>
+          <a:ln>
+            <a:noFill/>
+          </a:ln>
+          <a:extLst>
+            <a:ext uri="{53640926-AAD7-44d8-BBD7-CCE9431645EC}">
+              <a14:shadowObscured xmlns:a14="http://schemas.microsoft.com/office/drawing/2010/main"/>
+            </a:ext>
+          </a:extLst>
+        </p:spPr>
+      </p:pic>
+      <p:pic>
+        <p:nvPicPr>
+          <p:cNvPr id="3" name="Picture 2" descr="Macintosh HD:Mac:Projects:Conditionality:Analyses:R:latfigs:abslat_byspinttype.pdf"/>
+          <p:cNvPicPr/>
+          <p:nvPr/>
+        </p:nvPicPr>
+        <p:blipFill rotWithShape="1">
+          <a:blip r:embed="rId2">
+            <a:extLst>
+              <a:ext uri="{28A0092B-C50C-407E-A947-70E740481C1C}">
+                <a14:useLocalDpi xmlns:a14="http://schemas.microsoft.com/office/drawing/2010/main" val="0"/>
+              </a:ext>
+            </a:extLst>
+          </a:blip>
+          <a:srcRect l="7012" t="89331" r="7010" b="1978"/>
+          <a:stretch/>
+        </p:blipFill>
+        <p:spPr bwMode="auto">
+          <a:xfrm>
+            <a:off x="951250" y="2696352"/>
+            <a:ext cx="5763260" cy="582564"/>
+          </a:xfrm>
+          <a:prstGeom prst="rect">
+            <a:avLst/>
+          </a:prstGeom>
+          <a:noFill/>
+          <a:ln>
+            <a:noFill/>
+          </a:ln>
+          <a:extLst>
+            <a:ext uri="{53640926-AAD7-44d8-BBD7-CCE9431645EC}">
+              <a14:shadowObscured xmlns:a14="http://schemas.microsoft.com/office/drawing/2010/main"/>
+            </a:ext>
+          </a:extLst>
+        </p:spPr>
+      </p:pic>
+      <p:pic>
+        <p:nvPicPr>
+          <p:cNvPr id="4" name="Picture 3" descr="Macintosh HD:Mac:Projects:Conditionality:Analyses:R:latfigs:abslat_byspinttype.pdf"/>
+          <p:cNvPicPr/>
+          <p:nvPr/>
+        </p:nvPicPr>
+        <p:blipFill rotWithShape="1">
+          <a:blip r:embed="rId2">
+            <a:extLst>
+              <a:ext uri="{28A0092B-C50C-407E-A947-70E740481C1C}">
+                <a14:useLocalDpi xmlns:a14="http://schemas.microsoft.com/office/drawing/2010/main" val="0"/>
+              </a:ext>
+            </a:extLst>
+          </a:blip>
+          <a:srcRect l="7012" t="24622" r="88797" b="50839"/>
+          <a:stretch/>
+        </p:blipFill>
+        <p:spPr bwMode="auto">
+          <a:xfrm>
+            <a:off x="979082" y="916135"/>
+            <a:ext cx="280897" cy="1644879"/>
+          </a:xfrm>
+          <a:prstGeom prst="rect">
+            <a:avLst/>
+          </a:prstGeom>
+          <a:noFill/>
+          <a:ln>
+            <a:noFill/>
+          </a:ln>
+          <a:extLst>
+            <a:ext uri="{53640926-AAD7-44d8-BBD7-CCE9431645EC}">
+              <a14:shadowObscured xmlns:a14="http://schemas.microsoft.com/office/drawing/2010/main"/>
+            </a:ext>
+          </a:extLst>
+        </p:spPr>
+      </p:pic>
+      <p:pic>
+        <p:nvPicPr>
+          <p:cNvPr id="5" name="Picture 4" descr="Macintosh HD:Mac:Projects:Conditionality:Analyses:R:latfigs:abslat_byspinttype.pdf"/>
+          <p:cNvPicPr/>
+          <p:nvPr/>
+        </p:nvPicPr>
+        <p:blipFill rotWithShape="1">
+          <a:blip r:embed="rId2">
+            <a:extLst>
+              <a:ext uri="{28A0092B-C50C-407E-A947-70E740481C1C}">
+                <a14:useLocalDpi xmlns:a14="http://schemas.microsoft.com/office/drawing/2010/main" val="0"/>
+              </a:ext>
+            </a:extLst>
+          </a:blip>
+          <a:srcRect l="7012" t="49217" r="88797" b="20398"/>
+          <a:stretch/>
+        </p:blipFill>
+        <p:spPr bwMode="auto">
+          <a:xfrm>
+            <a:off x="646488" y="916135"/>
+            <a:ext cx="280897" cy="2036722"/>
+          </a:xfrm>
+          <a:prstGeom prst="rect">
+            <a:avLst/>
+          </a:prstGeom>
+          <a:noFill/>
+          <a:ln>
+            <a:noFill/>
+          </a:ln>
+          <a:extLst>
+            <a:ext uri="{53640926-AAD7-44d8-BBD7-CCE9431645EC}">
+              <a14:shadowObscured xmlns:a14="http://schemas.microsoft.com/office/drawing/2010/main"/>
+            </a:ext>
+          </a:extLst>
+        </p:spPr>
+      </p:pic>
+    </p:spTree>
+    <p:extLst>
+      <p:ext uri="{BB962C8B-B14F-4D97-AF65-F5344CB8AC3E}">
+        <p14:creationId xmlns:p14="http://schemas.microsoft.com/office/powerpoint/2010/main" val="4246818546"/>
+      </p:ext>
+    </p:extLst>
+  </p:cSld>
+  <p:clrMapOvr>
+    <a:masterClrMapping/>
+  </p:clrMapOvr>
+</p:sld>
+</file>
+
+<file path=ppt/slides/slide6.xml><?xml version="1.0" encoding="utf-8"?>
+<p:sld xmlns:a="http://schemas.openxmlformats.org/drawingml/2006/main" xmlns:r="http://schemas.openxmlformats.org/officeDocument/2006/relationships" xmlns:p="http://schemas.openxmlformats.org/presentationml/2006/main">
+  <p:cSld>
+    <p:spTree>
+      <p:nvGrpSpPr>
+        <p:cNvPr id="1" name=""/>
+        <p:cNvGrpSpPr/>
+        <p:nvPr/>
+      </p:nvGrpSpPr>
+      <p:grpSpPr>
+        <a:xfrm>
+          <a:off x="0" y="0"/>
+          <a:ext cx="0" cy="0"/>
+          <a:chOff x="0" y="0"/>
+          <a:chExt cx="0" cy="0"/>
+        </a:xfrm>
+      </p:grpSpPr>
+      <p:sp>
+        <p:nvSpPr>
+          <p:cNvPr id="3" name="Rectangle 2"/>
+          <p:cNvSpPr/>
+          <p:nvPr/>
+        </p:nvSpPr>
+        <p:spPr>
+          <a:xfrm>
+            <a:off x="646488" y="603816"/>
+            <a:ext cx="6245020" cy="2758816"/>
+          </a:xfrm>
+          <a:prstGeom prst="rect">
+            <a:avLst/>
+          </a:prstGeom>
+          <a:solidFill>
+            <a:schemeClr val="bg1"/>
+          </a:solidFill>
+          <a:ln>
+            <a:noFill/>
+          </a:ln>
+          <a:effectLst/>
+        </p:spPr>
+        <p:style>
+          <a:lnRef idx="1">
+            <a:schemeClr val="accent1"/>
+          </a:lnRef>
+          <a:fillRef idx="3">
+            <a:schemeClr val="accent1"/>
+          </a:fillRef>
+          <a:effectRef idx="2">
+            <a:schemeClr val="accent1"/>
+          </a:effectRef>
+          <a:fontRef idx="minor">
+            <a:schemeClr val="lt1"/>
+          </a:fontRef>
+        </p:style>
+        <p:txBody>
+          <a:bodyPr rtlCol="0" anchor="ctr"/>
+          <a:lstStyle/>
+          <a:p>
+            <a:pPr algn="ctr"/>
+            <a:endParaRPr lang="en-US"/>
+          </a:p>
+        </p:txBody>
+      </p:sp>
+      <p:pic>
+        <p:nvPicPr>
+          <p:cNvPr id="4" name="Picture 3" descr="Macintosh HD:Mac:Projects:Conditionality:Analyses:R:latfigs:abslat_byspinttype.pdf"/>
+          <p:cNvPicPr/>
+          <p:nvPr/>
+        </p:nvPicPr>
+        <p:blipFill rotWithShape="1">
+          <a:blip r:embed="rId2">
+            <a:extLst>
+              <a:ext uri="{28A0092B-C50C-407E-A947-70E740481C1C}">
+                <a14:useLocalDpi xmlns:a14="http://schemas.microsoft.com/office/drawing/2010/main" val="0"/>
+              </a:ext>
+            </a:extLst>
+          </a:blip>
+          <a:srcRect l="7012" t="89331" r="7010" b="1978"/>
+          <a:stretch/>
+        </p:blipFill>
+        <p:spPr bwMode="auto">
+          <a:xfrm>
+            <a:off x="951250" y="2696352"/>
+            <a:ext cx="5763260" cy="582564"/>
+          </a:xfrm>
+          <a:prstGeom prst="rect">
+            <a:avLst/>
+          </a:prstGeom>
+          <a:noFill/>
+          <a:ln>
+            <a:noFill/>
+          </a:ln>
+          <a:extLst>
+            <a:ext uri="{53640926-AAD7-44d8-BBD7-CCE9431645EC}">
+              <a14:shadowObscured xmlns:a14="http://schemas.microsoft.com/office/drawing/2010/main"/>
+            </a:ext>
+          </a:extLst>
+        </p:spPr>
+      </p:pic>
+      <p:pic>
+        <p:nvPicPr>
+          <p:cNvPr id="5" name="Picture 4" descr="Macintosh HD:Mac:Projects:Conditionality:Analyses:R:latfigs:abslat_byspinttype.pdf"/>
+          <p:cNvPicPr/>
+          <p:nvPr/>
+        </p:nvPicPr>
+        <p:blipFill rotWithShape="1">
+          <a:blip r:embed="rId2">
+            <a:extLst>
+              <a:ext uri="{28A0092B-C50C-407E-A947-70E740481C1C}">
+                <a14:useLocalDpi xmlns:a14="http://schemas.microsoft.com/office/drawing/2010/main" val="0"/>
+              </a:ext>
+            </a:extLst>
+          </a:blip>
+          <a:srcRect l="7012" t="24622" r="88797" b="50839"/>
+          <a:stretch/>
+        </p:blipFill>
+        <p:spPr bwMode="auto">
+          <a:xfrm>
+            <a:off x="979082" y="916135"/>
+            <a:ext cx="280897" cy="1644879"/>
+          </a:xfrm>
+          <a:prstGeom prst="rect">
+            <a:avLst/>
+          </a:prstGeom>
+          <a:noFill/>
+          <a:ln>
+            <a:noFill/>
+          </a:ln>
+          <a:extLst>
+            <a:ext uri="{53640926-AAD7-44d8-BBD7-CCE9431645EC}">
+              <a14:shadowObscured xmlns:a14="http://schemas.microsoft.com/office/drawing/2010/main"/>
+            </a:ext>
+          </a:extLst>
+        </p:spPr>
+      </p:pic>
+      <p:pic>
+        <p:nvPicPr>
+          <p:cNvPr id="6" name="Picture 5" descr="Macintosh HD:Mac:Projects:Conditionality:Analyses:R:latfigs:abslat_byspinttype.pdf"/>
+          <p:cNvPicPr/>
+          <p:nvPr/>
+        </p:nvPicPr>
+        <p:blipFill rotWithShape="1">
+          <a:blip r:embed="rId2">
+            <a:extLst>
+              <a:ext uri="{28A0092B-C50C-407E-A947-70E740481C1C}">
+                <a14:useLocalDpi xmlns:a14="http://schemas.microsoft.com/office/drawing/2010/main" val="0"/>
+              </a:ext>
+            </a:extLst>
+          </a:blip>
+          <a:srcRect l="7012" t="49217" r="88797" b="20398"/>
+          <a:stretch/>
+        </p:blipFill>
+        <p:spPr bwMode="auto">
+          <a:xfrm>
+            <a:off x="646488" y="916135"/>
+            <a:ext cx="280897" cy="2036722"/>
+          </a:xfrm>
+          <a:prstGeom prst="rect">
+            <a:avLst/>
+          </a:prstGeom>
+          <a:noFill/>
+          <a:ln>
+            <a:noFill/>
+          </a:ln>
+          <a:extLst>
+            <a:ext uri="{53640926-AAD7-44d8-BBD7-CCE9431645EC}">
+              <a14:shadowObscured xmlns:a14="http://schemas.microsoft.com/office/drawing/2010/main"/>
+            </a:ext>
+          </a:extLst>
+        </p:spPr>
+      </p:pic>
+      <p:pic>
+        <p:nvPicPr>
+          <p:cNvPr id="2" name="Picture 1" descr="Macintosh HD:Mac:Projects:Conditionality:Analyses:R:latfigs:abslat_byspinttype.pdf"/>
+          <p:cNvPicPr/>
+          <p:nvPr/>
+        </p:nvPicPr>
+        <p:blipFill rotWithShape="1">
+          <a:blip r:embed="rId2">
+            <a:extLst>
+              <a:ext uri="{28A0092B-C50C-407E-A947-70E740481C1C}">
+                <a14:useLocalDpi xmlns:a14="http://schemas.microsoft.com/office/drawing/2010/main" val="0"/>
+              </a:ext>
+            </a:extLst>
+          </a:blip>
+          <a:srcRect l="12406" t="30778" r="7010" b="37376"/>
+          <a:stretch/>
+        </p:blipFill>
+        <p:spPr bwMode="auto">
+          <a:xfrm>
+            <a:off x="1312816" y="688783"/>
+            <a:ext cx="5401694" cy="2134602"/>
+          </a:xfrm>
+          <a:prstGeom prst="rect">
+            <a:avLst/>
+          </a:prstGeom>
+          <a:noFill/>
+          <a:ln>
+            <a:noFill/>
+          </a:ln>
+          <a:extLst>
+            <a:ext uri="{53640926-AAD7-44d8-BBD7-CCE9431645EC}">
+              <a14:shadowObscured xmlns:a14="http://schemas.microsoft.com/office/drawing/2010/main"/>
+            </a:ext>
+          </a:extLst>
+        </p:spPr>
+      </p:pic>
+    </p:spTree>
+    <p:extLst>
+      <p:ext uri="{BB962C8B-B14F-4D97-AF65-F5344CB8AC3E}">
+        <p14:creationId xmlns:p14="http://schemas.microsoft.com/office/powerpoint/2010/main" val="2111892503"/>
+      </p:ext>
+    </p:extLst>
+  </p:cSld>
+  <p:clrMapOvr>
+    <a:masterClrMapping/>
+  </p:clrMapOvr>
+</p:sld>
+</file>
+
+<file path=ppt/slides/slide7.xml><?xml version="1.0" encoding="utf-8"?>
+<p:sld xmlns:a="http://schemas.openxmlformats.org/drawingml/2006/main" xmlns:r="http://schemas.openxmlformats.org/officeDocument/2006/relationships" xmlns:p="http://schemas.openxmlformats.org/presentationml/2006/main">
+  <p:cSld>
+    <p:spTree>
+      <p:nvGrpSpPr>
+        <p:cNvPr id="1" name=""/>
+        <p:cNvGrpSpPr/>
+        <p:nvPr/>
+      </p:nvGrpSpPr>
+      <p:grpSpPr>
+        <a:xfrm>
+          <a:off x="0" y="0"/>
+          <a:ext cx="0" cy="0"/>
+          <a:chOff x="0" y="0"/>
+          <a:chExt cx="0" cy="0"/>
+        </a:xfrm>
+      </p:grpSpPr>
+      <p:sp>
+        <p:nvSpPr>
+          <p:cNvPr id="3" name="Rectangle 2"/>
+          <p:cNvSpPr/>
+          <p:nvPr/>
+        </p:nvSpPr>
+        <p:spPr>
+          <a:xfrm>
+            <a:off x="646488" y="603816"/>
+            <a:ext cx="6245020" cy="2758816"/>
+          </a:xfrm>
+          <a:prstGeom prst="rect">
+            <a:avLst/>
+          </a:prstGeom>
+          <a:solidFill>
+            <a:schemeClr val="bg1"/>
+          </a:solidFill>
+          <a:ln>
+            <a:noFill/>
+          </a:ln>
+          <a:effectLst/>
+        </p:spPr>
+        <p:style>
+          <a:lnRef idx="1">
+            <a:schemeClr val="accent1"/>
+          </a:lnRef>
+          <a:fillRef idx="3">
+            <a:schemeClr val="accent1"/>
+          </a:fillRef>
+          <a:effectRef idx="2">
+            <a:schemeClr val="accent1"/>
+          </a:effectRef>
+          <a:fontRef idx="minor">
+            <a:schemeClr val="lt1"/>
+          </a:fontRef>
+        </p:style>
+        <p:txBody>
+          <a:bodyPr rtlCol="0" anchor="ctr"/>
+          <a:lstStyle/>
+          <a:p>
+            <a:pPr algn="ctr"/>
+            <a:endParaRPr lang="en-US"/>
+          </a:p>
+        </p:txBody>
+      </p:sp>
+      <p:pic>
+        <p:nvPicPr>
+          <p:cNvPr id="2" name="Picture 1" descr="Macintosh HD:Mac:Projects:Conditionality:Analyses:R:latfigs:abslat_byspinttype.pdf"/>
+          <p:cNvPicPr/>
+          <p:nvPr/>
+        </p:nvPicPr>
+        <p:blipFill rotWithShape="1">
+          <a:blip r:embed="rId2">
+            <a:extLst>
+              <a:ext uri="{28A0092B-C50C-407E-A947-70E740481C1C}">
+                <a14:useLocalDpi xmlns:a14="http://schemas.microsoft.com/office/drawing/2010/main" val="0"/>
+              </a:ext>
+            </a:extLst>
+          </a:blip>
+          <a:srcRect l="13010" t="61996" r="7010" b="10637"/>
+          <a:stretch/>
+        </p:blipFill>
+        <p:spPr bwMode="auto">
+          <a:xfrm>
+            <a:off x="1353317" y="726572"/>
+            <a:ext cx="5361193" cy="1834442"/>
+          </a:xfrm>
+          <a:prstGeom prst="rect">
+            <a:avLst/>
+          </a:prstGeom>
+          <a:noFill/>
+          <a:ln>
+            <a:noFill/>
+          </a:ln>
+          <a:extLst>
+            <a:ext uri="{53640926-AAD7-44d8-BBD7-CCE9431645EC}">
+              <a14:shadowObscured xmlns:a14="http://schemas.microsoft.com/office/drawing/2010/main"/>
+            </a:ext>
+          </a:extLst>
+        </p:spPr>
+      </p:pic>
+      <p:pic>
+        <p:nvPicPr>
+          <p:cNvPr id="4" name="Picture 3" descr="Macintosh HD:Mac:Projects:Conditionality:Analyses:R:latfigs:abslat_byspinttype.pdf"/>
+          <p:cNvPicPr/>
+          <p:nvPr/>
+        </p:nvPicPr>
+        <p:blipFill rotWithShape="1">
+          <a:blip r:embed="rId2">
+            <a:extLst>
+              <a:ext uri="{28A0092B-C50C-407E-A947-70E740481C1C}">
+                <a14:useLocalDpi xmlns:a14="http://schemas.microsoft.com/office/drawing/2010/main" val="0"/>
+              </a:ext>
+            </a:extLst>
+          </a:blip>
+          <a:srcRect l="7012" t="89331" r="7010" b="1978"/>
+          <a:stretch/>
+        </p:blipFill>
+        <p:spPr bwMode="auto">
+          <a:xfrm>
+            <a:off x="951250" y="2696352"/>
+            <a:ext cx="5763260" cy="582564"/>
+          </a:xfrm>
+          <a:prstGeom prst="rect">
+            <a:avLst/>
+          </a:prstGeom>
+          <a:noFill/>
+          <a:ln>
+            <a:noFill/>
+          </a:ln>
+          <a:extLst>
+            <a:ext uri="{53640926-AAD7-44d8-BBD7-CCE9431645EC}">
+              <a14:shadowObscured xmlns:a14="http://schemas.microsoft.com/office/drawing/2010/main"/>
+            </a:ext>
+          </a:extLst>
+        </p:spPr>
+      </p:pic>
+      <p:pic>
+        <p:nvPicPr>
+          <p:cNvPr id="5" name="Picture 4" descr="Macintosh HD:Mac:Projects:Conditionality:Analyses:R:latfigs:abslat_byspinttype.pdf"/>
+          <p:cNvPicPr/>
+          <p:nvPr/>
+        </p:nvPicPr>
+        <p:blipFill rotWithShape="1">
+          <a:blip r:embed="rId2">
+            <a:extLst>
+              <a:ext uri="{28A0092B-C50C-407E-A947-70E740481C1C}">
+                <a14:useLocalDpi xmlns:a14="http://schemas.microsoft.com/office/drawing/2010/main" val="0"/>
+              </a:ext>
+            </a:extLst>
+          </a:blip>
+          <a:srcRect l="7012" t="24622" r="88797" b="50839"/>
+          <a:stretch/>
+        </p:blipFill>
+        <p:spPr bwMode="auto">
+          <a:xfrm>
+            <a:off x="979082" y="916135"/>
+            <a:ext cx="280897" cy="1644879"/>
+          </a:xfrm>
+          <a:prstGeom prst="rect">
+            <a:avLst/>
+          </a:prstGeom>
+          <a:noFill/>
+          <a:ln>
+            <a:noFill/>
+          </a:ln>
+          <a:extLst>
+            <a:ext uri="{53640926-AAD7-44d8-BBD7-CCE9431645EC}">
+              <a14:shadowObscured xmlns:a14="http://schemas.microsoft.com/office/drawing/2010/main"/>
+            </a:ext>
+          </a:extLst>
+        </p:spPr>
+      </p:pic>
+      <p:pic>
+        <p:nvPicPr>
+          <p:cNvPr id="6" name="Picture 5" descr="Macintosh HD:Mac:Projects:Conditionality:Analyses:R:latfigs:abslat_byspinttype.pdf"/>
+          <p:cNvPicPr/>
+          <p:nvPr/>
+        </p:nvPicPr>
+        <p:blipFill rotWithShape="1">
+          <a:blip r:embed="rId2">
+            <a:extLst>
+              <a:ext uri="{28A0092B-C50C-407E-A947-70E740481C1C}">
+                <a14:useLocalDpi xmlns:a14="http://schemas.microsoft.com/office/drawing/2010/main" val="0"/>
+              </a:ext>
+            </a:extLst>
+          </a:blip>
+          <a:srcRect l="7012" t="49217" r="88797" b="20398"/>
+          <a:stretch/>
+        </p:blipFill>
+        <p:spPr bwMode="auto">
+          <a:xfrm>
+            <a:off x="646488" y="916135"/>
+            <a:ext cx="280897" cy="2036722"/>
+          </a:xfrm>
+          <a:prstGeom prst="rect">
+            <a:avLst/>
+          </a:prstGeom>
+          <a:noFill/>
+          <a:ln>
+            <a:noFill/>
+          </a:ln>
+          <a:extLst>
+            <a:ext uri="{53640926-AAD7-44d8-BBD7-CCE9431645EC}">
+              <a14:shadowObscured xmlns:a14="http://schemas.microsoft.com/office/drawing/2010/main"/>
+            </a:ext>
+          </a:extLst>
+        </p:spPr>
+      </p:pic>
+    </p:spTree>
+    <p:extLst>
+      <p:ext uri="{BB962C8B-B14F-4D97-AF65-F5344CB8AC3E}">
+        <p14:creationId xmlns:p14="http://schemas.microsoft.com/office/powerpoint/2010/main" val="2197026581"/>
       </p:ext>
     </p:extLst>
   </p:cSld>

--- a/ucalgarytalk/assets/Presentation2.pptx
+++ b/ucalgarytalk/assets/Presentation2.pptx
@@ -6,12 +6,16 @@
   </p:sldMasterIdLst>
   <p:sldIdLst>
     <p:sldId id="262" r:id="rId2"/>
-    <p:sldId id="256" r:id="rId3"/>
-    <p:sldId id="257" r:id="rId4"/>
-    <p:sldId id="258" r:id="rId5"/>
-    <p:sldId id="259" r:id="rId6"/>
-    <p:sldId id="260" r:id="rId7"/>
-    <p:sldId id="261" r:id="rId8"/>
+    <p:sldId id="263" r:id="rId3"/>
+    <p:sldId id="264" r:id="rId4"/>
+    <p:sldId id="266" r:id="rId5"/>
+    <p:sldId id="265" r:id="rId6"/>
+    <p:sldId id="256" r:id="rId7"/>
+    <p:sldId id="257" r:id="rId8"/>
+    <p:sldId id="258" r:id="rId9"/>
+    <p:sldId id="259" r:id="rId10"/>
+    <p:sldId id="260" r:id="rId11"/>
+    <p:sldId id="261" r:id="rId12"/>
   </p:sldIdLst>
   <p:sldSz cx="9144000" cy="6858000" type="screen4x3"/>
   <p:notesSz cx="6858000" cy="9144000"/>
@@ -291,7 +295,7 @@
           <a:lstStyle/>
           <a:p>
             <a:fld id="{78370B39-E701-BD43-A90D-E131465F0C45}" type="datetimeFigureOut">
-              <a:t>9/12/12</a:t>
+              <a:t>9/17/12</a:t>
             </a:fld>
             <a:endParaRPr lang="en-US"/>
           </a:p>
@@ -457,7 +461,7 @@
           <a:lstStyle/>
           <a:p>
             <a:fld id="{78370B39-E701-BD43-A90D-E131465F0C45}" type="datetimeFigureOut">
-              <a:t>9/12/12</a:t>
+              <a:t>9/17/12</a:t>
             </a:fld>
             <a:endParaRPr lang="en-US"/>
           </a:p>
@@ -633,7 +637,7 @@
           <a:lstStyle/>
           <a:p>
             <a:fld id="{78370B39-E701-BD43-A90D-E131465F0C45}" type="datetimeFigureOut">
-              <a:t>9/12/12</a:t>
+              <a:t>9/17/12</a:t>
             </a:fld>
             <a:endParaRPr lang="en-US"/>
           </a:p>
@@ -799,7 +803,7 @@
           <a:lstStyle/>
           <a:p>
             <a:fld id="{78370B39-E701-BD43-A90D-E131465F0C45}" type="datetimeFigureOut">
-              <a:t>9/12/12</a:t>
+              <a:t>9/17/12</a:t>
             </a:fld>
             <a:endParaRPr lang="en-US"/>
           </a:p>
@@ -1042,7 +1046,7 @@
           <a:lstStyle/>
           <a:p>
             <a:fld id="{78370B39-E701-BD43-A90D-E131465F0C45}" type="datetimeFigureOut">
-              <a:t>9/12/12</a:t>
+              <a:t>9/17/12</a:t>
             </a:fld>
             <a:endParaRPr lang="en-US"/>
           </a:p>
@@ -1325,7 +1329,7 @@
           <a:lstStyle/>
           <a:p>
             <a:fld id="{78370B39-E701-BD43-A90D-E131465F0C45}" type="datetimeFigureOut">
-              <a:t>9/12/12</a:t>
+              <a:t>9/17/12</a:t>
             </a:fld>
             <a:endParaRPr lang="en-US"/>
           </a:p>
@@ -1742,7 +1746,7 @@
           <a:lstStyle/>
           <a:p>
             <a:fld id="{78370B39-E701-BD43-A90D-E131465F0C45}" type="datetimeFigureOut">
-              <a:t>9/12/12</a:t>
+              <a:t>9/17/12</a:t>
             </a:fld>
             <a:endParaRPr lang="en-US"/>
           </a:p>
@@ -1857,7 +1861,7 @@
           <a:lstStyle/>
           <a:p>
             <a:fld id="{78370B39-E701-BD43-A90D-E131465F0C45}" type="datetimeFigureOut">
-              <a:t>9/12/12</a:t>
+              <a:t>9/17/12</a:t>
             </a:fld>
             <a:endParaRPr lang="en-US"/>
           </a:p>
@@ -1950,7 +1954,7 @@
           <a:lstStyle/>
           <a:p>
             <a:fld id="{78370B39-E701-BD43-A90D-E131465F0C45}" type="datetimeFigureOut">
-              <a:t>9/12/12</a:t>
+              <a:t>9/17/12</a:t>
             </a:fld>
             <a:endParaRPr lang="en-US"/>
           </a:p>
@@ -2223,7 +2227,7 @@
           <a:lstStyle/>
           <a:p>
             <a:fld id="{78370B39-E701-BD43-A90D-E131465F0C45}" type="datetimeFigureOut">
-              <a:t>9/12/12</a:t>
+              <a:t>9/17/12</a:t>
             </a:fld>
             <a:endParaRPr lang="en-US"/>
           </a:p>
@@ -2473,7 +2477,7 @@
           <a:lstStyle/>
           <a:p>
             <a:fld id="{78370B39-E701-BD43-A90D-E131465F0C45}" type="datetimeFigureOut">
-              <a:t>9/12/12</a:t>
+              <a:t>9/17/12</a:t>
             </a:fld>
             <a:endParaRPr lang="en-US"/>
           </a:p>
@@ -2682,7 +2686,7 @@
           </a:lstStyle>
           <a:p>
             <a:fld id="{78370B39-E701-BD43-A90D-E131465F0C45}" type="datetimeFigureOut">
-              <a:t>9/12/12</a:t>
+              <a:t>9/17/12</a:t>
             </a:fld>
             <a:endParaRPr lang="en-US"/>
           </a:p>
@@ -3219,7 +3223,1464 @@
 </p:sld>
 </file>
 
+<file path=ppt/slides/slide10.xml><?xml version="1.0" encoding="utf-8"?>
+<p:sld xmlns:a="http://schemas.openxmlformats.org/drawingml/2006/main" xmlns:r="http://schemas.openxmlformats.org/officeDocument/2006/relationships" xmlns:p="http://schemas.openxmlformats.org/presentationml/2006/main">
+  <p:cSld>
+    <p:spTree>
+      <p:nvGrpSpPr>
+        <p:cNvPr id="1" name=""/>
+        <p:cNvGrpSpPr/>
+        <p:nvPr/>
+      </p:nvGrpSpPr>
+      <p:grpSpPr>
+        <a:xfrm>
+          <a:off x="0" y="0"/>
+          <a:ext cx="0" cy="0"/>
+          <a:chOff x="0" y="0"/>
+          <a:chExt cx="0" cy="0"/>
+        </a:xfrm>
+      </p:grpSpPr>
+      <p:sp>
+        <p:nvSpPr>
+          <p:cNvPr id="3" name="Rectangle 2"/>
+          <p:cNvSpPr/>
+          <p:nvPr/>
+        </p:nvSpPr>
+        <p:spPr>
+          <a:xfrm>
+            <a:off x="646488" y="603816"/>
+            <a:ext cx="6245020" cy="2758816"/>
+          </a:xfrm>
+          <a:prstGeom prst="rect">
+            <a:avLst/>
+          </a:prstGeom>
+          <a:solidFill>
+            <a:schemeClr val="bg1"/>
+          </a:solidFill>
+          <a:ln>
+            <a:noFill/>
+          </a:ln>
+          <a:effectLst/>
+        </p:spPr>
+        <p:style>
+          <a:lnRef idx="1">
+            <a:schemeClr val="accent1"/>
+          </a:lnRef>
+          <a:fillRef idx="3">
+            <a:schemeClr val="accent1"/>
+          </a:fillRef>
+          <a:effectRef idx="2">
+            <a:schemeClr val="accent1"/>
+          </a:effectRef>
+          <a:fontRef idx="minor">
+            <a:schemeClr val="lt1"/>
+          </a:fontRef>
+        </p:style>
+        <p:txBody>
+          <a:bodyPr rtlCol="0" anchor="ctr"/>
+          <a:lstStyle/>
+          <a:p>
+            <a:pPr algn="ctr"/>
+            <a:endParaRPr lang="en-US"/>
+          </a:p>
+        </p:txBody>
+      </p:sp>
+      <p:pic>
+        <p:nvPicPr>
+          <p:cNvPr id="4" name="Picture 3" descr="Macintosh HD:Mac:Projects:Conditionality:Analyses:R:latfigs:abslat_byspinttype.pdf"/>
+          <p:cNvPicPr/>
+          <p:nvPr/>
+        </p:nvPicPr>
+        <p:blipFill rotWithShape="1">
+          <a:blip r:embed="rId2">
+            <a:extLst>
+              <a:ext uri="{28A0092B-C50C-407E-A947-70E740481C1C}">
+                <a14:useLocalDpi xmlns:a14="http://schemas.microsoft.com/office/drawing/2010/main" val="0"/>
+              </a:ext>
+            </a:extLst>
+          </a:blip>
+          <a:srcRect l="7012" t="89331" r="7010" b="1978"/>
+          <a:stretch/>
+        </p:blipFill>
+        <p:spPr bwMode="auto">
+          <a:xfrm>
+            <a:off x="951250" y="2696352"/>
+            <a:ext cx="5763260" cy="582564"/>
+          </a:xfrm>
+          <a:prstGeom prst="rect">
+            <a:avLst/>
+          </a:prstGeom>
+          <a:noFill/>
+          <a:ln>
+            <a:noFill/>
+          </a:ln>
+          <a:extLst>
+            <a:ext uri="{53640926-AAD7-44d8-BBD7-CCE9431645EC}">
+              <a14:shadowObscured xmlns:a14="http://schemas.microsoft.com/office/drawing/2010/main"/>
+            </a:ext>
+          </a:extLst>
+        </p:spPr>
+      </p:pic>
+      <p:pic>
+        <p:nvPicPr>
+          <p:cNvPr id="5" name="Picture 4" descr="Macintosh HD:Mac:Projects:Conditionality:Analyses:R:latfigs:abslat_byspinttype.pdf"/>
+          <p:cNvPicPr/>
+          <p:nvPr/>
+        </p:nvPicPr>
+        <p:blipFill rotWithShape="1">
+          <a:blip r:embed="rId2">
+            <a:extLst>
+              <a:ext uri="{28A0092B-C50C-407E-A947-70E740481C1C}">
+                <a14:useLocalDpi xmlns:a14="http://schemas.microsoft.com/office/drawing/2010/main" val="0"/>
+              </a:ext>
+            </a:extLst>
+          </a:blip>
+          <a:srcRect l="7012" t="24622" r="88797" b="50839"/>
+          <a:stretch/>
+        </p:blipFill>
+        <p:spPr bwMode="auto">
+          <a:xfrm>
+            <a:off x="979082" y="916135"/>
+            <a:ext cx="280897" cy="1644879"/>
+          </a:xfrm>
+          <a:prstGeom prst="rect">
+            <a:avLst/>
+          </a:prstGeom>
+          <a:noFill/>
+          <a:ln>
+            <a:noFill/>
+          </a:ln>
+          <a:extLst>
+            <a:ext uri="{53640926-AAD7-44d8-BBD7-CCE9431645EC}">
+              <a14:shadowObscured xmlns:a14="http://schemas.microsoft.com/office/drawing/2010/main"/>
+            </a:ext>
+          </a:extLst>
+        </p:spPr>
+      </p:pic>
+      <p:pic>
+        <p:nvPicPr>
+          <p:cNvPr id="6" name="Picture 5" descr="Macintosh HD:Mac:Projects:Conditionality:Analyses:R:latfigs:abslat_byspinttype.pdf"/>
+          <p:cNvPicPr/>
+          <p:nvPr/>
+        </p:nvPicPr>
+        <p:blipFill rotWithShape="1">
+          <a:blip r:embed="rId2">
+            <a:extLst>
+              <a:ext uri="{28A0092B-C50C-407E-A947-70E740481C1C}">
+                <a14:useLocalDpi xmlns:a14="http://schemas.microsoft.com/office/drawing/2010/main" val="0"/>
+              </a:ext>
+            </a:extLst>
+          </a:blip>
+          <a:srcRect l="7012" t="49217" r="88797" b="20398"/>
+          <a:stretch/>
+        </p:blipFill>
+        <p:spPr bwMode="auto">
+          <a:xfrm>
+            <a:off x="646488" y="916135"/>
+            <a:ext cx="280897" cy="2036722"/>
+          </a:xfrm>
+          <a:prstGeom prst="rect">
+            <a:avLst/>
+          </a:prstGeom>
+          <a:noFill/>
+          <a:ln>
+            <a:noFill/>
+          </a:ln>
+          <a:extLst>
+            <a:ext uri="{53640926-AAD7-44d8-BBD7-CCE9431645EC}">
+              <a14:shadowObscured xmlns:a14="http://schemas.microsoft.com/office/drawing/2010/main"/>
+            </a:ext>
+          </a:extLst>
+        </p:spPr>
+      </p:pic>
+      <p:pic>
+        <p:nvPicPr>
+          <p:cNvPr id="2" name="Picture 1" descr="Macintosh HD:Mac:Projects:Conditionality:Analyses:R:latfigs:abslat_byspinttype.pdf"/>
+          <p:cNvPicPr/>
+          <p:nvPr/>
+        </p:nvPicPr>
+        <p:blipFill rotWithShape="1">
+          <a:blip r:embed="rId2">
+            <a:extLst>
+              <a:ext uri="{28A0092B-C50C-407E-A947-70E740481C1C}">
+                <a14:useLocalDpi xmlns:a14="http://schemas.microsoft.com/office/drawing/2010/main" val="0"/>
+              </a:ext>
+            </a:extLst>
+          </a:blip>
+          <a:srcRect l="12406" t="30778" r="7010" b="37376"/>
+          <a:stretch/>
+        </p:blipFill>
+        <p:spPr bwMode="auto">
+          <a:xfrm>
+            <a:off x="1312816" y="688783"/>
+            <a:ext cx="5401694" cy="2134602"/>
+          </a:xfrm>
+          <a:prstGeom prst="rect">
+            <a:avLst/>
+          </a:prstGeom>
+          <a:noFill/>
+          <a:ln>
+            <a:noFill/>
+          </a:ln>
+          <a:extLst>
+            <a:ext uri="{53640926-AAD7-44d8-BBD7-CCE9431645EC}">
+              <a14:shadowObscured xmlns:a14="http://schemas.microsoft.com/office/drawing/2010/main"/>
+            </a:ext>
+          </a:extLst>
+        </p:spPr>
+      </p:pic>
+    </p:spTree>
+    <p:extLst>
+      <p:ext uri="{BB962C8B-B14F-4D97-AF65-F5344CB8AC3E}">
+        <p14:creationId xmlns:p14="http://schemas.microsoft.com/office/powerpoint/2010/main" val="2111892503"/>
+      </p:ext>
+    </p:extLst>
+  </p:cSld>
+  <p:clrMapOvr>
+    <a:masterClrMapping/>
+  </p:clrMapOvr>
+</p:sld>
+</file>
+
+<file path=ppt/slides/slide11.xml><?xml version="1.0" encoding="utf-8"?>
+<p:sld xmlns:a="http://schemas.openxmlformats.org/drawingml/2006/main" xmlns:r="http://schemas.openxmlformats.org/officeDocument/2006/relationships" xmlns:p="http://schemas.openxmlformats.org/presentationml/2006/main">
+  <p:cSld>
+    <p:spTree>
+      <p:nvGrpSpPr>
+        <p:cNvPr id="1" name=""/>
+        <p:cNvGrpSpPr/>
+        <p:nvPr/>
+      </p:nvGrpSpPr>
+      <p:grpSpPr>
+        <a:xfrm>
+          <a:off x="0" y="0"/>
+          <a:ext cx="0" cy="0"/>
+          <a:chOff x="0" y="0"/>
+          <a:chExt cx="0" cy="0"/>
+        </a:xfrm>
+      </p:grpSpPr>
+      <p:sp>
+        <p:nvSpPr>
+          <p:cNvPr id="3" name="Rectangle 2"/>
+          <p:cNvSpPr/>
+          <p:nvPr/>
+        </p:nvSpPr>
+        <p:spPr>
+          <a:xfrm>
+            <a:off x="646488" y="603816"/>
+            <a:ext cx="6245020" cy="2758816"/>
+          </a:xfrm>
+          <a:prstGeom prst="rect">
+            <a:avLst/>
+          </a:prstGeom>
+          <a:solidFill>
+            <a:schemeClr val="bg1"/>
+          </a:solidFill>
+          <a:ln>
+            <a:noFill/>
+          </a:ln>
+          <a:effectLst/>
+        </p:spPr>
+        <p:style>
+          <a:lnRef idx="1">
+            <a:schemeClr val="accent1"/>
+          </a:lnRef>
+          <a:fillRef idx="3">
+            <a:schemeClr val="accent1"/>
+          </a:fillRef>
+          <a:effectRef idx="2">
+            <a:schemeClr val="accent1"/>
+          </a:effectRef>
+          <a:fontRef idx="minor">
+            <a:schemeClr val="lt1"/>
+          </a:fontRef>
+        </p:style>
+        <p:txBody>
+          <a:bodyPr rtlCol="0" anchor="ctr"/>
+          <a:lstStyle/>
+          <a:p>
+            <a:pPr algn="ctr"/>
+            <a:endParaRPr lang="en-US"/>
+          </a:p>
+        </p:txBody>
+      </p:sp>
+      <p:pic>
+        <p:nvPicPr>
+          <p:cNvPr id="2" name="Picture 1" descr="Macintosh HD:Mac:Projects:Conditionality:Analyses:R:latfigs:abslat_byspinttype.pdf"/>
+          <p:cNvPicPr/>
+          <p:nvPr/>
+        </p:nvPicPr>
+        <p:blipFill rotWithShape="1">
+          <a:blip r:embed="rId2">
+            <a:extLst>
+              <a:ext uri="{28A0092B-C50C-407E-A947-70E740481C1C}">
+                <a14:useLocalDpi xmlns:a14="http://schemas.microsoft.com/office/drawing/2010/main" val="0"/>
+              </a:ext>
+            </a:extLst>
+          </a:blip>
+          <a:srcRect l="13010" t="61996" r="7010" b="10637"/>
+          <a:stretch/>
+        </p:blipFill>
+        <p:spPr bwMode="auto">
+          <a:xfrm>
+            <a:off x="1353317" y="726572"/>
+            <a:ext cx="5361193" cy="1834442"/>
+          </a:xfrm>
+          <a:prstGeom prst="rect">
+            <a:avLst/>
+          </a:prstGeom>
+          <a:noFill/>
+          <a:ln>
+            <a:noFill/>
+          </a:ln>
+          <a:extLst>
+            <a:ext uri="{53640926-AAD7-44d8-BBD7-CCE9431645EC}">
+              <a14:shadowObscured xmlns:a14="http://schemas.microsoft.com/office/drawing/2010/main"/>
+            </a:ext>
+          </a:extLst>
+        </p:spPr>
+      </p:pic>
+      <p:pic>
+        <p:nvPicPr>
+          <p:cNvPr id="4" name="Picture 3" descr="Macintosh HD:Mac:Projects:Conditionality:Analyses:R:latfigs:abslat_byspinttype.pdf"/>
+          <p:cNvPicPr/>
+          <p:nvPr/>
+        </p:nvPicPr>
+        <p:blipFill rotWithShape="1">
+          <a:blip r:embed="rId2">
+            <a:extLst>
+              <a:ext uri="{28A0092B-C50C-407E-A947-70E740481C1C}">
+                <a14:useLocalDpi xmlns:a14="http://schemas.microsoft.com/office/drawing/2010/main" val="0"/>
+              </a:ext>
+            </a:extLst>
+          </a:blip>
+          <a:srcRect l="7012" t="89331" r="7010" b="1978"/>
+          <a:stretch/>
+        </p:blipFill>
+        <p:spPr bwMode="auto">
+          <a:xfrm>
+            <a:off x="951250" y="2696352"/>
+            <a:ext cx="5763260" cy="582564"/>
+          </a:xfrm>
+          <a:prstGeom prst="rect">
+            <a:avLst/>
+          </a:prstGeom>
+          <a:noFill/>
+          <a:ln>
+            <a:noFill/>
+          </a:ln>
+          <a:extLst>
+            <a:ext uri="{53640926-AAD7-44d8-BBD7-CCE9431645EC}">
+              <a14:shadowObscured xmlns:a14="http://schemas.microsoft.com/office/drawing/2010/main"/>
+            </a:ext>
+          </a:extLst>
+        </p:spPr>
+      </p:pic>
+      <p:pic>
+        <p:nvPicPr>
+          <p:cNvPr id="5" name="Picture 4" descr="Macintosh HD:Mac:Projects:Conditionality:Analyses:R:latfigs:abslat_byspinttype.pdf"/>
+          <p:cNvPicPr/>
+          <p:nvPr/>
+        </p:nvPicPr>
+        <p:blipFill rotWithShape="1">
+          <a:blip r:embed="rId2">
+            <a:extLst>
+              <a:ext uri="{28A0092B-C50C-407E-A947-70E740481C1C}">
+                <a14:useLocalDpi xmlns:a14="http://schemas.microsoft.com/office/drawing/2010/main" val="0"/>
+              </a:ext>
+            </a:extLst>
+          </a:blip>
+          <a:srcRect l="7012" t="24622" r="88797" b="50839"/>
+          <a:stretch/>
+        </p:blipFill>
+        <p:spPr bwMode="auto">
+          <a:xfrm>
+            <a:off x="979082" y="916135"/>
+            <a:ext cx="280897" cy="1644879"/>
+          </a:xfrm>
+          <a:prstGeom prst="rect">
+            <a:avLst/>
+          </a:prstGeom>
+          <a:noFill/>
+          <a:ln>
+            <a:noFill/>
+          </a:ln>
+          <a:extLst>
+            <a:ext uri="{53640926-AAD7-44d8-BBD7-CCE9431645EC}">
+              <a14:shadowObscured xmlns:a14="http://schemas.microsoft.com/office/drawing/2010/main"/>
+            </a:ext>
+          </a:extLst>
+        </p:spPr>
+      </p:pic>
+      <p:pic>
+        <p:nvPicPr>
+          <p:cNvPr id="6" name="Picture 5" descr="Macintosh HD:Mac:Projects:Conditionality:Analyses:R:latfigs:abslat_byspinttype.pdf"/>
+          <p:cNvPicPr/>
+          <p:nvPr/>
+        </p:nvPicPr>
+        <p:blipFill rotWithShape="1">
+          <a:blip r:embed="rId2">
+            <a:extLst>
+              <a:ext uri="{28A0092B-C50C-407E-A947-70E740481C1C}">
+                <a14:useLocalDpi xmlns:a14="http://schemas.microsoft.com/office/drawing/2010/main" val="0"/>
+              </a:ext>
+            </a:extLst>
+          </a:blip>
+          <a:srcRect l="7012" t="49217" r="88797" b="20398"/>
+          <a:stretch/>
+        </p:blipFill>
+        <p:spPr bwMode="auto">
+          <a:xfrm>
+            <a:off x="646488" y="916135"/>
+            <a:ext cx="280897" cy="2036722"/>
+          </a:xfrm>
+          <a:prstGeom prst="rect">
+            <a:avLst/>
+          </a:prstGeom>
+          <a:noFill/>
+          <a:ln>
+            <a:noFill/>
+          </a:ln>
+          <a:extLst>
+            <a:ext uri="{53640926-AAD7-44d8-BBD7-CCE9431645EC}">
+              <a14:shadowObscured xmlns:a14="http://schemas.microsoft.com/office/drawing/2010/main"/>
+            </a:ext>
+          </a:extLst>
+        </p:spPr>
+      </p:pic>
+    </p:spTree>
+    <p:extLst>
+      <p:ext uri="{BB962C8B-B14F-4D97-AF65-F5344CB8AC3E}">
+        <p14:creationId xmlns:p14="http://schemas.microsoft.com/office/powerpoint/2010/main" val="2197026581"/>
+      </p:ext>
+    </p:extLst>
+  </p:cSld>
+  <p:clrMapOvr>
+    <a:masterClrMapping/>
+  </p:clrMapOvr>
+</p:sld>
+</file>
+
 <file path=ppt/slides/slide2.xml><?xml version="1.0" encoding="utf-8"?>
+<p:sld xmlns:a="http://schemas.openxmlformats.org/drawingml/2006/main" xmlns:r="http://schemas.openxmlformats.org/officeDocument/2006/relationships" xmlns:p="http://schemas.openxmlformats.org/presentationml/2006/main">
+  <p:cSld>
+    <p:spTree>
+      <p:nvGrpSpPr>
+        <p:cNvPr id="1" name=""/>
+        <p:cNvGrpSpPr/>
+        <p:nvPr/>
+      </p:nvGrpSpPr>
+      <p:grpSpPr>
+        <a:xfrm>
+          <a:off x="0" y="0"/>
+          <a:ext cx="0" cy="0"/>
+          <a:chOff x="0" y="0"/>
+          <a:chExt cx="0" cy="0"/>
+        </a:xfrm>
+      </p:grpSpPr>
+      <p:pic>
+        <p:nvPicPr>
+          <p:cNvPr id="2" name="Picture 1" descr="sppinteractions.png"/>
+          <p:cNvPicPr>
+            <a:picLocks noChangeAspect="1"/>
+          </p:cNvPicPr>
+          <p:nvPr/>
+        </p:nvPicPr>
+        <p:blipFill rotWithShape="1">
+          <a:blip r:embed="rId2">
+            <a:extLst>
+              <a:ext uri="{28A0092B-C50C-407E-A947-70E740481C1C}">
+                <a14:useLocalDpi xmlns:a14="http://schemas.microsoft.com/office/drawing/2010/main" val="0"/>
+              </a:ext>
+            </a:extLst>
+          </a:blip>
+          <a:srcRect l="38383" r="34653"/>
+          <a:stretch/>
+        </p:blipFill>
+        <p:spPr>
+          <a:xfrm>
+            <a:off x="412654" y="1824409"/>
+            <a:ext cx="2366852" cy="1889634"/>
+          </a:xfrm>
+          <a:prstGeom prst="rect">
+            <a:avLst/>
+          </a:prstGeom>
+        </p:spPr>
+      </p:pic>
+      <p:sp>
+        <p:nvSpPr>
+          <p:cNvPr id="3" name="TextBox 2"/>
+          <p:cNvSpPr txBox="1"/>
+          <p:nvPr/>
+        </p:nvSpPr>
+        <p:spPr>
+          <a:xfrm>
+            <a:off x="1360303" y="3924806"/>
+            <a:ext cx="430376" cy="646331"/>
+          </a:xfrm>
+          <a:prstGeom prst="rect">
+            <a:avLst/>
+          </a:prstGeom>
+          <a:noFill/>
+        </p:spPr>
+        <p:txBody>
+          <a:bodyPr wrap="none" rtlCol="0">
+            <a:spAutoFit/>
+          </a:bodyPr>
+          <a:lstStyle/>
+          <a:p>
+            <a:r>
+              <a:rPr lang="en-US" sz="3600" b="1"/>
+              <a:t>P</a:t>
+            </a:r>
+          </a:p>
+        </p:txBody>
+      </p:sp>
+      <p:pic>
+        <p:nvPicPr>
+          <p:cNvPr id="4" name="Picture 3" descr="sppinteractions.png"/>
+          <p:cNvPicPr>
+            <a:picLocks noChangeAspect="1"/>
+          </p:cNvPicPr>
+          <p:nvPr/>
+        </p:nvPicPr>
+        <p:blipFill rotWithShape="1">
+          <a:blip r:embed="rId2">
+            <a:extLst>
+              <a:ext uri="{28A0092B-C50C-407E-A947-70E740481C1C}">
+                <a14:useLocalDpi xmlns:a14="http://schemas.microsoft.com/office/drawing/2010/main" val="0"/>
+              </a:ext>
+            </a:extLst>
+          </a:blip>
+          <a:srcRect r="66868"/>
+          <a:stretch/>
+        </p:blipFill>
+        <p:spPr>
+          <a:xfrm>
+            <a:off x="3077647" y="1824409"/>
+            <a:ext cx="2908179" cy="1889634"/>
+          </a:xfrm>
+          <a:prstGeom prst="rect">
+            <a:avLst/>
+          </a:prstGeom>
+        </p:spPr>
+      </p:pic>
+      <p:pic>
+        <p:nvPicPr>
+          <p:cNvPr id="5" name="Picture 4" descr="sppinteractions.png"/>
+          <p:cNvPicPr>
+            <a:picLocks noChangeAspect="1"/>
+          </p:cNvPicPr>
+          <p:nvPr/>
+        </p:nvPicPr>
+        <p:blipFill rotWithShape="1">
+          <a:blip r:embed="rId2">
+            <a:extLst>
+              <a:ext uri="{28A0092B-C50C-407E-A947-70E740481C1C}">
+                <a14:useLocalDpi xmlns:a14="http://schemas.microsoft.com/office/drawing/2010/main" val="0"/>
+              </a:ext>
+            </a:extLst>
+          </a:blip>
+          <a:srcRect l="67924"/>
+          <a:stretch/>
+        </p:blipFill>
+        <p:spPr>
+          <a:xfrm>
+            <a:off x="6161882" y="1824409"/>
+            <a:ext cx="2815555" cy="1889634"/>
+          </a:xfrm>
+          <a:prstGeom prst="rect">
+            <a:avLst/>
+          </a:prstGeom>
+        </p:spPr>
+      </p:pic>
+      <p:sp>
+        <p:nvSpPr>
+          <p:cNvPr id="6" name="TextBox 5"/>
+          <p:cNvSpPr txBox="1"/>
+          <p:nvPr/>
+        </p:nvSpPr>
+        <p:spPr>
+          <a:xfrm>
+            <a:off x="4396310" y="3924806"/>
+            <a:ext cx="430376" cy="646331"/>
+          </a:xfrm>
+          <a:prstGeom prst="rect">
+            <a:avLst/>
+          </a:prstGeom>
+          <a:noFill/>
+        </p:spPr>
+        <p:txBody>
+          <a:bodyPr wrap="none" rtlCol="0">
+            <a:spAutoFit/>
+          </a:bodyPr>
+          <a:lstStyle/>
+          <a:p>
+            <a:r>
+              <a:rPr lang="en-US" sz="3600" b="1"/>
+              <a:t>C</a:t>
+            </a:r>
+          </a:p>
+        </p:txBody>
+      </p:sp>
+      <p:sp>
+        <p:nvSpPr>
+          <p:cNvPr id="7" name="TextBox 6"/>
+          <p:cNvSpPr txBox="1"/>
+          <p:nvPr/>
+        </p:nvSpPr>
+        <p:spPr>
+          <a:xfrm>
+            <a:off x="7484367" y="3924806"/>
+            <a:ext cx="588172" cy="646331"/>
+          </a:xfrm>
+          <a:prstGeom prst="rect">
+            <a:avLst/>
+          </a:prstGeom>
+          <a:noFill/>
+        </p:spPr>
+        <p:txBody>
+          <a:bodyPr wrap="none" rtlCol="0">
+            <a:spAutoFit/>
+          </a:bodyPr>
+          <a:lstStyle/>
+          <a:p>
+            <a:r>
+              <a:rPr lang="en-US" sz="3600" b="1"/>
+              <a:t>M</a:t>
+            </a:r>
+          </a:p>
+        </p:txBody>
+      </p:sp>
+    </p:spTree>
+    <p:extLst>
+      <p:ext uri="{BB962C8B-B14F-4D97-AF65-F5344CB8AC3E}">
+        <p14:creationId xmlns:p14="http://schemas.microsoft.com/office/powerpoint/2010/main" val="255962066"/>
+      </p:ext>
+    </p:extLst>
+  </p:cSld>
+  <p:clrMapOvr>
+    <a:masterClrMapping/>
+  </p:clrMapOvr>
+</p:sld>
+</file>
+
+<file path=ppt/slides/slide3.xml><?xml version="1.0" encoding="utf-8"?>
+<p:sld xmlns:a="http://schemas.openxmlformats.org/drawingml/2006/main" xmlns:r="http://schemas.openxmlformats.org/officeDocument/2006/relationships" xmlns:p="http://schemas.openxmlformats.org/presentationml/2006/main">
+  <p:cSld>
+    <p:spTree>
+      <p:nvGrpSpPr>
+        <p:cNvPr id="1" name=""/>
+        <p:cNvGrpSpPr/>
+        <p:nvPr/>
+      </p:nvGrpSpPr>
+      <p:grpSpPr>
+        <a:xfrm>
+          <a:off x="0" y="0"/>
+          <a:ext cx="0" cy="0"/>
+          <a:chOff x="0" y="0"/>
+          <a:chExt cx="0" cy="0"/>
+        </a:xfrm>
+      </p:grpSpPr>
+      <p:pic>
+        <p:nvPicPr>
+          <p:cNvPr id="2" name="Picture 1" descr="sppinttypes_by_contexts_sign.png"/>
+          <p:cNvPicPr>
+            <a:picLocks noChangeAspect="1"/>
+          </p:cNvPicPr>
+          <p:nvPr/>
+        </p:nvPicPr>
+        <p:blipFill>
+          <a:blip r:embed="rId2">
+            <a:extLst>
+              <a:ext uri="{28A0092B-C50C-407E-A947-70E740481C1C}">
+                <a14:useLocalDpi xmlns:a14="http://schemas.microsoft.com/office/drawing/2010/main" val="0"/>
+              </a:ext>
+            </a:extLst>
+          </a:blip>
+          <a:stretch>
+            <a:fillRect/>
+          </a:stretch>
+        </p:blipFill>
+        <p:spPr>
+          <a:xfrm>
+            <a:off x="0" y="1601784"/>
+            <a:ext cx="9144000" cy="3370849"/>
+          </a:xfrm>
+          <a:prstGeom prst="rect">
+            <a:avLst/>
+          </a:prstGeom>
+        </p:spPr>
+      </p:pic>
+      <p:sp>
+        <p:nvSpPr>
+          <p:cNvPr id="3" name="TextBox 2"/>
+          <p:cNvSpPr txBox="1"/>
+          <p:nvPr/>
+        </p:nvSpPr>
+        <p:spPr>
+          <a:xfrm>
+            <a:off x="1077961" y="1109781"/>
+            <a:ext cx="840419" cy="369332"/>
+          </a:xfrm>
+          <a:prstGeom prst="rect">
+            <a:avLst/>
+          </a:prstGeom>
+          <a:noFill/>
+        </p:spPr>
+        <p:txBody>
+          <a:bodyPr wrap="none" rtlCol="0">
+            <a:spAutoFit/>
+          </a:bodyPr>
+          <a:lstStyle/>
+          <a:p>
+            <a:r>
+              <a:rPr lang="en-US"/>
+              <a:t>Abiotic</a:t>
+            </a:r>
+          </a:p>
+        </p:txBody>
+      </p:sp>
+      <p:sp>
+        <p:nvSpPr>
+          <p:cNvPr id="4" name="TextBox 3"/>
+          <p:cNvSpPr txBox="1"/>
+          <p:nvPr/>
+        </p:nvSpPr>
+        <p:spPr>
+          <a:xfrm>
+            <a:off x="2809949" y="1109781"/>
+            <a:ext cx="814721" cy="369332"/>
+          </a:xfrm>
+          <a:prstGeom prst="rect">
+            <a:avLst/>
+          </a:prstGeom>
+          <a:noFill/>
+        </p:spPr>
+        <p:txBody>
+          <a:bodyPr wrap="none" rtlCol="0">
+            <a:spAutoFit/>
+          </a:bodyPr>
+          <a:lstStyle/>
+          <a:p>
+            <a:r>
+              <a:rPr lang="en-US"/>
+              <a:t>Spatial</a:t>
+            </a:r>
+          </a:p>
+        </p:txBody>
+      </p:sp>
+      <p:sp>
+        <p:nvSpPr>
+          <p:cNvPr id="5" name="TextBox 4"/>
+          <p:cNvSpPr txBox="1"/>
+          <p:nvPr/>
+        </p:nvSpPr>
+        <p:spPr>
+          <a:xfrm>
+            <a:off x="4115021" y="1109781"/>
+            <a:ext cx="1660731" cy="369332"/>
+          </a:xfrm>
+          <a:prstGeom prst="rect">
+            <a:avLst/>
+          </a:prstGeom>
+          <a:noFill/>
+        </p:spPr>
+        <p:txBody>
+          <a:bodyPr wrap="none" rtlCol="0">
+            <a:spAutoFit/>
+          </a:bodyPr>
+          <a:lstStyle/>
+          <a:p>
+            <a:r>
+              <a:rPr lang="en-US"/>
+              <a:t>Species Identity</a:t>
+            </a:r>
+          </a:p>
+        </p:txBody>
+      </p:sp>
+      <p:sp>
+        <p:nvSpPr>
+          <p:cNvPr id="6" name="TextBox 5"/>
+          <p:cNvSpPr txBox="1"/>
+          <p:nvPr/>
+        </p:nvSpPr>
+        <p:spPr>
+          <a:xfrm>
+            <a:off x="6177869" y="1109781"/>
+            <a:ext cx="1083425" cy="369332"/>
+          </a:xfrm>
+          <a:prstGeom prst="rect">
+            <a:avLst/>
+          </a:prstGeom>
+          <a:noFill/>
+        </p:spPr>
+        <p:txBody>
+          <a:bodyPr wrap="none" rtlCol="0">
+            <a:spAutoFit/>
+          </a:bodyPr>
+          <a:lstStyle/>
+          <a:p>
+            <a:r>
+              <a:rPr lang="en-US"/>
+              <a:t>Temporal</a:t>
+            </a:r>
+          </a:p>
+        </p:txBody>
+      </p:sp>
+      <p:sp>
+        <p:nvSpPr>
+          <p:cNvPr id="7" name="TextBox 6"/>
+          <p:cNvSpPr txBox="1"/>
+          <p:nvPr/>
+        </p:nvSpPr>
+        <p:spPr>
+          <a:xfrm>
+            <a:off x="7877839" y="1109781"/>
+            <a:ext cx="980444" cy="369332"/>
+          </a:xfrm>
+          <a:prstGeom prst="rect">
+            <a:avLst/>
+          </a:prstGeom>
+          <a:noFill/>
+        </p:spPr>
+        <p:txBody>
+          <a:bodyPr wrap="none" rtlCol="0">
+            <a:spAutoFit/>
+          </a:bodyPr>
+          <a:lstStyle/>
+          <a:p>
+            <a:r>
+              <a:rPr lang="en-US"/>
+              <a:t>3</a:t>
+            </a:r>
+            <a:r>
+              <a:rPr lang="en-US" baseline="30000"/>
+              <a:t>rd</a:t>
+            </a:r>
+            <a:r>
+              <a:rPr lang="en-US"/>
+              <a:t> party</a:t>
+            </a:r>
+          </a:p>
+        </p:txBody>
+      </p:sp>
+    </p:spTree>
+    <p:extLst>
+      <p:ext uri="{BB962C8B-B14F-4D97-AF65-F5344CB8AC3E}">
+        <p14:creationId xmlns:p14="http://schemas.microsoft.com/office/powerpoint/2010/main" val="284204474"/>
+      </p:ext>
+    </p:extLst>
+  </p:cSld>
+  <p:clrMapOvr>
+    <a:masterClrMapping/>
+  </p:clrMapOvr>
+</p:sld>
+</file>
+
+<file path=ppt/slides/slide4.xml><?xml version="1.0" encoding="utf-8"?>
+<p:sld xmlns:a="http://schemas.openxmlformats.org/drawingml/2006/main" xmlns:r="http://schemas.openxmlformats.org/officeDocument/2006/relationships" xmlns:p="http://schemas.openxmlformats.org/presentationml/2006/main">
+  <p:cSld>
+    <p:spTree>
+      <p:nvGrpSpPr>
+        <p:cNvPr id="1" name=""/>
+        <p:cNvGrpSpPr/>
+        <p:nvPr/>
+      </p:nvGrpSpPr>
+      <p:grpSpPr>
+        <a:xfrm>
+          <a:off x="0" y="0"/>
+          <a:ext cx="0" cy="0"/>
+          <a:chOff x="0" y="0"/>
+          <a:chExt cx="0" cy="0"/>
+        </a:xfrm>
+      </p:grpSpPr>
+      <p:pic>
+        <p:nvPicPr>
+          <p:cNvPr id="2" name="Picture 1" descr="sppinttypes_by_contexts_sign.png"/>
+          <p:cNvPicPr>
+            <a:picLocks noChangeAspect="1"/>
+          </p:cNvPicPr>
+          <p:nvPr/>
+        </p:nvPicPr>
+        <p:blipFill>
+          <a:blip r:embed="rId2">
+            <a:extLst>
+              <a:ext uri="{28A0092B-C50C-407E-A947-70E740481C1C}">
+                <a14:useLocalDpi xmlns:a14="http://schemas.microsoft.com/office/drawing/2010/main" val="0"/>
+              </a:ext>
+            </a:extLst>
+          </a:blip>
+          <a:stretch>
+            <a:fillRect/>
+          </a:stretch>
+        </p:blipFill>
+        <p:spPr>
+          <a:xfrm>
+            <a:off x="0" y="1601784"/>
+            <a:ext cx="9144000" cy="3370849"/>
+          </a:xfrm>
+          <a:prstGeom prst="rect">
+            <a:avLst/>
+          </a:prstGeom>
+        </p:spPr>
+      </p:pic>
+      <p:sp>
+        <p:nvSpPr>
+          <p:cNvPr id="3" name="TextBox 2"/>
+          <p:cNvSpPr txBox="1"/>
+          <p:nvPr/>
+        </p:nvSpPr>
+        <p:spPr>
+          <a:xfrm>
+            <a:off x="1077961" y="1109781"/>
+            <a:ext cx="840419" cy="369332"/>
+          </a:xfrm>
+          <a:prstGeom prst="rect">
+            <a:avLst/>
+          </a:prstGeom>
+          <a:noFill/>
+        </p:spPr>
+        <p:txBody>
+          <a:bodyPr wrap="none" rtlCol="0">
+            <a:spAutoFit/>
+          </a:bodyPr>
+          <a:lstStyle/>
+          <a:p>
+            <a:r>
+              <a:rPr lang="en-US"/>
+              <a:t>Abiotic</a:t>
+            </a:r>
+          </a:p>
+        </p:txBody>
+      </p:sp>
+      <p:sp>
+        <p:nvSpPr>
+          <p:cNvPr id="4" name="TextBox 3"/>
+          <p:cNvSpPr txBox="1"/>
+          <p:nvPr/>
+        </p:nvSpPr>
+        <p:spPr>
+          <a:xfrm>
+            <a:off x="2809949" y="1109781"/>
+            <a:ext cx="814721" cy="369332"/>
+          </a:xfrm>
+          <a:prstGeom prst="rect">
+            <a:avLst/>
+          </a:prstGeom>
+          <a:noFill/>
+        </p:spPr>
+        <p:txBody>
+          <a:bodyPr wrap="none" rtlCol="0">
+            <a:spAutoFit/>
+          </a:bodyPr>
+          <a:lstStyle/>
+          <a:p>
+            <a:r>
+              <a:rPr lang="en-US"/>
+              <a:t>Spatial</a:t>
+            </a:r>
+          </a:p>
+        </p:txBody>
+      </p:sp>
+      <p:sp>
+        <p:nvSpPr>
+          <p:cNvPr id="5" name="TextBox 4"/>
+          <p:cNvSpPr txBox="1"/>
+          <p:nvPr/>
+        </p:nvSpPr>
+        <p:spPr>
+          <a:xfrm>
+            <a:off x="4115021" y="1109781"/>
+            <a:ext cx="1660731" cy="369332"/>
+          </a:xfrm>
+          <a:prstGeom prst="rect">
+            <a:avLst/>
+          </a:prstGeom>
+          <a:noFill/>
+        </p:spPr>
+        <p:txBody>
+          <a:bodyPr wrap="none" rtlCol="0">
+            <a:spAutoFit/>
+          </a:bodyPr>
+          <a:lstStyle/>
+          <a:p>
+            <a:r>
+              <a:rPr lang="en-US"/>
+              <a:t>Species Identity</a:t>
+            </a:r>
+          </a:p>
+        </p:txBody>
+      </p:sp>
+      <p:sp>
+        <p:nvSpPr>
+          <p:cNvPr id="6" name="TextBox 5"/>
+          <p:cNvSpPr txBox="1"/>
+          <p:nvPr/>
+        </p:nvSpPr>
+        <p:spPr>
+          <a:xfrm>
+            <a:off x="6177869" y="1109781"/>
+            <a:ext cx="1083425" cy="369332"/>
+          </a:xfrm>
+          <a:prstGeom prst="rect">
+            <a:avLst/>
+          </a:prstGeom>
+          <a:noFill/>
+        </p:spPr>
+        <p:txBody>
+          <a:bodyPr wrap="none" rtlCol="0">
+            <a:spAutoFit/>
+          </a:bodyPr>
+          <a:lstStyle/>
+          <a:p>
+            <a:r>
+              <a:rPr lang="en-US"/>
+              <a:t>Temporal</a:t>
+            </a:r>
+          </a:p>
+        </p:txBody>
+      </p:sp>
+      <p:sp>
+        <p:nvSpPr>
+          <p:cNvPr id="7" name="TextBox 6"/>
+          <p:cNvSpPr txBox="1"/>
+          <p:nvPr/>
+        </p:nvSpPr>
+        <p:spPr>
+          <a:xfrm>
+            <a:off x="7877839" y="1109781"/>
+            <a:ext cx="980444" cy="369332"/>
+          </a:xfrm>
+          <a:prstGeom prst="rect">
+            <a:avLst/>
+          </a:prstGeom>
+          <a:noFill/>
+        </p:spPr>
+        <p:txBody>
+          <a:bodyPr wrap="none" rtlCol="0">
+            <a:spAutoFit/>
+          </a:bodyPr>
+          <a:lstStyle/>
+          <a:p>
+            <a:r>
+              <a:rPr lang="en-US"/>
+              <a:t>3</a:t>
+            </a:r>
+            <a:r>
+              <a:rPr lang="en-US" baseline="30000"/>
+              <a:t>rd</a:t>
+            </a:r>
+            <a:r>
+              <a:rPr lang="en-US"/>
+              <a:t> party</a:t>
+            </a:r>
+          </a:p>
+        </p:txBody>
+      </p:sp>
+      <p:sp>
+        <p:nvSpPr>
+          <p:cNvPr id="8" name="Rectangle 7"/>
+          <p:cNvSpPr/>
+          <p:nvPr/>
+        </p:nvSpPr>
+        <p:spPr>
+          <a:xfrm>
+            <a:off x="2342280" y="1601784"/>
+            <a:ext cx="1772741" cy="2781090"/>
+          </a:xfrm>
+          <a:prstGeom prst="rect">
+            <a:avLst/>
+          </a:prstGeom>
+          <a:noFill/>
+          <a:ln w="57150" cmpd="sng">
+            <a:solidFill>
+              <a:srgbClr val="FF0000"/>
+            </a:solidFill>
+          </a:ln>
+        </p:spPr>
+        <p:style>
+          <a:lnRef idx="1">
+            <a:schemeClr val="accent1"/>
+          </a:lnRef>
+          <a:fillRef idx="3">
+            <a:schemeClr val="accent1"/>
+          </a:fillRef>
+          <a:effectRef idx="2">
+            <a:schemeClr val="accent1"/>
+          </a:effectRef>
+          <a:fontRef idx="minor">
+            <a:schemeClr val="lt1"/>
+          </a:fontRef>
+        </p:style>
+        <p:txBody>
+          <a:bodyPr rtlCol="0" anchor="ctr"/>
+          <a:lstStyle/>
+          <a:p>
+            <a:pPr algn="ctr"/>
+            <a:endParaRPr lang="en-US"/>
+          </a:p>
+        </p:txBody>
+      </p:sp>
+      <p:sp>
+        <p:nvSpPr>
+          <p:cNvPr id="9" name="Rectangle 8"/>
+          <p:cNvSpPr/>
+          <p:nvPr/>
+        </p:nvSpPr>
+        <p:spPr>
+          <a:xfrm>
+            <a:off x="7371259" y="1601784"/>
+            <a:ext cx="1772741" cy="2781090"/>
+          </a:xfrm>
+          <a:prstGeom prst="rect">
+            <a:avLst/>
+          </a:prstGeom>
+          <a:noFill/>
+          <a:ln w="57150" cmpd="sng">
+            <a:solidFill>
+              <a:srgbClr val="FF0000"/>
+            </a:solidFill>
+          </a:ln>
+        </p:spPr>
+        <p:style>
+          <a:lnRef idx="1">
+            <a:schemeClr val="accent1"/>
+          </a:lnRef>
+          <a:fillRef idx="3">
+            <a:schemeClr val="accent1"/>
+          </a:fillRef>
+          <a:effectRef idx="2">
+            <a:schemeClr val="accent1"/>
+          </a:effectRef>
+          <a:fontRef idx="minor">
+            <a:schemeClr val="lt1"/>
+          </a:fontRef>
+        </p:style>
+        <p:txBody>
+          <a:bodyPr rtlCol="0" anchor="ctr"/>
+          <a:lstStyle/>
+          <a:p>
+            <a:pPr algn="ctr"/>
+            <a:endParaRPr lang="en-US"/>
+          </a:p>
+        </p:txBody>
+      </p:sp>
+    </p:spTree>
+    <p:extLst>
+      <p:ext uri="{BB962C8B-B14F-4D97-AF65-F5344CB8AC3E}">
+        <p14:creationId xmlns:p14="http://schemas.microsoft.com/office/powerpoint/2010/main" val="1952905752"/>
+      </p:ext>
+    </p:extLst>
+  </p:cSld>
+  <p:clrMapOvr>
+    <a:masterClrMapping/>
+  </p:clrMapOvr>
+</p:sld>
+</file>
+
+<file path=ppt/slides/slide5.xml><?xml version="1.0" encoding="utf-8"?>
+<p:sld xmlns:a="http://schemas.openxmlformats.org/drawingml/2006/main" xmlns:r="http://schemas.openxmlformats.org/officeDocument/2006/relationships" xmlns:p="http://schemas.openxmlformats.org/presentationml/2006/main">
+  <p:cSld>
+    <p:spTree>
+      <p:nvGrpSpPr>
+        <p:cNvPr id="1" name=""/>
+        <p:cNvGrpSpPr/>
+        <p:nvPr/>
+      </p:nvGrpSpPr>
+      <p:grpSpPr>
+        <a:xfrm>
+          <a:off x="0" y="0"/>
+          <a:ext cx="0" cy="0"/>
+          <a:chOff x="0" y="0"/>
+          <a:chExt cx="0" cy="0"/>
+        </a:xfrm>
+      </p:grpSpPr>
+      <p:pic>
+        <p:nvPicPr>
+          <p:cNvPr id="2" name="Picture 1" descr="sppinttypes_by_contexts_sign.png"/>
+          <p:cNvPicPr>
+            <a:picLocks noChangeAspect="1"/>
+          </p:cNvPicPr>
+          <p:nvPr/>
+        </p:nvPicPr>
+        <p:blipFill>
+          <a:blip r:embed="rId2">
+            <a:extLst>
+              <a:ext uri="{28A0092B-C50C-407E-A947-70E740481C1C}">
+                <a14:useLocalDpi xmlns:a14="http://schemas.microsoft.com/office/drawing/2010/main" val="0"/>
+              </a:ext>
+            </a:extLst>
+          </a:blip>
+          <a:stretch>
+            <a:fillRect/>
+          </a:stretch>
+        </p:blipFill>
+        <p:spPr>
+          <a:xfrm>
+            <a:off x="0" y="1601784"/>
+            <a:ext cx="9144000" cy="3370849"/>
+          </a:xfrm>
+          <a:prstGeom prst="rect">
+            <a:avLst/>
+          </a:prstGeom>
+        </p:spPr>
+      </p:pic>
+      <p:sp>
+        <p:nvSpPr>
+          <p:cNvPr id="3" name="TextBox 2"/>
+          <p:cNvSpPr txBox="1"/>
+          <p:nvPr/>
+        </p:nvSpPr>
+        <p:spPr>
+          <a:xfrm>
+            <a:off x="1077961" y="1109781"/>
+            <a:ext cx="840419" cy="369332"/>
+          </a:xfrm>
+          <a:prstGeom prst="rect">
+            <a:avLst/>
+          </a:prstGeom>
+          <a:noFill/>
+        </p:spPr>
+        <p:txBody>
+          <a:bodyPr wrap="none" rtlCol="0">
+            <a:spAutoFit/>
+          </a:bodyPr>
+          <a:lstStyle/>
+          <a:p>
+            <a:r>
+              <a:rPr lang="en-US"/>
+              <a:t>Abiotic</a:t>
+            </a:r>
+          </a:p>
+        </p:txBody>
+      </p:sp>
+      <p:sp>
+        <p:nvSpPr>
+          <p:cNvPr id="4" name="TextBox 3"/>
+          <p:cNvSpPr txBox="1"/>
+          <p:nvPr/>
+        </p:nvSpPr>
+        <p:spPr>
+          <a:xfrm>
+            <a:off x="2809949" y="1109781"/>
+            <a:ext cx="814721" cy="369332"/>
+          </a:xfrm>
+          <a:prstGeom prst="rect">
+            <a:avLst/>
+          </a:prstGeom>
+          <a:noFill/>
+        </p:spPr>
+        <p:txBody>
+          <a:bodyPr wrap="none" rtlCol="0">
+            <a:spAutoFit/>
+          </a:bodyPr>
+          <a:lstStyle/>
+          <a:p>
+            <a:r>
+              <a:rPr lang="en-US"/>
+              <a:t>Spatial</a:t>
+            </a:r>
+          </a:p>
+        </p:txBody>
+      </p:sp>
+      <p:sp>
+        <p:nvSpPr>
+          <p:cNvPr id="5" name="TextBox 4"/>
+          <p:cNvSpPr txBox="1"/>
+          <p:nvPr/>
+        </p:nvSpPr>
+        <p:spPr>
+          <a:xfrm>
+            <a:off x="4115021" y="1109781"/>
+            <a:ext cx="1660731" cy="369332"/>
+          </a:xfrm>
+          <a:prstGeom prst="rect">
+            <a:avLst/>
+          </a:prstGeom>
+          <a:noFill/>
+        </p:spPr>
+        <p:txBody>
+          <a:bodyPr wrap="none" rtlCol="0">
+            <a:spAutoFit/>
+          </a:bodyPr>
+          <a:lstStyle/>
+          <a:p>
+            <a:r>
+              <a:rPr lang="en-US"/>
+              <a:t>Species Identity</a:t>
+            </a:r>
+          </a:p>
+        </p:txBody>
+      </p:sp>
+      <p:sp>
+        <p:nvSpPr>
+          <p:cNvPr id="6" name="TextBox 5"/>
+          <p:cNvSpPr txBox="1"/>
+          <p:nvPr/>
+        </p:nvSpPr>
+        <p:spPr>
+          <a:xfrm>
+            <a:off x="6177869" y="1109781"/>
+            <a:ext cx="1083425" cy="369332"/>
+          </a:xfrm>
+          <a:prstGeom prst="rect">
+            <a:avLst/>
+          </a:prstGeom>
+          <a:noFill/>
+        </p:spPr>
+        <p:txBody>
+          <a:bodyPr wrap="none" rtlCol="0">
+            <a:spAutoFit/>
+          </a:bodyPr>
+          <a:lstStyle/>
+          <a:p>
+            <a:r>
+              <a:rPr lang="en-US"/>
+              <a:t>Temporal</a:t>
+            </a:r>
+          </a:p>
+        </p:txBody>
+      </p:sp>
+      <p:sp>
+        <p:nvSpPr>
+          <p:cNvPr id="7" name="TextBox 6"/>
+          <p:cNvSpPr txBox="1"/>
+          <p:nvPr/>
+        </p:nvSpPr>
+        <p:spPr>
+          <a:xfrm>
+            <a:off x="7877839" y="1109781"/>
+            <a:ext cx="980444" cy="369332"/>
+          </a:xfrm>
+          <a:prstGeom prst="rect">
+            <a:avLst/>
+          </a:prstGeom>
+          <a:noFill/>
+        </p:spPr>
+        <p:txBody>
+          <a:bodyPr wrap="none" rtlCol="0">
+            <a:spAutoFit/>
+          </a:bodyPr>
+          <a:lstStyle/>
+          <a:p>
+            <a:r>
+              <a:rPr lang="en-US"/>
+              <a:t>3</a:t>
+            </a:r>
+            <a:r>
+              <a:rPr lang="en-US" baseline="30000"/>
+              <a:t>rd</a:t>
+            </a:r>
+            <a:r>
+              <a:rPr lang="en-US"/>
+              <a:t> party</a:t>
+            </a:r>
+          </a:p>
+        </p:txBody>
+      </p:sp>
+      <p:sp>
+        <p:nvSpPr>
+          <p:cNvPr id="8" name="Rectangle 7"/>
+          <p:cNvSpPr/>
+          <p:nvPr/>
+        </p:nvSpPr>
+        <p:spPr>
+          <a:xfrm>
+            <a:off x="655838" y="1601784"/>
+            <a:ext cx="1772741" cy="2781090"/>
+          </a:xfrm>
+          <a:prstGeom prst="rect">
+            <a:avLst/>
+          </a:prstGeom>
+          <a:noFill/>
+          <a:ln w="57150" cmpd="sng">
+            <a:solidFill>
+              <a:srgbClr val="FF0000"/>
+            </a:solidFill>
+          </a:ln>
+        </p:spPr>
+        <p:style>
+          <a:lnRef idx="1">
+            <a:schemeClr val="accent1"/>
+          </a:lnRef>
+          <a:fillRef idx="3">
+            <a:schemeClr val="accent1"/>
+          </a:fillRef>
+          <a:effectRef idx="2">
+            <a:schemeClr val="accent1"/>
+          </a:effectRef>
+          <a:fontRef idx="minor">
+            <a:schemeClr val="lt1"/>
+          </a:fontRef>
+        </p:style>
+        <p:txBody>
+          <a:bodyPr rtlCol="0" anchor="ctr"/>
+          <a:lstStyle/>
+          <a:p>
+            <a:pPr algn="ctr"/>
+            <a:endParaRPr lang="en-US"/>
+          </a:p>
+        </p:txBody>
+      </p:sp>
+      <p:sp>
+        <p:nvSpPr>
+          <p:cNvPr id="9" name="Rectangle 8"/>
+          <p:cNvSpPr/>
+          <p:nvPr/>
+        </p:nvSpPr>
+        <p:spPr>
+          <a:xfrm>
+            <a:off x="5684817" y="1601784"/>
+            <a:ext cx="1772741" cy="2781090"/>
+          </a:xfrm>
+          <a:prstGeom prst="rect">
+            <a:avLst/>
+          </a:prstGeom>
+          <a:noFill/>
+          <a:ln w="57150" cmpd="sng">
+            <a:solidFill>
+              <a:srgbClr val="FF0000"/>
+            </a:solidFill>
+          </a:ln>
+        </p:spPr>
+        <p:style>
+          <a:lnRef idx="1">
+            <a:schemeClr val="accent1"/>
+          </a:lnRef>
+          <a:fillRef idx="3">
+            <a:schemeClr val="accent1"/>
+          </a:fillRef>
+          <a:effectRef idx="2">
+            <a:schemeClr val="accent1"/>
+          </a:effectRef>
+          <a:fontRef idx="minor">
+            <a:schemeClr val="lt1"/>
+          </a:fontRef>
+        </p:style>
+        <p:txBody>
+          <a:bodyPr rtlCol="0" anchor="ctr"/>
+          <a:lstStyle/>
+          <a:p>
+            <a:pPr algn="ctr"/>
+            <a:endParaRPr lang="en-US"/>
+          </a:p>
+        </p:txBody>
+      </p:sp>
+    </p:spTree>
+    <p:extLst>
+      <p:ext uri="{BB962C8B-B14F-4D97-AF65-F5344CB8AC3E}">
+        <p14:creationId xmlns:p14="http://schemas.microsoft.com/office/powerpoint/2010/main" val="4105440255"/>
+      </p:ext>
+    </p:extLst>
+  </p:cSld>
+  <p:clrMapOvr>
+    <a:masterClrMapping/>
+  </p:clrMapOvr>
+</p:sld>
+</file>
+
+<file path=ppt/slides/slide6.xml><?xml version="1.0" encoding="utf-8"?>
 <p:sld xmlns:a="http://schemas.openxmlformats.org/drawingml/2006/main" xmlns:r="http://schemas.openxmlformats.org/officeDocument/2006/relationships" xmlns:p="http://schemas.openxmlformats.org/presentationml/2006/main">
   <p:cSld>
     <p:spTree>
@@ -3357,7 +4818,7 @@
 </p:sld>
 </file>
 
-<file path=ppt/slides/slide3.xml><?xml version="1.0" encoding="utf-8"?>
+<file path=ppt/slides/slide7.xml><?xml version="1.0" encoding="utf-8"?>
 <p:sld xmlns:a="http://schemas.openxmlformats.org/drawingml/2006/main" xmlns:r="http://schemas.openxmlformats.org/officeDocument/2006/relationships" xmlns:p="http://schemas.openxmlformats.org/presentationml/2006/main">
   <p:cSld>
     <p:spTree>
@@ -3459,7 +4920,7 @@
 </p:sld>
 </file>
 
-<file path=ppt/slides/slide4.xml><?xml version="1.0" encoding="utf-8"?>
+<file path=ppt/slides/slide8.xml><?xml version="1.0" encoding="utf-8"?>
 <p:sld xmlns:a="http://schemas.openxmlformats.org/drawingml/2006/main" xmlns:r="http://schemas.openxmlformats.org/officeDocument/2006/relationships" xmlns:p="http://schemas.openxmlformats.org/presentationml/2006/main">
   <p:cSld>
     <p:spTree>
@@ -3525,7 +4986,7 @@
 </p:sld>
 </file>
 
-<file path=ppt/slides/slide5.xml><?xml version="1.0" encoding="utf-8"?>
+<file path=ppt/slides/slide9.xml><?xml version="1.0" encoding="utf-8"?>
 <p:sld xmlns:a="http://schemas.openxmlformats.org/drawingml/2006/main" xmlns:r="http://schemas.openxmlformats.org/officeDocument/2006/relationships" xmlns:p="http://schemas.openxmlformats.org/presentationml/2006/main">
   <p:cSld>
     <p:spTree>
@@ -3735,444 +5196,6 @@
     <p:extLst>
       <p:ext uri="{BB962C8B-B14F-4D97-AF65-F5344CB8AC3E}">
         <p14:creationId xmlns:p14="http://schemas.microsoft.com/office/powerpoint/2010/main" val="4246818546"/>
-      </p:ext>
-    </p:extLst>
-  </p:cSld>
-  <p:clrMapOvr>
-    <a:masterClrMapping/>
-  </p:clrMapOvr>
-</p:sld>
-</file>
-
-<file path=ppt/slides/slide6.xml><?xml version="1.0" encoding="utf-8"?>
-<p:sld xmlns:a="http://schemas.openxmlformats.org/drawingml/2006/main" xmlns:r="http://schemas.openxmlformats.org/officeDocument/2006/relationships" xmlns:p="http://schemas.openxmlformats.org/presentationml/2006/main">
-  <p:cSld>
-    <p:spTree>
-      <p:nvGrpSpPr>
-        <p:cNvPr id="1" name=""/>
-        <p:cNvGrpSpPr/>
-        <p:nvPr/>
-      </p:nvGrpSpPr>
-      <p:grpSpPr>
-        <a:xfrm>
-          <a:off x="0" y="0"/>
-          <a:ext cx="0" cy="0"/>
-          <a:chOff x="0" y="0"/>
-          <a:chExt cx="0" cy="0"/>
-        </a:xfrm>
-      </p:grpSpPr>
-      <p:sp>
-        <p:nvSpPr>
-          <p:cNvPr id="3" name="Rectangle 2"/>
-          <p:cNvSpPr/>
-          <p:nvPr/>
-        </p:nvSpPr>
-        <p:spPr>
-          <a:xfrm>
-            <a:off x="646488" y="603816"/>
-            <a:ext cx="6245020" cy="2758816"/>
-          </a:xfrm>
-          <a:prstGeom prst="rect">
-            <a:avLst/>
-          </a:prstGeom>
-          <a:solidFill>
-            <a:schemeClr val="bg1"/>
-          </a:solidFill>
-          <a:ln>
-            <a:noFill/>
-          </a:ln>
-          <a:effectLst/>
-        </p:spPr>
-        <p:style>
-          <a:lnRef idx="1">
-            <a:schemeClr val="accent1"/>
-          </a:lnRef>
-          <a:fillRef idx="3">
-            <a:schemeClr val="accent1"/>
-          </a:fillRef>
-          <a:effectRef idx="2">
-            <a:schemeClr val="accent1"/>
-          </a:effectRef>
-          <a:fontRef idx="minor">
-            <a:schemeClr val="lt1"/>
-          </a:fontRef>
-        </p:style>
-        <p:txBody>
-          <a:bodyPr rtlCol="0" anchor="ctr"/>
-          <a:lstStyle/>
-          <a:p>
-            <a:pPr algn="ctr"/>
-            <a:endParaRPr lang="en-US"/>
-          </a:p>
-        </p:txBody>
-      </p:sp>
-      <p:pic>
-        <p:nvPicPr>
-          <p:cNvPr id="4" name="Picture 3" descr="Macintosh HD:Mac:Projects:Conditionality:Analyses:R:latfigs:abslat_byspinttype.pdf"/>
-          <p:cNvPicPr/>
-          <p:nvPr/>
-        </p:nvPicPr>
-        <p:blipFill rotWithShape="1">
-          <a:blip r:embed="rId2">
-            <a:extLst>
-              <a:ext uri="{28A0092B-C50C-407E-A947-70E740481C1C}">
-                <a14:useLocalDpi xmlns:a14="http://schemas.microsoft.com/office/drawing/2010/main" val="0"/>
-              </a:ext>
-            </a:extLst>
-          </a:blip>
-          <a:srcRect l="7012" t="89331" r="7010" b="1978"/>
-          <a:stretch/>
-        </p:blipFill>
-        <p:spPr bwMode="auto">
-          <a:xfrm>
-            <a:off x="951250" y="2696352"/>
-            <a:ext cx="5763260" cy="582564"/>
-          </a:xfrm>
-          <a:prstGeom prst="rect">
-            <a:avLst/>
-          </a:prstGeom>
-          <a:noFill/>
-          <a:ln>
-            <a:noFill/>
-          </a:ln>
-          <a:extLst>
-            <a:ext uri="{53640926-AAD7-44d8-BBD7-CCE9431645EC}">
-              <a14:shadowObscured xmlns:a14="http://schemas.microsoft.com/office/drawing/2010/main"/>
-            </a:ext>
-          </a:extLst>
-        </p:spPr>
-      </p:pic>
-      <p:pic>
-        <p:nvPicPr>
-          <p:cNvPr id="5" name="Picture 4" descr="Macintosh HD:Mac:Projects:Conditionality:Analyses:R:latfigs:abslat_byspinttype.pdf"/>
-          <p:cNvPicPr/>
-          <p:nvPr/>
-        </p:nvPicPr>
-        <p:blipFill rotWithShape="1">
-          <a:blip r:embed="rId2">
-            <a:extLst>
-              <a:ext uri="{28A0092B-C50C-407E-A947-70E740481C1C}">
-                <a14:useLocalDpi xmlns:a14="http://schemas.microsoft.com/office/drawing/2010/main" val="0"/>
-              </a:ext>
-            </a:extLst>
-          </a:blip>
-          <a:srcRect l="7012" t="24622" r="88797" b="50839"/>
-          <a:stretch/>
-        </p:blipFill>
-        <p:spPr bwMode="auto">
-          <a:xfrm>
-            <a:off x="979082" y="916135"/>
-            <a:ext cx="280897" cy="1644879"/>
-          </a:xfrm>
-          <a:prstGeom prst="rect">
-            <a:avLst/>
-          </a:prstGeom>
-          <a:noFill/>
-          <a:ln>
-            <a:noFill/>
-          </a:ln>
-          <a:extLst>
-            <a:ext uri="{53640926-AAD7-44d8-BBD7-CCE9431645EC}">
-              <a14:shadowObscured xmlns:a14="http://schemas.microsoft.com/office/drawing/2010/main"/>
-            </a:ext>
-          </a:extLst>
-        </p:spPr>
-      </p:pic>
-      <p:pic>
-        <p:nvPicPr>
-          <p:cNvPr id="6" name="Picture 5" descr="Macintosh HD:Mac:Projects:Conditionality:Analyses:R:latfigs:abslat_byspinttype.pdf"/>
-          <p:cNvPicPr/>
-          <p:nvPr/>
-        </p:nvPicPr>
-        <p:blipFill rotWithShape="1">
-          <a:blip r:embed="rId2">
-            <a:extLst>
-              <a:ext uri="{28A0092B-C50C-407E-A947-70E740481C1C}">
-                <a14:useLocalDpi xmlns:a14="http://schemas.microsoft.com/office/drawing/2010/main" val="0"/>
-              </a:ext>
-            </a:extLst>
-          </a:blip>
-          <a:srcRect l="7012" t="49217" r="88797" b="20398"/>
-          <a:stretch/>
-        </p:blipFill>
-        <p:spPr bwMode="auto">
-          <a:xfrm>
-            <a:off x="646488" y="916135"/>
-            <a:ext cx="280897" cy="2036722"/>
-          </a:xfrm>
-          <a:prstGeom prst="rect">
-            <a:avLst/>
-          </a:prstGeom>
-          <a:noFill/>
-          <a:ln>
-            <a:noFill/>
-          </a:ln>
-          <a:extLst>
-            <a:ext uri="{53640926-AAD7-44d8-BBD7-CCE9431645EC}">
-              <a14:shadowObscured xmlns:a14="http://schemas.microsoft.com/office/drawing/2010/main"/>
-            </a:ext>
-          </a:extLst>
-        </p:spPr>
-      </p:pic>
-      <p:pic>
-        <p:nvPicPr>
-          <p:cNvPr id="2" name="Picture 1" descr="Macintosh HD:Mac:Projects:Conditionality:Analyses:R:latfigs:abslat_byspinttype.pdf"/>
-          <p:cNvPicPr/>
-          <p:nvPr/>
-        </p:nvPicPr>
-        <p:blipFill rotWithShape="1">
-          <a:blip r:embed="rId2">
-            <a:extLst>
-              <a:ext uri="{28A0092B-C50C-407E-A947-70E740481C1C}">
-                <a14:useLocalDpi xmlns:a14="http://schemas.microsoft.com/office/drawing/2010/main" val="0"/>
-              </a:ext>
-            </a:extLst>
-          </a:blip>
-          <a:srcRect l="12406" t="30778" r="7010" b="37376"/>
-          <a:stretch/>
-        </p:blipFill>
-        <p:spPr bwMode="auto">
-          <a:xfrm>
-            <a:off x="1312816" y="688783"/>
-            <a:ext cx="5401694" cy="2134602"/>
-          </a:xfrm>
-          <a:prstGeom prst="rect">
-            <a:avLst/>
-          </a:prstGeom>
-          <a:noFill/>
-          <a:ln>
-            <a:noFill/>
-          </a:ln>
-          <a:extLst>
-            <a:ext uri="{53640926-AAD7-44d8-BBD7-CCE9431645EC}">
-              <a14:shadowObscured xmlns:a14="http://schemas.microsoft.com/office/drawing/2010/main"/>
-            </a:ext>
-          </a:extLst>
-        </p:spPr>
-      </p:pic>
-    </p:spTree>
-    <p:extLst>
-      <p:ext uri="{BB962C8B-B14F-4D97-AF65-F5344CB8AC3E}">
-        <p14:creationId xmlns:p14="http://schemas.microsoft.com/office/powerpoint/2010/main" val="2111892503"/>
-      </p:ext>
-    </p:extLst>
-  </p:cSld>
-  <p:clrMapOvr>
-    <a:masterClrMapping/>
-  </p:clrMapOvr>
-</p:sld>
-</file>
-
-<file path=ppt/slides/slide7.xml><?xml version="1.0" encoding="utf-8"?>
-<p:sld xmlns:a="http://schemas.openxmlformats.org/drawingml/2006/main" xmlns:r="http://schemas.openxmlformats.org/officeDocument/2006/relationships" xmlns:p="http://schemas.openxmlformats.org/presentationml/2006/main">
-  <p:cSld>
-    <p:spTree>
-      <p:nvGrpSpPr>
-        <p:cNvPr id="1" name=""/>
-        <p:cNvGrpSpPr/>
-        <p:nvPr/>
-      </p:nvGrpSpPr>
-      <p:grpSpPr>
-        <a:xfrm>
-          <a:off x="0" y="0"/>
-          <a:ext cx="0" cy="0"/>
-          <a:chOff x="0" y="0"/>
-          <a:chExt cx="0" cy="0"/>
-        </a:xfrm>
-      </p:grpSpPr>
-      <p:sp>
-        <p:nvSpPr>
-          <p:cNvPr id="3" name="Rectangle 2"/>
-          <p:cNvSpPr/>
-          <p:nvPr/>
-        </p:nvSpPr>
-        <p:spPr>
-          <a:xfrm>
-            <a:off x="646488" y="603816"/>
-            <a:ext cx="6245020" cy="2758816"/>
-          </a:xfrm>
-          <a:prstGeom prst="rect">
-            <a:avLst/>
-          </a:prstGeom>
-          <a:solidFill>
-            <a:schemeClr val="bg1"/>
-          </a:solidFill>
-          <a:ln>
-            <a:noFill/>
-          </a:ln>
-          <a:effectLst/>
-        </p:spPr>
-        <p:style>
-          <a:lnRef idx="1">
-            <a:schemeClr val="accent1"/>
-          </a:lnRef>
-          <a:fillRef idx="3">
-            <a:schemeClr val="accent1"/>
-          </a:fillRef>
-          <a:effectRef idx="2">
-            <a:schemeClr val="accent1"/>
-          </a:effectRef>
-          <a:fontRef idx="minor">
-            <a:schemeClr val="lt1"/>
-          </a:fontRef>
-        </p:style>
-        <p:txBody>
-          <a:bodyPr rtlCol="0" anchor="ctr"/>
-          <a:lstStyle/>
-          <a:p>
-            <a:pPr algn="ctr"/>
-            <a:endParaRPr lang="en-US"/>
-          </a:p>
-        </p:txBody>
-      </p:sp>
-      <p:pic>
-        <p:nvPicPr>
-          <p:cNvPr id="2" name="Picture 1" descr="Macintosh HD:Mac:Projects:Conditionality:Analyses:R:latfigs:abslat_byspinttype.pdf"/>
-          <p:cNvPicPr/>
-          <p:nvPr/>
-        </p:nvPicPr>
-        <p:blipFill rotWithShape="1">
-          <a:blip r:embed="rId2">
-            <a:extLst>
-              <a:ext uri="{28A0092B-C50C-407E-A947-70E740481C1C}">
-                <a14:useLocalDpi xmlns:a14="http://schemas.microsoft.com/office/drawing/2010/main" val="0"/>
-              </a:ext>
-            </a:extLst>
-          </a:blip>
-          <a:srcRect l="13010" t="61996" r="7010" b="10637"/>
-          <a:stretch/>
-        </p:blipFill>
-        <p:spPr bwMode="auto">
-          <a:xfrm>
-            <a:off x="1353317" y="726572"/>
-            <a:ext cx="5361193" cy="1834442"/>
-          </a:xfrm>
-          <a:prstGeom prst="rect">
-            <a:avLst/>
-          </a:prstGeom>
-          <a:noFill/>
-          <a:ln>
-            <a:noFill/>
-          </a:ln>
-          <a:extLst>
-            <a:ext uri="{53640926-AAD7-44d8-BBD7-CCE9431645EC}">
-              <a14:shadowObscured xmlns:a14="http://schemas.microsoft.com/office/drawing/2010/main"/>
-            </a:ext>
-          </a:extLst>
-        </p:spPr>
-      </p:pic>
-      <p:pic>
-        <p:nvPicPr>
-          <p:cNvPr id="4" name="Picture 3" descr="Macintosh HD:Mac:Projects:Conditionality:Analyses:R:latfigs:abslat_byspinttype.pdf"/>
-          <p:cNvPicPr/>
-          <p:nvPr/>
-        </p:nvPicPr>
-        <p:blipFill rotWithShape="1">
-          <a:blip r:embed="rId2">
-            <a:extLst>
-              <a:ext uri="{28A0092B-C50C-407E-A947-70E740481C1C}">
-                <a14:useLocalDpi xmlns:a14="http://schemas.microsoft.com/office/drawing/2010/main" val="0"/>
-              </a:ext>
-            </a:extLst>
-          </a:blip>
-          <a:srcRect l="7012" t="89331" r="7010" b="1978"/>
-          <a:stretch/>
-        </p:blipFill>
-        <p:spPr bwMode="auto">
-          <a:xfrm>
-            <a:off x="951250" y="2696352"/>
-            <a:ext cx="5763260" cy="582564"/>
-          </a:xfrm>
-          <a:prstGeom prst="rect">
-            <a:avLst/>
-          </a:prstGeom>
-          <a:noFill/>
-          <a:ln>
-            <a:noFill/>
-          </a:ln>
-          <a:extLst>
-            <a:ext uri="{53640926-AAD7-44d8-BBD7-CCE9431645EC}">
-              <a14:shadowObscured xmlns:a14="http://schemas.microsoft.com/office/drawing/2010/main"/>
-            </a:ext>
-          </a:extLst>
-        </p:spPr>
-      </p:pic>
-      <p:pic>
-        <p:nvPicPr>
-          <p:cNvPr id="5" name="Picture 4" descr="Macintosh HD:Mac:Projects:Conditionality:Analyses:R:latfigs:abslat_byspinttype.pdf"/>
-          <p:cNvPicPr/>
-          <p:nvPr/>
-        </p:nvPicPr>
-        <p:blipFill rotWithShape="1">
-          <a:blip r:embed="rId2">
-            <a:extLst>
-              <a:ext uri="{28A0092B-C50C-407E-A947-70E740481C1C}">
-                <a14:useLocalDpi xmlns:a14="http://schemas.microsoft.com/office/drawing/2010/main" val="0"/>
-              </a:ext>
-            </a:extLst>
-          </a:blip>
-          <a:srcRect l="7012" t="24622" r="88797" b="50839"/>
-          <a:stretch/>
-        </p:blipFill>
-        <p:spPr bwMode="auto">
-          <a:xfrm>
-            <a:off x="979082" y="916135"/>
-            <a:ext cx="280897" cy="1644879"/>
-          </a:xfrm>
-          <a:prstGeom prst="rect">
-            <a:avLst/>
-          </a:prstGeom>
-          <a:noFill/>
-          <a:ln>
-            <a:noFill/>
-          </a:ln>
-          <a:extLst>
-            <a:ext uri="{53640926-AAD7-44d8-BBD7-CCE9431645EC}">
-              <a14:shadowObscured xmlns:a14="http://schemas.microsoft.com/office/drawing/2010/main"/>
-            </a:ext>
-          </a:extLst>
-        </p:spPr>
-      </p:pic>
-      <p:pic>
-        <p:nvPicPr>
-          <p:cNvPr id="6" name="Picture 5" descr="Macintosh HD:Mac:Projects:Conditionality:Analyses:R:latfigs:abslat_byspinttype.pdf"/>
-          <p:cNvPicPr/>
-          <p:nvPr/>
-        </p:nvPicPr>
-        <p:blipFill rotWithShape="1">
-          <a:blip r:embed="rId2">
-            <a:extLst>
-              <a:ext uri="{28A0092B-C50C-407E-A947-70E740481C1C}">
-                <a14:useLocalDpi xmlns:a14="http://schemas.microsoft.com/office/drawing/2010/main" val="0"/>
-              </a:ext>
-            </a:extLst>
-          </a:blip>
-          <a:srcRect l="7012" t="49217" r="88797" b="20398"/>
-          <a:stretch/>
-        </p:blipFill>
-        <p:spPr bwMode="auto">
-          <a:xfrm>
-            <a:off x="646488" y="916135"/>
-            <a:ext cx="280897" cy="2036722"/>
-          </a:xfrm>
-          <a:prstGeom prst="rect">
-            <a:avLst/>
-          </a:prstGeom>
-          <a:noFill/>
-          <a:ln>
-            <a:noFill/>
-          </a:ln>
-          <a:extLst>
-            <a:ext uri="{53640926-AAD7-44d8-BBD7-CCE9431645EC}">
-              <a14:shadowObscured xmlns:a14="http://schemas.microsoft.com/office/drawing/2010/main"/>
-            </a:ext>
-          </a:extLst>
-        </p:spPr>
-      </p:pic>
-    </p:spTree>
-    <p:extLst>
-      <p:ext uri="{BB962C8B-B14F-4D97-AF65-F5344CB8AC3E}">
-        <p14:creationId xmlns:p14="http://schemas.microsoft.com/office/powerpoint/2010/main" val="2197026581"/>
       </p:ext>
     </p:extLst>
   </p:cSld>

--- a/ucalgarytalk/assets/Presentation2.pptx
+++ b/ucalgarytalk/assets/Presentation2.pptx
@@ -5,17 +5,21 @@
     <p:sldMasterId id="2147483648" r:id="rId1"/>
   </p:sldMasterIdLst>
   <p:sldIdLst>
-    <p:sldId id="262" r:id="rId2"/>
-    <p:sldId id="263" r:id="rId3"/>
-    <p:sldId id="264" r:id="rId4"/>
-    <p:sldId id="266" r:id="rId5"/>
-    <p:sldId id="265" r:id="rId6"/>
-    <p:sldId id="256" r:id="rId7"/>
-    <p:sldId id="257" r:id="rId8"/>
-    <p:sldId id="258" r:id="rId9"/>
-    <p:sldId id="259" r:id="rId10"/>
-    <p:sldId id="260" r:id="rId11"/>
-    <p:sldId id="261" r:id="rId12"/>
+    <p:sldId id="269" r:id="rId2"/>
+    <p:sldId id="270" r:id="rId3"/>
+    <p:sldId id="267" r:id="rId4"/>
+    <p:sldId id="268" r:id="rId5"/>
+    <p:sldId id="262" r:id="rId6"/>
+    <p:sldId id="263" r:id="rId7"/>
+    <p:sldId id="264" r:id="rId8"/>
+    <p:sldId id="266" r:id="rId9"/>
+    <p:sldId id="265" r:id="rId10"/>
+    <p:sldId id="256" r:id="rId11"/>
+    <p:sldId id="257" r:id="rId12"/>
+    <p:sldId id="258" r:id="rId13"/>
+    <p:sldId id="259" r:id="rId14"/>
+    <p:sldId id="260" r:id="rId15"/>
+    <p:sldId id="261" r:id="rId16"/>
   </p:sldIdLst>
   <p:sldSz cx="9144000" cy="6858000" type="screen4x3"/>
   <p:notesSz cx="6858000" cy="9144000"/>
@@ -295,7 +299,7 @@
           <a:lstStyle/>
           <a:p>
             <a:fld id="{78370B39-E701-BD43-A90D-E131465F0C45}" type="datetimeFigureOut">
-              <a:t>9/17/12</a:t>
+              <a:t>9/25/12</a:t>
             </a:fld>
             <a:endParaRPr lang="en-US"/>
           </a:p>
@@ -461,7 +465,7 @@
           <a:lstStyle/>
           <a:p>
             <a:fld id="{78370B39-E701-BD43-A90D-E131465F0C45}" type="datetimeFigureOut">
-              <a:t>9/17/12</a:t>
+              <a:t>9/25/12</a:t>
             </a:fld>
             <a:endParaRPr lang="en-US"/>
           </a:p>
@@ -637,7 +641,7 @@
           <a:lstStyle/>
           <a:p>
             <a:fld id="{78370B39-E701-BD43-A90D-E131465F0C45}" type="datetimeFigureOut">
-              <a:t>9/17/12</a:t>
+              <a:t>9/25/12</a:t>
             </a:fld>
             <a:endParaRPr lang="en-US"/>
           </a:p>
@@ -803,7 +807,7 @@
           <a:lstStyle/>
           <a:p>
             <a:fld id="{78370B39-E701-BD43-A90D-E131465F0C45}" type="datetimeFigureOut">
-              <a:t>9/17/12</a:t>
+              <a:t>9/25/12</a:t>
             </a:fld>
             <a:endParaRPr lang="en-US"/>
           </a:p>
@@ -1046,7 +1050,7 @@
           <a:lstStyle/>
           <a:p>
             <a:fld id="{78370B39-E701-BD43-A90D-E131465F0C45}" type="datetimeFigureOut">
-              <a:t>9/17/12</a:t>
+              <a:t>9/25/12</a:t>
             </a:fld>
             <a:endParaRPr lang="en-US"/>
           </a:p>
@@ -1329,7 +1333,7 @@
           <a:lstStyle/>
           <a:p>
             <a:fld id="{78370B39-E701-BD43-A90D-E131465F0C45}" type="datetimeFigureOut">
-              <a:t>9/17/12</a:t>
+              <a:t>9/25/12</a:t>
             </a:fld>
             <a:endParaRPr lang="en-US"/>
           </a:p>
@@ -1746,7 +1750,7 @@
           <a:lstStyle/>
           <a:p>
             <a:fld id="{78370B39-E701-BD43-A90D-E131465F0C45}" type="datetimeFigureOut">
-              <a:t>9/17/12</a:t>
+              <a:t>9/25/12</a:t>
             </a:fld>
             <a:endParaRPr lang="en-US"/>
           </a:p>
@@ -1861,7 +1865,7 @@
           <a:lstStyle/>
           <a:p>
             <a:fld id="{78370B39-E701-BD43-A90D-E131465F0C45}" type="datetimeFigureOut">
-              <a:t>9/17/12</a:t>
+              <a:t>9/25/12</a:t>
             </a:fld>
             <a:endParaRPr lang="en-US"/>
           </a:p>
@@ -1954,7 +1958,7 @@
           <a:lstStyle/>
           <a:p>
             <a:fld id="{78370B39-E701-BD43-A90D-E131465F0C45}" type="datetimeFigureOut">
-              <a:t>9/17/12</a:t>
+              <a:t>9/25/12</a:t>
             </a:fld>
             <a:endParaRPr lang="en-US"/>
           </a:p>
@@ -2227,7 +2231,7 @@
           <a:lstStyle/>
           <a:p>
             <a:fld id="{78370B39-E701-BD43-A90D-E131465F0C45}" type="datetimeFigureOut">
-              <a:t>9/17/12</a:t>
+              <a:t>9/25/12</a:t>
             </a:fld>
             <a:endParaRPr lang="en-US"/>
           </a:p>
@@ -2477,7 +2481,7 @@
           <a:lstStyle/>
           <a:p>
             <a:fld id="{78370B39-E701-BD43-A90D-E131465F0C45}" type="datetimeFigureOut">
-              <a:t>9/17/12</a:t>
+              <a:t>9/25/12</a:t>
             </a:fld>
             <a:endParaRPr lang="en-US"/>
           </a:p>
@@ -2686,7 +2690,7 @@
           </a:lstStyle>
           <a:p>
             <a:fld id="{78370B39-E701-BD43-A90D-E131465F0C45}" type="datetimeFigureOut">
-              <a:t>9/17/12</a:t>
+              <a:t>9/25/12</a:t>
             </a:fld>
             <a:endParaRPr lang="en-US"/>
           </a:p>
@@ -3062,7 +3066,7 @@
       </p:grpSpPr>
       <p:pic>
         <p:nvPicPr>
-          <p:cNvPr id="4" name="Picture 3" descr="ecosystem.png"/>
+          <p:cNvPr id="2" name="Picture 1" descr="acacia_ants.gif"/>
           <p:cNvPicPr>
             <a:picLocks noChangeAspect="1"/>
           </p:cNvPicPr>
@@ -3082,138 +3086,18 @@
         </p:blipFill>
         <p:spPr>
           <a:xfrm>
-            <a:off x="1201276" y="1062218"/>
-            <a:ext cx="7170506" cy="4864695"/>
+            <a:off x="411880" y="3703038"/>
+            <a:ext cx="3169206" cy="1782678"/>
           </a:xfrm>
           <a:prstGeom prst="rect">
             <a:avLst/>
           </a:prstGeom>
         </p:spPr>
       </p:pic>
-      <p:sp>
-        <p:nvSpPr>
-          <p:cNvPr id="5" name="Oval 4"/>
-          <p:cNvSpPr>
-            <a:spLocks noChangeAspect="1"/>
-          </p:cNvSpPr>
-          <p:nvPr/>
-        </p:nvSpPr>
-        <p:spPr>
-          <a:xfrm>
-            <a:off x="6898752" y="1956569"/>
-            <a:ext cx="1333830" cy="1334013"/>
-          </a:xfrm>
-          <a:prstGeom prst="ellipse">
-            <a:avLst/>
-          </a:prstGeom>
-        </p:spPr>
-        <p:style>
-          <a:lnRef idx="1">
-            <a:schemeClr val="accent1"/>
-          </a:lnRef>
-          <a:fillRef idx="3">
-            <a:schemeClr val="accent1"/>
-          </a:fillRef>
-          <a:effectRef idx="2">
-            <a:schemeClr val="accent1"/>
-          </a:effectRef>
-          <a:fontRef idx="minor">
-            <a:schemeClr val="lt1"/>
-          </a:fontRef>
-        </p:style>
-        <p:txBody>
-          <a:bodyPr rtlCol="0" anchor="ctr"/>
-          <a:lstStyle/>
-          <a:p>
-            <a:pPr algn="ctr"/>
-            <a:endParaRPr lang="en-US"/>
-          </a:p>
-        </p:txBody>
-      </p:sp>
-      <p:sp>
-        <p:nvSpPr>
-          <p:cNvPr id="6" name="Oval 5"/>
-          <p:cNvSpPr>
-            <a:spLocks noChangeAspect="1"/>
-          </p:cNvSpPr>
-          <p:nvPr/>
-        </p:nvSpPr>
-        <p:spPr>
-          <a:xfrm>
-            <a:off x="1548187" y="4553883"/>
-            <a:ext cx="657589" cy="656975"/>
-          </a:xfrm>
-          <a:prstGeom prst="ellipse">
-            <a:avLst/>
-          </a:prstGeom>
-        </p:spPr>
-        <p:style>
-          <a:lnRef idx="1">
-            <a:schemeClr val="accent1"/>
-          </a:lnRef>
-          <a:fillRef idx="3">
-            <a:schemeClr val="accent1"/>
-          </a:fillRef>
-          <a:effectRef idx="2">
-            <a:schemeClr val="accent1"/>
-          </a:effectRef>
-          <a:fontRef idx="minor">
-            <a:schemeClr val="lt1"/>
-          </a:fontRef>
-        </p:style>
-        <p:txBody>
-          <a:bodyPr rtlCol="0" anchor="ctr"/>
-          <a:lstStyle/>
-          <a:p>
-            <a:pPr algn="ctr"/>
-            <a:endParaRPr lang="en-US"/>
-          </a:p>
-        </p:txBody>
-      </p:sp>
-      <p:sp>
-        <p:nvSpPr>
-          <p:cNvPr id="7" name="Oval 6"/>
-          <p:cNvSpPr>
-            <a:spLocks noChangeAspect="1"/>
-          </p:cNvSpPr>
-          <p:nvPr/>
-        </p:nvSpPr>
-        <p:spPr>
-          <a:xfrm>
-            <a:off x="4534199" y="3203743"/>
-            <a:ext cx="849919" cy="849116"/>
-          </a:xfrm>
-          <a:prstGeom prst="ellipse">
-            <a:avLst/>
-          </a:prstGeom>
-        </p:spPr>
-        <p:style>
-          <a:lnRef idx="1">
-            <a:schemeClr val="accent1"/>
-          </a:lnRef>
-          <a:fillRef idx="3">
-            <a:schemeClr val="accent1"/>
-          </a:fillRef>
-          <a:effectRef idx="2">
-            <a:schemeClr val="accent1"/>
-          </a:effectRef>
-          <a:fontRef idx="minor">
-            <a:schemeClr val="lt1"/>
-          </a:fontRef>
-        </p:style>
-        <p:txBody>
-          <a:bodyPr rtlCol="0" anchor="ctr"/>
-          <a:lstStyle/>
-          <a:p>
-            <a:pPr algn="ctr"/>
-            <a:endParaRPr lang="en-US"/>
-          </a:p>
-        </p:txBody>
-      </p:sp>
     </p:spTree>
     <p:extLst>
       <p:ext uri="{BB962C8B-B14F-4D97-AF65-F5344CB8AC3E}">
-        <p14:creationId xmlns:p14="http://schemas.microsoft.com/office/powerpoint/2010/main" val="3314517942"/>
+        <p14:creationId xmlns:p14="http://schemas.microsoft.com/office/powerpoint/2010/main" val="2491938795"/>
       </p:ext>
     </p:extLst>
   </p:cSld>
@@ -3240,6 +3124,531 @@
           <a:chExt cx="0" cy="0"/>
         </a:xfrm>
       </p:grpSpPr>
+      <p:pic>
+        <p:nvPicPr>
+          <p:cNvPr id="4" name="Picture 3"/>
+          <p:cNvPicPr/>
+          <p:nvPr/>
+        </p:nvPicPr>
+        <p:blipFill rotWithShape="1">
+          <a:blip r:embed="rId2">
+            <a:extLst>
+              <a:ext uri="{28A0092B-C50C-407E-A947-70E740481C1C}">
+                <a14:useLocalDpi xmlns:a14="http://schemas.microsoft.com/office/drawing/2010/main" val="0"/>
+              </a:ext>
+            </a:extLst>
+          </a:blip>
+          <a:srcRect t="25920" b="42666"/>
+          <a:stretch/>
+        </p:blipFill>
+        <p:spPr bwMode="auto">
+          <a:xfrm>
+            <a:off x="1311064" y="920962"/>
+            <a:ext cx="2796540" cy="2285788"/>
+          </a:xfrm>
+          <a:prstGeom prst="rect">
+            <a:avLst/>
+          </a:prstGeom>
+          <a:noFill/>
+          <a:ln>
+            <a:noFill/>
+          </a:ln>
+          <a:extLst>
+            <a:ext uri="{53640926-AAD7-44d8-BBD7-CCE9431645EC}">
+              <a14:shadowObscured xmlns:a14="http://schemas.microsoft.com/office/drawing/2010/main"/>
+            </a:ext>
+          </a:extLst>
+        </p:spPr>
+      </p:pic>
+      <p:pic>
+        <p:nvPicPr>
+          <p:cNvPr id="5" name="Picture 4"/>
+          <p:cNvPicPr/>
+          <p:nvPr/>
+        </p:nvPicPr>
+        <p:blipFill rotWithShape="1">
+          <a:blip r:embed="rId2">
+            <a:extLst>
+              <a:ext uri="{28A0092B-C50C-407E-A947-70E740481C1C}">
+                <a14:useLocalDpi xmlns:a14="http://schemas.microsoft.com/office/drawing/2010/main" val="0"/>
+              </a:ext>
+            </a:extLst>
+          </a:blip>
+          <a:srcRect t="57625" b="7180"/>
+          <a:stretch/>
+        </p:blipFill>
+        <p:spPr bwMode="auto">
+          <a:xfrm>
+            <a:off x="5223087" y="3301999"/>
+            <a:ext cx="2796540" cy="2560955"/>
+          </a:xfrm>
+          <a:prstGeom prst="rect">
+            <a:avLst/>
+          </a:prstGeom>
+          <a:noFill/>
+          <a:ln>
+            <a:noFill/>
+          </a:ln>
+          <a:extLst>
+            <a:ext uri="{53640926-AAD7-44d8-BBD7-CCE9431645EC}">
+              <a14:shadowObscured xmlns:a14="http://schemas.microsoft.com/office/drawing/2010/main"/>
+            </a:ext>
+          </a:extLst>
+        </p:spPr>
+      </p:pic>
+      <p:pic>
+        <p:nvPicPr>
+          <p:cNvPr id="6" name="Picture 5"/>
+          <p:cNvPicPr/>
+          <p:nvPr/>
+        </p:nvPicPr>
+        <p:blipFill rotWithShape="1">
+          <a:blip r:embed="rId2">
+            <a:extLst>
+              <a:ext uri="{28A0092B-C50C-407E-A947-70E740481C1C}">
+                <a14:useLocalDpi xmlns:a14="http://schemas.microsoft.com/office/drawing/2010/main" val="0"/>
+              </a:ext>
+            </a:extLst>
+          </a:blip>
+          <a:srcRect t="88111" b="7180"/>
+          <a:stretch/>
+        </p:blipFill>
+        <p:spPr bwMode="auto">
+          <a:xfrm>
+            <a:off x="1258570" y="3215319"/>
+            <a:ext cx="2796540" cy="342687"/>
+          </a:xfrm>
+          <a:prstGeom prst="rect">
+            <a:avLst/>
+          </a:prstGeom>
+          <a:noFill/>
+          <a:ln>
+            <a:noFill/>
+          </a:ln>
+          <a:extLst>
+            <a:ext uri="{53640926-AAD7-44d8-BBD7-CCE9431645EC}">
+              <a14:shadowObscured xmlns:a14="http://schemas.microsoft.com/office/drawing/2010/main"/>
+            </a:ext>
+          </a:extLst>
+        </p:spPr>
+      </p:pic>
+    </p:spTree>
+    <p:extLst>
+      <p:ext uri="{BB962C8B-B14F-4D97-AF65-F5344CB8AC3E}">
+        <p14:creationId xmlns:p14="http://schemas.microsoft.com/office/powerpoint/2010/main" val="1240506569"/>
+      </p:ext>
+    </p:extLst>
+  </p:cSld>
+  <p:clrMapOvr>
+    <a:masterClrMapping/>
+  </p:clrMapOvr>
+</p:sld>
+</file>
+
+<file path=ppt/slides/slide11.xml><?xml version="1.0" encoding="utf-8"?>
+<p:sld xmlns:a="http://schemas.openxmlformats.org/drawingml/2006/main" xmlns:r="http://schemas.openxmlformats.org/officeDocument/2006/relationships" xmlns:p="http://schemas.openxmlformats.org/presentationml/2006/main">
+  <p:cSld>
+    <p:spTree>
+      <p:nvGrpSpPr>
+        <p:cNvPr id="1" name=""/>
+        <p:cNvGrpSpPr/>
+        <p:nvPr/>
+      </p:nvGrpSpPr>
+      <p:grpSpPr>
+        <a:xfrm>
+          <a:off x="0" y="0"/>
+          <a:ext cx="0" cy="0"/>
+          <a:chOff x="0" y="0"/>
+          <a:chExt cx="0" cy="0"/>
+        </a:xfrm>
+      </p:grpSpPr>
+      <p:pic>
+        <p:nvPicPr>
+          <p:cNvPr id="3" name="Picture 2"/>
+          <p:cNvPicPr/>
+          <p:nvPr/>
+        </p:nvPicPr>
+        <p:blipFill rotWithShape="1">
+          <a:blip r:embed="rId2">
+            <a:extLst>
+              <a:ext uri="{28A0092B-C50C-407E-A947-70E740481C1C}">
+                <a14:useLocalDpi xmlns:a14="http://schemas.microsoft.com/office/drawing/2010/main" val="0"/>
+              </a:ext>
+            </a:extLst>
+          </a:blip>
+          <a:srcRect l="6771" t="85275" r="6472" b="707"/>
+          <a:stretch/>
+        </p:blipFill>
+        <p:spPr bwMode="auto">
+          <a:xfrm>
+            <a:off x="1248328" y="2909291"/>
+            <a:ext cx="6773839" cy="755650"/>
+          </a:xfrm>
+          <a:prstGeom prst="rect">
+            <a:avLst/>
+          </a:prstGeom>
+          <a:noFill/>
+          <a:ln>
+            <a:noFill/>
+          </a:ln>
+          <a:extLst>
+            <a:ext uri="{53640926-AAD7-44d8-BBD7-CCE9431645EC}">
+              <a14:shadowObscured xmlns:a14="http://schemas.microsoft.com/office/drawing/2010/main"/>
+            </a:ext>
+          </a:extLst>
+        </p:spPr>
+      </p:pic>
+      <p:pic>
+        <p:nvPicPr>
+          <p:cNvPr id="2" name="Picture 1"/>
+          <p:cNvPicPr/>
+          <p:nvPr/>
+        </p:nvPicPr>
+        <p:blipFill rotWithShape="1">
+          <a:blip r:embed="rId2">
+            <a:extLst>
+              <a:ext uri="{28A0092B-C50C-407E-A947-70E740481C1C}">
+                <a14:useLocalDpi xmlns:a14="http://schemas.microsoft.com/office/drawing/2010/main" val="0"/>
+              </a:ext>
+            </a:extLst>
+          </a:blip>
+          <a:srcRect t="8375" r="6472" b="51776"/>
+          <a:stretch/>
+        </p:blipFill>
+        <p:spPr bwMode="auto">
+          <a:xfrm>
+            <a:off x="719667" y="761259"/>
+            <a:ext cx="7302500" cy="2148032"/>
+          </a:xfrm>
+          <a:prstGeom prst="rect">
+            <a:avLst/>
+          </a:prstGeom>
+          <a:noFill/>
+          <a:ln>
+            <a:noFill/>
+          </a:ln>
+          <a:extLst>
+            <a:ext uri="{53640926-AAD7-44d8-BBD7-CCE9431645EC}">
+              <a14:shadowObscured xmlns:a14="http://schemas.microsoft.com/office/drawing/2010/main"/>
+            </a:ext>
+          </a:extLst>
+        </p:spPr>
+      </p:pic>
+    </p:spTree>
+    <p:extLst>
+      <p:ext uri="{BB962C8B-B14F-4D97-AF65-F5344CB8AC3E}">
+        <p14:creationId xmlns:p14="http://schemas.microsoft.com/office/powerpoint/2010/main" val="2957873141"/>
+      </p:ext>
+    </p:extLst>
+  </p:cSld>
+  <p:clrMapOvr>
+    <a:masterClrMapping/>
+  </p:clrMapOvr>
+</p:sld>
+</file>
+
+<file path=ppt/slides/slide12.xml><?xml version="1.0" encoding="utf-8"?>
+<p:sld xmlns:a="http://schemas.openxmlformats.org/drawingml/2006/main" xmlns:r="http://schemas.openxmlformats.org/officeDocument/2006/relationships" xmlns:p="http://schemas.openxmlformats.org/presentationml/2006/main">
+  <p:cSld>
+    <p:spTree>
+      <p:nvGrpSpPr>
+        <p:cNvPr id="1" name=""/>
+        <p:cNvGrpSpPr/>
+        <p:nvPr/>
+      </p:nvGrpSpPr>
+      <p:grpSpPr>
+        <a:xfrm>
+          <a:off x="0" y="0"/>
+          <a:ext cx="0" cy="0"/>
+          <a:chOff x="0" y="0"/>
+          <a:chExt cx="0" cy="0"/>
+        </a:xfrm>
+      </p:grpSpPr>
+      <p:pic>
+        <p:nvPicPr>
+          <p:cNvPr id="2" name="Picture 1"/>
+          <p:cNvPicPr/>
+          <p:nvPr/>
+        </p:nvPicPr>
+        <p:blipFill rotWithShape="1">
+          <a:blip r:embed="rId2">
+            <a:extLst>
+              <a:ext uri="{28A0092B-C50C-407E-A947-70E740481C1C}">
+                <a14:useLocalDpi xmlns:a14="http://schemas.microsoft.com/office/drawing/2010/main" val="0"/>
+              </a:ext>
+            </a:extLst>
+          </a:blip>
+          <a:srcRect t="49424" r="6472" b="707"/>
+          <a:stretch/>
+        </p:blipFill>
+        <p:spPr bwMode="auto">
+          <a:xfrm>
+            <a:off x="893347" y="1540983"/>
+            <a:ext cx="7302500" cy="2688166"/>
+          </a:xfrm>
+          <a:prstGeom prst="rect">
+            <a:avLst/>
+          </a:prstGeom>
+          <a:noFill/>
+          <a:ln>
+            <a:noFill/>
+          </a:ln>
+          <a:extLst>
+            <a:ext uri="{53640926-AAD7-44d8-BBD7-CCE9431645EC}">
+              <a14:shadowObscured xmlns:a14="http://schemas.microsoft.com/office/drawing/2010/main"/>
+            </a:ext>
+          </a:extLst>
+        </p:spPr>
+      </p:pic>
+    </p:spTree>
+    <p:extLst>
+      <p:ext uri="{BB962C8B-B14F-4D97-AF65-F5344CB8AC3E}">
+        <p14:creationId xmlns:p14="http://schemas.microsoft.com/office/powerpoint/2010/main" val="4251907966"/>
+      </p:ext>
+    </p:extLst>
+  </p:cSld>
+  <p:clrMapOvr>
+    <a:masterClrMapping/>
+  </p:clrMapOvr>
+</p:sld>
+</file>
+
+<file path=ppt/slides/slide13.xml><?xml version="1.0" encoding="utf-8"?>
+<p:sld xmlns:a="http://schemas.openxmlformats.org/drawingml/2006/main" xmlns:r="http://schemas.openxmlformats.org/officeDocument/2006/relationships" xmlns:p="http://schemas.openxmlformats.org/presentationml/2006/main">
+  <p:cSld>
+    <p:spTree>
+      <p:nvGrpSpPr>
+        <p:cNvPr id="1" name=""/>
+        <p:cNvGrpSpPr/>
+        <p:nvPr/>
+      </p:nvGrpSpPr>
+      <p:grpSpPr>
+        <a:xfrm>
+          <a:off x="0" y="0"/>
+          <a:ext cx="0" cy="0"/>
+          <a:chOff x="0" y="0"/>
+          <a:chExt cx="0" cy="0"/>
+        </a:xfrm>
+      </p:grpSpPr>
+      <p:sp>
+        <p:nvSpPr>
+          <p:cNvPr id="6" name="Rectangle 5"/>
+          <p:cNvSpPr/>
+          <p:nvPr/>
+        </p:nvSpPr>
+        <p:spPr>
+          <a:xfrm>
+            <a:off x="646488" y="603816"/>
+            <a:ext cx="6245020" cy="2758816"/>
+          </a:xfrm>
+          <a:prstGeom prst="rect">
+            <a:avLst/>
+          </a:prstGeom>
+          <a:solidFill>
+            <a:schemeClr val="bg1"/>
+          </a:solidFill>
+          <a:ln>
+            <a:noFill/>
+          </a:ln>
+          <a:effectLst/>
+        </p:spPr>
+        <p:style>
+          <a:lnRef idx="1">
+            <a:schemeClr val="accent1"/>
+          </a:lnRef>
+          <a:fillRef idx="3">
+            <a:schemeClr val="accent1"/>
+          </a:fillRef>
+          <a:effectRef idx="2">
+            <a:schemeClr val="accent1"/>
+          </a:effectRef>
+          <a:fontRef idx="minor">
+            <a:schemeClr val="lt1"/>
+          </a:fontRef>
+        </p:style>
+        <p:txBody>
+          <a:bodyPr rtlCol="0" anchor="ctr"/>
+          <a:lstStyle/>
+          <a:p>
+            <a:pPr algn="ctr"/>
+            <a:endParaRPr lang="en-US"/>
+          </a:p>
+        </p:txBody>
+      </p:sp>
+      <p:pic>
+        <p:nvPicPr>
+          <p:cNvPr id="2" name="Picture 1" descr="Macintosh HD:Mac:Projects:Conditionality:Analyses:R:latfigs:abslat_byspinttype.pdf"/>
+          <p:cNvPicPr/>
+          <p:nvPr/>
+        </p:nvPicPr>
+        <p:blipFill rotWithShape="1">
+          <a:blip r:embed="rId2">
+            <a:extLst>
+              <a:ext uri="{28A0092B-C50C-407E-A947-70E740481C1C}">
+                <a14:useLocalDpi xmlns:a14="http://schemas.microsoft.com/office/drawing/2010/main" val="0"/>
+              </a:ext>
+            </a:extLst>
+          </a:blip>
+          <a:srcRect l="12389" t="304" r="7010" b="69843"/>
+          <a:stretch/>
+        </p:blipFill>
+        <p:spPr bwMode="auto">
+          <a:xfrm>
+            <a:off x="1311676" y="695339"/>
+            <a:ext cx="5402834" cy="2001013"/>
+          </a:xfrm>
+          <a:prstGeom prst="rect">
+            <a:avLst/>
+          </a:prstGeom>
+          <a:noFill/>
+          <a:ln>
+            <a:noFill/>
+          </a:ln>
+          <a:extLst>
+            <a:ext uri="{53640926-AAD7-44d8-BBD7-CCE9431645EC}">
+              <a14:shadowObscured xmlns:a14="http://schemas.microsoft.com/office/drawing/2010/main"/>
+            </a:ext>
+          </a:extLst>
+        </p:spPr>
+      </p:pic>
+      <p:pic>
+        <p:nvPicPr>
+          <p:cNvPr id="3" name="Picture 2" descr="Macintosh HD:Mac:Projects:Conditionality:Analyses:R:latfigs:abslat_byspinttype.pdf"/>
+          <p:cNvPicPr/>
+          <p:nvPr/>
+        </p:nvPicPr>
+        <p:blipFill rotWithShape="1">
+          <a:blip r:embed="rId2">
+            <a:extLst>
+              <a:ext uri="{28A0092B-C50C-407E-A947-70E740481C1C}">
+                <a14:useLocalDpi xmlns:a14="http://schemas.microsoft.com/office/drawing/2010/main" val="0"/>
+              </a:ext>
+            </a:extLst>
+          </a:blip>
+          <a:srcRect l="7012" t="89331" r="7010" b="1978"/>
+          <a:stretch/>
+        </p:blipFill>
+        <p:spPr bwMode="auto">
+          <a:xfrm>
+            <a:off x="951250" y="2696352"/>
+            <a:ext cx="5763260" cy="582564"/>
+          </a:xfrm>
+          <a:prstGeom prst="rect">
+            <a:avLst/>
+          </a:prstGeom>
+          <a:noFill/>
+          <a:ln>
+            <a:noFill/>
+          </a:ln>
+          <a:extLst>
+            <a:ext uri="{53640926-AAD7-44d8-BBD7-CCE9431645EC}">
+              <a14:shadowObscured xmlns:a14="http://schemas.microsoft.com/office/drawing/2010/main"/>
+            </a:ext>
+          </a:extLst>
+        </p:spPr>
+      </p:pic>
+      <p:pic>
+        <p:nvPicPr>
+          <p:cNvPr id="4" name="Picture 3" descr="Macintosh HD:Mac:Projects:Conditionality:Analyses:R:latfigs:abslat_byspinttype.pdf"/>
+          <p:cNvPicPr/>
+          <p:nvPr/>
+        </p:nvPicPr>
+        <p:blipFill rotWithShape="1">
+          <a:blip r:embed="rId2">
+            <a:extLst>
+              <a:ext uri="{28A0092B-C50C-407E-A947-70E740481C1C}">
+                <a14:useLocalDpi xmlns:a14="http://schemas.microsoft.com/office/drawing/2010/main" val="0"/>
+              </a:ext>
+            </a:extLst>
+          </a:blip>
+          <a:srcRect l="7012" t="24622" r="88797" b="50839"/>
+          <a:stretch/>
+        </p:blipFill>
+        <p:spPr bwMode="auto">
+          <a:xfrm>
+            <a:off x="979082" y="916135"/>
+            <a:ext cx="280897" cy="1644879"/>
+          </a:xfrm>
+          <a:prstGeom prst="rect">
+            <a:avLst/>
+          </a:prstGeom>
+          <a:noFill/>
+          <a:ln>
+            <a:noFill/>
+          </a:ln>
+          <a:extLst>
+            <a:ext uri="{53640926-AAD7-44d8-BBD7-CCE9431645EC}">
+              <a14:shadowObscured xmlns:a14="http://schemas.microsoft.com/office/drawing/2010/main"/>
+            </a:ext>
+          </a:extLst>
+        </p:spPr>
+      </p:pic>
+      <p:pic>
+        <p:nvPicPr>
+          <p:cNvPr id="5" name="Picture 4" descr="Macintosh HD:Mac:Projects:Conditionality:Analyses:R:latfigs:abslat_byspinttype.pdf"/>
+          <p:cNvPicPr/>
+          <p:nvPr/>
+        </p:nvPicPr>
+        <p:blipFill rotWithShape="1">
+          <a:blip r:embed="rId2">
+            <a:extLst>
+              <a:ext uri="{28A0092B-C50C-407E-A947-70E740481C1C}">
+                <a14:useLocalDpi xmlns:a14="http://schemas.microsoft.com/office/drawing/2010/main" val="0"/>
+              </a:ext>
+            </a:extLst>
+          </a:blip>
+          <a:srcRect l="7012" t="49217" r="88797" b="20398"/>
+          <a:stretch/>
+        </p:blipFill>
+        <p:spPr bwMode="auto">
+          <a:xfrm>
+            <a:off x="646488" y="916135"/>
+            <a:ext cx="280897" cy="2036722"/>
+          </a:xfrm>
+          <a:prstGeom prst="rect">
+            <a:avLst/>
+          </a:prstGeom>
+          <a:noFill/>
+          <a:ln>
+            <a:noFill/>
+          </a:ln>
+          <a:extLst>
+            <a:ext uri="{53640926-AAD7-44d8-BBD7-CCE9431645EC}">
+              <a14:shadowObscured xmlns:a14="http://schemas.microsoft.com/office/drawing/2010/main"/>
+            </a:ext>
+          </a:extLst>
+        </p:spPr>
+      </p:pic>
+    </p:spTree>
+    <p:extLst>
+      <p:ext uri="{BB962C8B-B14F-4D97-AF65-F5344CB8AC3E}">
+        <p14:creationId xmlns:p14="http://schemas.microsoft.com/office/powerpoint/2010/main" val="4246818546"/>
+      </p:ext>
+    </p:extLst>
+  </p:cSld>
+  <p:clrMapOvr>
+    <a:masterClrMapping/>
+  </p:clrMapOvr>
+</p:sld>
+</file>
+
+<file path=ppt/slides/slide14.xml><?xml version="1.0" encoding="utf-8"?>
+<p:sld xmlns:a="http://schemas.openxmlformats.org/drawingml/2006/main" xmlns:r="http://schemas.openxmlformats.org/officeDocument/2006/relationships" xmlns:p="http://schemas.openxmlformats.org/presentationml/2006/main">
+  <p:cSld>
+    <p:spTree>
+      <p:nvGrpSpPr>
+        <p:cNvPr id="1" name=""/>
+        <p:cNvGrpSpPr/>
+        <p:nvPr/>
+      </p:nvGrpSpPr>
+      <p:grpSpPr>
+        <a:xfrm>
+          <a:off x="0" y="0"/>
+          <a:ext cx="0" cy="0"/>
+          <a:chOff x="0" y="0"/>
+          <a:chExt cx="0" cy="0"/>
+        </a:xfrm>
+      </p:grpSpPr>
       <p:sp>
         <p:nvSpPr>
           <p:cNvPr id="3" name="Rectangle 2"/>
@@ -3442,7 +3851,7 @@
 </p:sld>
 </file>
 
-<file path=ppt/slides/slide11.xml><?xml version="1.0" encoding="utf-8"?>
+<file path=ppt/slides/slide15.xml><?xml version="1.0" encoding="utf-8"?>
 <p:sld xmlns:a="http://schemas.openxmlformats.org/drawingml/2006/main" xmlns:r="http://schemas.openxmlformats.org/officeDocument/2006/relationships" xmlns:p="http://schemas.openxmlformats.org/presentationml/2006/main">
   <p:cSld>
     <p:spTree>
@@ -3680,13 +4089,13 @@
       </p:grpSpPr>
       <p:pic>
         <p:nvPicPr>
-          <p:cNvPr id="2" name="Picture 1" descr="sppinteractions.png"/>
+          <p:cNvPr id="2" name="Picture 1" descr="thompson.png"/>
           <p:cNvPicPr>
             <a:picLocks noChangeAspect="1"/>
           </p:cNvPicPr>
           <p:nvPr/>
         </p:nvPicPr>
-        <p:blipFill rotWithShape="1">
+        <p:blipFill>
           <a:blip r:embed="rId2">
             <a:extLst>
               <a:ext uri="{28A0092B-C50C-407E-A947-70E740481C1C}">
@@ -3694,13 +4103,14 @@
               </a:ext>
             </a:extLst>
           </a:blip>
-          <a:srcRect l="38383" r="34653"/>
-          <a:stretch/>
+          <a:stretch>
+            <a:fillRect/>
+          </a:stretch>
         </p:blipFill>
         <p:spPr>
           <a:xfrm>
-            <a:off x="412654" y="1824409"/>
-            <a:ext cx="2366852" cy="1889634"/>
+            <a:off x="378583" y="145749"/>
+            <a:ext cx="5628851" cy="6587324"/>
           </a:xfrm>
           <a:prstGeom prst="rect">
             <a:avLst/>
@@ -3709,153 +4119,634 @@
       </p:pic>
       <p:sp>
         <p:nvSpPr>
-          <p:cNvPr id="3" name="TextBox 2"/>
-          <p:cNvSpPr txBox="1"/>
-          <p:nvPr/>
-        </p:nvSpPr>
-        <p:spPr>
-          <a:xfrm>
-            <a:off x="1360303" y="3924806"/>
-            <a:ext cx="430376" cy="646331"/>
-          </a:xfrm>
-          <a:prstGeom prst="rect">
-            <a:avLst/>
-          </a:prstGeom>
-          <a:noFill/>
-        </p:spPr>
-        <p:txBody>
-          <a:bodyPr wrap="none" rtlCol="0">
-            <a:spAutoFit/>
-          </a:bodyPr>
-          <a:lstStyle/>
-          <a:p>
-            <a:r>
-              <a:rPr lang="en-US" sz="3600" b="1"/>
-              <a:t>P</a:t>
-            </a:r>
+          <p:cNvPr id="3" name="Oval 2"/>
+          <p:cNvSpPr>
+            <a:spLocks noChangeAspect="1"/>
+          </p:cNvSpPr>
+          <p:nvPr/>
+        </p:nvSpPr>
+        <p:spPr>
+          <a:xfrm>
+            <a:off x="1198866" y="1552724"/>
+            <a:ext cx="284540" cy="289620"/>
+          </a:xfrm>
+          <a:prstGeom prst="ellipse">
+            <a:avLst/>
+          </a:prstGeom>
+          <a:solidFill>
+            <a:schemeClr val="tx1"/>
+          </a:solidFill>
+          <a:ln>
+            <a:solidFill>
+              <a:schemeClr val="tx1"/>
+            </a:solidFill>
+          </a:ln>
+        </p:spPr>
+        <p:style>
+          <a:lnRef idx="1">
+            <a:schemeClr val="accent1"/>
+          </a:lnRef>
+          <a:fillRef idx="3">
+            <a:schemeClr val="accent1"/>
+          </a:fillRef>
+          <a:effectRef idx="2">
+            <a:schemeClr val="accent1"/>
+          </a:effectRef>
+          <a:fontRef idx="minor">
+            <a:schemeClr val="lt1"/>
+          </a:fontRef>
+        </p:style>
+        <p:txBody>
+          <a:bodyPr rtlCol="0" anchor="ctr"/>
+          <a:lstStyle/>
+          <a:p>
+            <a:pPr algn="ctr"/>
+            <a:endParaRPr lang="en-US"/>
+          </a:p>
+        </p:txBody>
+      </p:sp>
+      <p:sp>
+        <p:nvSpPr>
+          <p:cNvPr id="4" name="Oval 3"/>
+          <p:cNvSpPr>
+            <a:spLocks noChangeAspect="1"/>
+          </p:cNvSpPr>
+          <p:nvPr/>
+        </p:nvSpPr>
+        <p:spPr>
+          <a:xfrm>
+            <a:off x="2496380" y="4089158"/>
+            <a:ext cx="284540" cy="289620"/>
+          </a:xfrm>
+          <a:prstGeom prst="ellipse">
+            <a:avLst/>
+          </a:prstGeom>
+          <a:solidFill>
+            <a:schemeClr val="tx1"/>
+          </a:solidFill>
+          <a:ln>
+            <a:solidFill>
+              <a:schemeClr val="tx1"/>
+            </a:solidFill>
+          </a:ln>
+        </p:spPr>
+        <p:style>
+          <a:lnRef idx="1">
+            <a:schemeClr val="accent1"/>
+          </a:lnRef>
+          <a:fillRef idx="3">
+            <a:schemeClr val="accent1"/>
+          </a:fillRef>
+          <a:effectRef idx="2">
+            <a:schemeClr val="accent1"/>
+          </a:effectRef>
+          <a:fontRef idx="minor">
+            <a:schemeClr val="lt1"/>
+          </a:fontRef>
+        </p:style>
+        <p:txBody>
+          <a:bodyPr rtlCol="0" anchor="ctr"/>
+          <a:lstStyle/>
+          <a:p>
+            <a:pPr algn="ctr"/>
+            <a:endParaRPr lang="en-US"/>
+          </a:p>
+        </p:txBody>
+      </p:sp>
+      <p:sp>
+        <p:nvSpPr>
+          <p:cNvPr id="5" name="Oval 4"/>
+          <p:cNvSpPr>
+            <a:spLocks noChangeAspect="1"/>
+          </p:cNvSpPr>
+          <p:nvPr/>
+        </p:nvSpPr>
+        <p:spPr>
+          <a:xfrm>
+            <a:off x="2773693" y="4343451"/>
+            <a:ext cx="284540" cy="289620"/>
+          </a:xfrm>
+          <a:prstGeom prst="ellipse">
+            <a:avLst/>
+          </a:prstGeom>
+          <a:solidFill>
+            <a:schemeClr val="tx1"/>
+          </a:solidFill>
+          <a:ln>
+            <a:solidFill>
+              <a:schemeClr val="tx1"/>
+            </a:solidFill>
+          </a:ln>
+        </p:spPr>
+        <p:style>
+          <a:lnRef idx="1">
+            <a:schemeClr val="accent1"/>
+          </a:lnRef>
+          <a:fillRef idx="3">
+            <a:schemeClr val="accent1"/>
+          </a:fillRef>
+          <a:effectRef idx="2">
+            <a:schemeClr val="accent1"/>
+          </a:effectRef>
+          <a:fontRef idx="minor">
+            <a:schemeClr val="lt1"/>
+          </a:fontRef>
+        </p:style>
+        <p:txBody>
+          <a:bodyPr rtlCol="0" anchor="ctr"/>
+          <a:lstStyle/>
+          <a:p>
+            <a:pPr algn="ctr"/>
+            <a:endParaRPr lang="en-US"/>
+          </a:p>
+        </p:txBody>
+      </p:sp>
+      <p:sp>
+        <p:nvSpPr>
+          <p:cNvPr id="6" name="Oval 5"/>
+          <p:cNvSpPr>
+            <a:spLocks noChangeAspect="1"/>
+          </p:cNvSpPr>
+          <p:nvPr/>
+        </p:nvSpPr>
+        <p:spPr>
+          <a:xfrm>
+            <a:off x="3821364" y="3725464"/>
+            <a:ext cx="284540" cy="289620"/>
+          </a:xfrm>
+          <a:prstGeom prst="ellipse">
+            <a:avLst/>
+          </a:prstGeom>
+          <a:solidFill>
+            <a:schemeClr val="tx1"/>
+          </a:solidFill>
+          <a:ln>
+            <a:solidFill>
+              <a:schemeClr val="tx1"/>
+            </a:solidFill>
+          </a:ln>
+        </p:spPr>
+        <p:style>
+          <a:lnRef idx="1">
+            <a:schemeClr val="accent1"/>
+          </a:lnRef>
+          <a:fillRef idx="3">
+            <a:schemeClr val="accent1"/>
+          </a:fillRef>
+          <a:effectRef idx="2">
+            <a:schemeClr val="accent1"/>
+          </a:effectRef>
+          <a:fontRef idx="minor">
+            <a:schemeClr val="lt1"/>
+          </a:fontRef>
+        </p:style>
+        <p:txBody>
+          <a:bodyPr rtlCol="0" anchor="ctr"/>
+          <a:lstStyle/>
+          <a:p>
+            <a:pPr algn="ctr"/>
+            <a:endParaRPr lang="en-US"/>
+          </a:p>
+        </p:txBody>
+      </p:sp>
+      <p:sp>
+        <p:nvSpPr>
+          <p:cNvPr id="7" name="Oval 6"/>
+          <p:cNvSpPr>
+            <a:spLocks noChangeAspect="1"/>
+          </p:cNvSpPr>
+          <p:nvPr/>
+        </p:nvSpPr>
+        <p:spPr>
+          <a:xfrm>
+            <a:off x="3736944" y="3453248"/>
+            <a:ext cx="284540" cy="289620"/>
+          </a:xfrm>
+          <a:prstGeom prst="ellipse">
+            <a:avLst/>
+          </a:prstGeom>
+          <a:solidFill>
+            <a:srgbClr val="FFFFFF"/>
+          </a:solidFill>
+          <a:ln w="38100" cmpd="sng">
+            <a:solidFill>
+              <a:schemeClr val="tx1"/>
+            </a:solidFill>
+          </a:ln>
+        </p:spPr>
+        <p:style>
+          <a:lnRef idx="1">
+            <a:schemeClr val="accent1"/>
+          </a:lnRef>
+          <a:fillRef idx="3">
+            <a:schemeClr val="accent1"/>
+          </a:fillRef>
+          <a:effectRef idx="2">
+            <a:schemeClr val="accent1"/>
+          </a:effectRef>
+          <a:fontRef idx="minor">
+            <a:schemeClr val="lt1"/>
+          </a:fontRef>
+        </p:style>
+        <p:txBody>
+          <a:bodyPr rtlCol="0" anchor="ctr"/>
+          <a:lstStyle/>
+          <a:p>
+            <a:pPr algn="ctr"/>
+            <a:endParaRPr lang="en-US"/>
+          </a:p>
+        </p:txBody>
+      </p:sp>
+      <p:sp>
+        <p:nvSpPr>
+          <p:cNvPr id="8" name="Oval 7"/>
+          <p:cNvSpPr>
+            <a:spLocks noChangeAspect="1"/>
+          </p:cNvSpPr>
+          <p:nvPr/>
+        </p:nvSpPr>
+        <p:spPr>
+          <a:xfrm>
+            <a:off x="1341136" y="2679102"/>
+            <a:ext cx="284540" cy="289620"/>
+          </a:xfrm>
+          <a:prstGeom prst="ellipse">
+            <a:avLst/>
+          </a:prstGeom>
+          <a:solidFill>
+            <a:srgbClr val="FFFFFF"/>
+          </a:solidFill>
+          <a:ln w="38100" cmpd="sng">
+            <a:solidFill>
+              <a:schemeClr val="tx1"/>
+            </a:solidFill>
+          </a:ln>
+        </p:spPr>
+        <p:style>
+          <a:lnRef idx="1">
+            <a:schemeClr val="accent1"/>
+          </a:lnRef>
+          <a:fillRef idx="3">
+            <a:schemeClr val="accent1"/>
+          </a:fillRef>
+          <a:effectRef idx="2">
+            <a:schemeClr val="accent1"/>
+          </a:effectRef>
+          <a:fontRef idx="minor">
+            <a:schemeClr val="lt1"/>
+          </a:fontRef>
+        </p:style>
+        <p:txBody>
+          <a:bodyPr rtlCol="0" anchor="ctr"/>
+          <a:lstStyle/>
+          <a:p>
+            <a:pPr algn="ctr"/>
+            <a:endParaRPr lang="en-US"/>
+          </a:p>
+        </p:txBody>
+      </p:sp>
+      <p:sp>
+        <p:nvSpPr>
+          <p:cNvPr id="9" name="Oval 8"/>
+          <p:cNvSpPr>
+            <a:spLocks noChangeAspect="1"/>
+          </p:cNvSpPr>
+          <p:nvPr/>
+        </p:nvSpPr>
+        <p:spPr>
+          <a:xfrm>
+            <a:off x="2957603" y="4167408"/>
+            <a:ext cx="284540" cy="289620"/>
+          </a:xfrm>
+          <a:prstGeom prst="ellipse">
+            <a:avLst/>
+          </a:prstGeom>
+          <a:solidFill>
+            <a:srgbClr val="FFFFFF"/>
+          </a:solidFill>
+          <a:ln w="38100" cmpd="sng">
+            <a:solidFill>
+              <a:schemeClr val="tx1"/>
+            </a:solidFill>
+          </a:ln>
+        </p:spPr>
+        <p:style>
+          <a:lnRef idx="1">
+            <a:schemeClr val="accent1"/>
+          </a:lnRef>
+          <a:fillRef idx="3">
+            <a:schemeClr val="accent1"/>
+          </a:fillRef>
+          <a:effectRef idx="2">
+            <a:schemeClr val="accent1"/>
+          </a:effectRef>
+          <a:fontRef idx="minor">
+            <a:schemeClr val="lt1"/>
+          </a:fontRef>
+        </p:style>
+        <p:txBody>
+          <a:bodyPr rtlCol="0" anchor="ctr"/>
+          <a:lstStyle/>
+          <a:p>
+            <a:pPr algn="ctr"/>
+            <a:endParaRPr lang="en-US"/>
+          </a:p>
+        </p:txBody>
+      </p:sp>
+      <p:sp>
+        <p:nvSpPr>
+          <p:cNvPr id="10" name="Oval 9"/>
+          <p:cNvSpPr>
+            <a:spLocks noChangeAspect="1"/>
+          </p:cNvSpPr>
+          <p:nvPr/>
+        </p:nvSpPr>
+        <p:spPr>
+          <a:xfrm>
+            <a:off x="3099593" y="4404376"/>
+            <a:ext cx="284540" cy="289620"/>
+          </a:xfrm>
+          <a:prstGeom prst="ellipse">
+            <a:avLst/>
+          </a:prstGeom>
+          <a:solidFill>
+            <a:srgbClr val="FFFFFF"/>
+          </a:solidFill>
+          <a:ln w="38100" cmpd="sng">
+            <a:solidFill>
+              <a:schemeClr val="tx1"/>
+            </a:solidFill>
+          </a:ln>
+        </p:spPr>
+        <p:style>
+          <a:lnRef idx="1">
+            <a:schemeClr val="accent1"/>
+          </a:lnRef>
+          <a:fillRef idx="3">
+            <a:schemeClr val="accent1"/>
+          </a:fillRef>
+          <a:effectRef idx="2">
+            <a:schemeClr val="accent1"/>
+          </a:effectRef>
+          <a:fontRef idx="minor">
+            <a:schemeClr val="lt1"/>
+          </a:fontRef>
+        </p:style>
+        <p:txBody>
+          <a:bodyPr rtlCol="0" anchor="ctr"/>
+          <a:lstStyle/>
+          <a:p>
+            <a:pPr algn="ctr"/>
+            <a:endParaRPr lang="en-US"/>
+          </a:p>
+        </p:txBody>
+      </p:sp>
+      <p:sp>
+        <p:nvSpPr>
+          <p:cNvPr id="11" name="Oval 10"/>
+          <p:cNvSpPr>
+            <a:spLocks noChangeAspect="1"/>
+          </p:cNvSpPr>
+          <p:nvPr/>
+        </p:nvSpPr>
+        <p:spPr>
+          <a:xfrm>
+            <a:off x="1056596" y="3754560"/>
+            <a:ext cx="284540" cy="289620"/>
+          </a:xfrm>
+          <a:prstGeom prst="ellipse">
+            <a:avLst/>
+          </a:prstGeom>
+          <a:pattFill prst="openDmnd">
+            <a:fgClr>
+              <a:schemeClr val="tx1"/>
+            </a:fgClr>
+            <a:bgClr>
+              <a:prstClr val="white"/>
+            </a:bgClr>
+          </a:pattFill>
+          <a:ln w="38100" cmpd="sng">
+            <a:solidFill>
+              <a:schemeClr val="tx1"/>
+            </a:solidFill>
+          </a:ln>
+        </p:spPr>
+        <p:style>
+          <a:lnRef idx="1">
+            <a:schemeClr val="accent1"/>
+          </a:lnRef>
+          <a:fillRef idx="3">
+            <a:schemeClr val="accent1"/>
+          </a:fillRef>
+          <a:effectRef idx="2">
+            <a:schemeClr val="accent1"/>
+          </a:effectRef>
+          <a:fontRef idx="minor">
+            <a:schemeClr val="lt1"/>
+          </a:fontRef>
+        </p:style>
+        <p:txBody>
+          <a:bodyPr rtlCol="0" anchor="ctr"/>
+          <a:lstStyle/>
+          <a:p>
+            <a:pPr algn="ctr"/>
+            <a:endParaRPr lang="en-US"/>
+          </a:p>
+        </p:txBody>
+      </p:sp>
+      <p:sp>
+        <p:nvSpPr>
+          <p:cNvPr id="12" name="Oval 11"/>
+          <p:cNvSpPr>
+            <a:spLocks noChangeAspect="1"/>
+          </p:cNvSpPr>
+          <p:nvPr/>
+        </p:nvSpPr>
+        <p:spPr>
+          <a:xfrm>
+            <a:off x="2416570" y="4650475"/>
+            <a:ext cx="284540" cy="289620"/>
+          </a:xfrm>
+          <a:prstGeom prst="ellipse">
+            <a:avLst/>
+          </a:prstGeom>
+          <a:pattFill prst="openDmnd">
+            <a:fgClr>
+              <a:schemeClr val="tx1"/>
+            </a:fgClr>
+            <a:bgClr>
+              <a:prstClr val="white"/>
+            </a:bgClr>
+          </a:pattFill>
+          <a:ln w="38100" cmpd="sng">
+            <a:solidFill>
+              <a:schemeClr val="tx1"/>
+            </a:solidFill>
+          </a:ln>
+        </p:spPr>
+        <p:style>
+          <a:lnRef idx="1">
+            <a:schemeClr val="accent1"/>
+          </a:lnRef>
+          <a:fillRef idx="3">
+            <a:schemeClr val="accent1"/>
+          </a:fillRef>
+          <a:effectRef idx="2">
+            <a:schemeClr val="accent1"/>
+          </a:effectRef>
+          <a:fontRef idx="minor">
+            <a:schemeClr val="lt1"/>
+          </a:fontRef>
+        </p:style>
+        <p:txBody>
+          <a:bodyPr rtlCol="0" anchor="ctr"/>
+          <a:lstStyle/>
+          <a:p>
+            <a:pPr algn="ctr"/>
+            <a:endParaRPr lang="en-US"/>
+          </a:p>
+        </p:txBody>
+      </p:sp>
+      <p:sp>
+        <p:nvSpPr>
+          <p:cNvPr id="13" name="Oval 12"/>
+          <p:cNvSpPr>
+            <a:spLocks noChangeAspect="1"/>
+          </p:cNvSpPr>
+          <p:nvPr/>
+        </p:nvSpPr>
+        <p:spPr>
+          <a:xfrm>
+            <a:off x="2853510" y="4658065"/>
+            <a:ext cx="284540" cy="289620"/>
+          </a:xfrm>
+          <a:prstGeom prst="ellipse">
+            <a:avLst/>
+          </a:prstGeom>
+          <a:pattFill prst="openDmnd">
+            <a:fgClr>
+              <a:schemeClr val="tx1"/>
+            </a:fgClr>
+            <a:bgClr>
+              <a:prstClr val="white"/>
+            </a:bgClr>
+          </a:pattFill>
+          <a:ln w="38100" cmpd="sng">
+            <a:solidFill>
+              <a:schemeClr val="tx1"/>
+            </a:solidFill>
+          </a:ln>
+        </p:spPr>
+        <p:style>
+          <a:lnRef idx="1">
+            <a:schemeClr val="accent1"/>
+          </a:lnRef>
+          <a:fillRef idx="3">
+            <a:schemeClr val="accent1"/>
+          </a:fillRef>
+          <a:effectRef idx="2">
+            <a:schemeClr val="accent1"/>
+          </a:effectRef>
+          <a:fontRef idx="minor">
+            <a:schemeClr val="lt1"/>
+          </a:fontRef>
+        </p:style>
+        <p:txBody>
+          <a:bodyPr rtlCol="0" anchor="ctr"/>
+          <a:lstStyle/>
+          <a:p>
+            <a:pPr algn="ctr"/>
+            <a:endParaRPr lang="en-US"/>
+          </a:p>
+        </p:txBody>
+      </p:sp>
+      <p:sp>
+        <p:nvSpPr>
+          <p:cNvPr id="14" name="Oval 13"/>
+          <p:cNvSpPr>
+            <a:spLocks noChangeAspect="1"/>
+          </p:cNvSpPr>
+          <p:nvPr/>
+        </p:nvSpPr>
+        <p:spPr>
+          <a:xfrm>
+            <a:off x="2943151" y="3682627"/>
+            <a:ext cx="284540" cy="289620"/>
+          </a:xfrm>
+          <a:prstGeom prst="ellipse">
+            <a:avLst/>
+          </a:prstGeom>
+          <a:pattFill prst="openDmnd">
+            <a:fgClr>
+              <a:schemeClr val="tx1"/>
+            </a:fgClr>
+            <a:bgClr>
+              <a:prstClr val="white"/>
+            </a:bgClr>
+          </a:pattFill>
+          <a:ln w="38100" cmpd="sng">
+            <a:solidFill>
+              <a:schemeClr val="tx1"/>
+            </a:solidFill>
+          </a:ln>
+        </p:spPr>
+        <p:style>
+          <a:lnRef idx="1">
+            <a:schemeClr val="accent1"/>
+          </a:lnRef>
+          <a:fillRef idx="3">
+            <a:schemeClr val="accent1"/>
+          </a:fillRef>
+          <a:effectRef idx="2">
+            <a:schemeClr val="accent1"/>
+          </a:effectRef>
+          <a:fontRef idx="minor">
+            <a:schemeClr val="lt1"/>
+          </a:fontRef>
+        </p:style>
+        <p:txBody>
+          <a:bodyPr rtlCol="0" anchor="ctr"/>
+          <a:lstStyle/>
+          <a:p>
+            <a:pPr algn="ctr"/>
+            <a:endParaRPr lang="en-US"/>
           </a:p>
         </p:txBody>
       </p:sp>
       <p:pic>
         <p:nvPicPr>
-          <p:cNvPr id="4" name="Picture 3" descr="sppinteractions.png"/>
+          <p:cNvPr id="15" name="Picture 14" descr="thompson-greyamoth.png"/>
           <p:cNvPicPr>
             <a:picLocks noChangeAspect="1"/>
           </p:cNvPicPr>
           <p:nvPr/>
         </p:nvPicPr>
-        <p:blipFill rotWithShape="1">
-          <a:blip r:embed="rId2">
+        <p:blipFill>
+          <a:blip r:embed="rId3">
             <a:extLst>
               <a:ext uri="{28A0092B-C50C-407E-A947-70E740481C1C}">
                 <a14:useLocalDpi xmlns:a14="http://schemas.microsoft.com/office/drawing/2010/main" val="0"/>
               </a:ext>
             </a:extLst>
           </a:blip>
-          <a:srcRect r="66868"/>
-          <a:stretch/>
+          <a:stretch>
+            <a:fillRect/>
+          </a:stretch>
         </p:blipFill>
         <p:spPr>
           <a:xfrm>
-            <a:off x="3077647" y="1824409"/>
-            <a:ext cx="2908179" cy="1889634"/>
+            <a:off x="6116939" y="2433531"/>
+            <a:ext cx="2933370" cy="2147227"/>
           </a:xfrm>
           <a:prstGeom prst="rect">
             <a:avLst/>
           </a:prstGeom>
         </p:spPr>
       </p:pic>
-      <p:pic>
-        <p:nvPicPr>
-          <p:cNvPr id="5" name="Picture 4" descr="sppinteractions.png"/>
-          <p:cNvPicPr>
-            <a:picLocks noChangeAspect="1"/>
-          </p:cNvPicPr>
-          <p:nvPr/>
-        </p:nvPicPr>
-        <p:blipFill rotWithShape="1">
-          <a:blip r:embed="rId2">
-            <a:extLst>
-              <a:ext uri="{28A0092B-C50C-407E-A947-70E740481C1C}">
-                <a14:useLocalDpi xmlns:a14="http://schemas.microsoft.com/office/drawing/2010/main" val="0"/>
-              </a:ext>
-            </a:extLst>
-          </a:blip>
-          <a:srcRect l="67924"/>
-          <a:stretch/>
-        </p:blipFill>
-        <p:spPr>
-          <a:xfrm>
-            <a:off x="6161882" y="1824409"/>
-            <a:ext cx="2815555" cy="1889634"/>
-          </a:xfrm>
-          <a:prstGeom prst="rect">
-            <a:avLst/>
-          </a:prstGeom>
-        </p:spPr>
-      </p:pic>
-      <p:sp>
-        <p:nvSpPr>
-          <p:cNvPr id="6" name="TextBox 5"/>
-          <p:cNvSpPr txBox="1"/>
-          <p:nvPr/>
-        </p:nvSpPr>
-        <p:spPr>
-          <a:xfrm>
-            <a:off x="4396310" y="3924806"/>
-            <a:ext cx="430376" cy="646331"/>
-          </a:xfrm>
-          <a:prstGeom prst="rect">
-            <a:avLst/>
-          </a:prstGeom>
-          <a:noFill/>
-        </p:spPr>
-        <p:txBody>
-          <a:bodyPr wrap="none" rtlCol="0">
-            <a:spAutoFit/>
-          </a:bodyPr>
-          <a:lstStyle/>
-          <a:p>
-            <a:r>
-              <a:rPr lang="en-US" sz="3600" b="1"/>
-              <a:t>C</a:t>
-            </a:r>
-          </a:p>
-        </p:txBody>
-      </p:sp>
-      <p:sp>
-        <p:nvSpPr>
-          <p:cNvPr id="7" name="TextBox 6"/>
-          <p:cNvSpPr txBox="1"/>
-          <p:nvPr/>
-        </p:nvSpPr>
-        <p:spPr>
-          <a:xfrm>
-            <a:off x="7484367" y="3924806"/>
-            <a:ext cx="588172" cy="646331"/>
-          </a:xfrm>
-          <a:prstGeom prst="rect">
-            <a:avLst/>
-          </a:prstGeom>
-          <a:noFill/>
-        </p:spPr>
-        <p:txBody>
-          <a:bodyPr wrap="none" rtlCol="0">
-            <a:spAutoFit/>
-          </a:bodyPr>
-          <a:lstStyle/>
-          <a:p>
-            <a:r>
-              <a:rPr lang="en-US" sz="3600" b="1"/>
-              <a:t>M</a:t>
-            </a:r>
-          </a:p>
-        </p:txBody>
-      </p:sp>
     </p:spTree>
     <p:extLst>
       <p:ext uri="{BB962C8B-B14F-4D97-AF65-F5344CB8AC3E}">
-        <p14:creationId xmlns:p14="http://schemas.microsoft.com/office/powerpoint/2010/main" val="255962066"/>
+        <p14:creationId xmlns:p14="http://schemas.microsoft.com/office/powerpoint/2010/main" val="806817115"/>
       </p:ext>
     </p:extLst>
   </p:cSld>
@@ -3884,14 +4775,14 @@
       </p:grpSpPr>
       <p:pic>
         <p:nvPicPr>
-          <p:cNvPr id="2" name="Picture 1" descr="sppinttypes_by_contexts_sign.png"/>
+          <p:cNvPr id="59" name="Picture 58" descr="fox.png"/>
           <p:cNvPicPr>
             <a:picLocks noChangeAspect="1"/>
           </p:cNvPicPr>
           <p:nvPr/>
         </p:nvPicPr>
         <p:blipFill>
-          <a:blip r:embed="rId2">
+          <a:blip r:embed="rId3">
             <a:extLst>
               <a:ext uri="{28A0092B-C50C-407E-A947-70E740481C1C}">
                 <a14:useLocalDpi xmlns:a14="http://schemas.microsoft.com/office/drawing/2010/main" val="0"/>
@@ -3904,8 +4795,8 @@
         </p:blipFill>
         <p:spPr>
           <a:xfrm>
-            <a:off x="0" y="1601784"/>
-            <a:ext cx="9144000" cy="3370849"/>
+            <a:off x="2047311" y="1966951"/>
+            <a:ext cx="1383932" cy="824412"/>
           </a:xfrm>
           <a:prstGeom prst="rect">
             <a:avLst/>
@@ -3914,14 +4805,254 @@
       </p:pic>
       <p:sp>
         <p:nvSpPr>
-          <p:cNvPr id="3" name="TextBox 2"/>
+          <p:cNvPr id="18" name="TextBox 17"/>
           <p:cNvSpPr txBox="1"/>
           <p:nvPr/>
         </p:nvSpPr>
         <p:spPr>
           <a:xfrm>
-            <a:off x="1077961" y="1109781"/>
-            <a:ext cx="840419" cy="369332"/>
+            <a:off x="923170" y="5351930"/>
+            <a:ext cx="2887019" cy="646331"/>
+          </a:xfrm>
+          <a:prstGeom prst="rect">
+            <a:avLst/>
+          </a:prstGeom>
+          <a:noFill/>
+        </p:spPr>
+        <p:txBody>
+          <a:bodyPr wrap="square" rtlCol="0">
+            <a:spAutoFit/>
+          </a:bodyPr>
+          <a:lstStyle/>
+          <a:p>
+            <a:pPr algn="ctr"/>
+            <a:r>
+              <a:rPr lang="en-US" dirty="0"/>
+              <a:t>Mean Interaction Outcome</a:t>
+            </a:r>
+          </a:p>
+          <a:p>
+            <a:pPr algn="ctr"/>
+            <a:r>
+              <a:rPr lang="en-US" dirty="0"/>
+              <a:t>from </a:t>
+            </a:r>
+            <a:r>
+              <a:rPr lang="en-US" dirty="0">
+                <a:ea typeface="ＭＳ Ｐゴシック" charset="0"/>
+                <a:cs typeface="Arial" charset="0"/>
+              </a:rPr>
+              <a:t>Armas </a:t>
+            </a:r>
+            <a:r>
+              <a:rPr lang="en-US" i="1" dirty="0">
+                <a:ea typeface="ＭＳ Ｐゴシック" charset="0"/>
+                <a:cs typeface="Arial" charset="0"/>
+              </a:rPr>
+              <a:t>et al</a:t>
+            </a:r>
+            <a:r>
+              <a:rPr lang="en-US" dirty="0">
+                <a:ea typeface="ＭＳ Ｐゴシック" charset="0"/>
+                <a:cs typeface="Arial" charset="0"/>
+              </a:rPr>
+              <a:t>. (2004)</a:t>
+            </a:r>
+            <a:r>
+              <a:rPr lang="en-US" dirty="0"/>
+              <a:t> </a:t>
+            </a:r>
+          </a:p>
+        </p:txBody>
+      </p:sp>
+      <p:sp>
+        <p:nvSpPr>
+          <p:cNvPr id="14" name="Rectangle 13"/>
+          <p:cNvSpPr/>
+          <p:nvPr/>
+        </p:nvSpPr>
+        <p:spPr>
+          <a:xfrm>
+            <a:off x="263020" y="1717021"/>
+            <a:ext cx="1604276" cy="2529336"/>
+          </a:xfrm>
+          <a:prstGeom prst="rect">
+            <a:avLst/>
+          </a:prstGeom>
+          <a:noFill/>
+          <a:ln w="12700" cmpd="sng">
+            <a:solidFill>
+              <a:srgbClr val="000000"/>
+            </a:solidFill>
+          </a:ln>
+          <a:effectLst/>
+        </p:spPr>
+        <p:style>
+          <a:lnRef idx="1">
+            <a:schemeClr val="accent1"/>
+          </a:lnRef>
+          <a:fillRef idx="3">
+            <a:schemeClr val="accent1"/>
+          </a:fillRef>
+          <a:effectRef idx="2">
+            <a:schemeClr val="accent1"/>
+          </a:effectRef>
+          <a:fontRef idx="minor">
+            <a:schemeClr val="lt1"/>
+          </a:fontRef>
+        </p:style>
+        <p:txBody>
+          <a:bodyPr rtlCol="0" anchor="ctr"/>
+          <a:lstStyle/>
+          <a:p>
+            <a:pPr algn="ctr"/>
+            <a:endParaRPr lang="en-US" dirty="0">
+              <a:ln w="12700" cmpd="sng">
+                <a:solidFill>
+                  <a:schemeClr val="tx1"/>
+                </a:solidFill>
+              </a:ln>
+            </a:endParaRPr>
+          </a:p>
+        </p:txBody>
+      </p:sp>
+      <p:sp>
+        <p:nvSpPr>
+          <p:cNvPr id="45" name="Rectangle 44"/>
+          <p:cNvSpPr/>
+          <p:nvPr/>
+        </p:nvSpPr>
+        <p:spPr>
+          <a:xfrm>
+            <a:off x="1882407" y="1717021"/>
+            <a:ext cx="1604276" cy="2529336"/>
+          </a:xfrm>
+          <a:prstGeom prst="rect">
+            <a:avLst/>
+          </a:prstGeom>
+          <a:noFill/>
+          <a:ln w="12700" cmpd="sng">
+            <a:solidFill>
+              <a:srgbClr val="000000"/>
+            </a:solidFill>
+          </a:ln>
+          <a:effectLst/>
+        </p:spPr>
+        <p:style>
+          <a:lnRef idx="1">
+            <a:schemeClr val="accent1"/>
+          </a:lnRef>
+          <a:fillRef idx="3">
+            <a:schemeClr val="accent1"/>
+          </a:fillRef>
+          <a:effectRef idx="2">
+            <a:schemeClr val="accent1"/>
+          </a:effectRef>
+          <a:fontRef idx="minor">
+            <a:schemeClr val="lt1"/>
+          </a:fontRef>
+        </p:style>
+        <p:txBody>
+          <a:bodyPr rtlCol="0" anchor="ctr"/>
+          <a:lstStyle/>
+          <a:p>
+            <a:pPr algn="ctr"/>
+            <a:endParaRPr lang="en-US" dirty="0">
+              <a:ln w="12700" cmpd="sng">
+                <a:solidFill>
+                  <a:schemeClr val="tx1"/>
+                </a:solidFill>
+              </a:ln>
+            </a:endParaRPr>
+          </a:p>
+        </p:txBody>
+      </p:sp>
+      <p:cxnSp>
+        <p:nvCxnSpPr>
+          <p:cNvPr id="69" name="Straight Connector 68"/>
+          <p:cNvCxnSpPr/>
+          <p:nvPr/>
+        </p:nvCxnSpPr>
+        <p:spPr>
+          <a:xfrm flipV="1">
+            <a:off x="2664194" y="2901606"/>
+            <a:ext cx="0" cy="430617"/>
+          </a:xfrm>
+          <a:prstGeom prst="line">
+            <a:avLst/>
+          </a:prstGeom>
+          <a:ln w="57150" cmpd="sng">
+            <a:solidFill>
+              <a:srgbClr val="000000"/>
+            </a:solidFill>
+            <a:headEnd type="none"/>
+            <a:tailEnd type="triangle"/>
+          </a:ln>
+          <a:effectLst/>
+        </p:spPr>
+        <p:style>
+          <a:lnRef idx="2">
+            <a:schemeClr val="accent1"/>
+          </a:lnRef>
+          <a:fillRef idx="0">
+            <a:schemeClr val="accent1"/>
+          </a:fillRef>
+          <a:effectRef idx="1">
+            <a:schemeClr val="accent1"/>
+          </a:effectRef>
+          <a:fontRef idx="minor">
+            <a:schemeClr val="tx1"/>
+          </a:fontRef>
+        </p:style>
+      </p:cxnSp>
+      <p:cxnSp>
+        <p:nvCxnSpPr>
+          <p:cNvPr id="70" name="Straight Connector 69"/>
+          <p:cNvCxnSpPr/>
+          <p:nvPr/>
+        </p:nvCxnSpPr>
+        <p:spPr>
+          <a:xfrm flipV="1">
+            <a:off x="1005231" y="2901606"/>
+            <a:ext cx="0" cy="430617"/>
+          </a:xfrm>
+          <a:prstGeom prst="line">
+            <a:avLst/>
+          </a:prstGeom>
+          <a:ln w="57150" cmpd="sng">
+            <a:solidFill>
+              <a:srgbClr val="000000"/>
+            </a:solidFill>
+            <a:headEnd type="none"/>
+            <a:tailEnd type="triangle"/>
+          </a:ln>
+          <a:effectLst/>
+        </p:spPr>
+        <p:style>
+          <a:lnRef idx="2">
+            <a:schemeClr val="accent1"/>
+          </a:lnRef>
+          <a:fillRef idx="0">
+            <a:schemeClr val="accent1"/>
+          </a:fillRef>
+          <a:effectRef idx="1">
+            <a:schemeClr val="accent1"/>
+          </a:effectRef>
+          <a:fontRef idx="minor">
+            <a:schemeClr val="tx1"/>
+          </a:fontRef>
+        </p:style>
+      </p:cxnSp>
+      <p:sp>
+        <p:nvSpPr>
+          <p:cNvPr id="71" name="TextBox 70"/>
+          <p:cNvSpPr txBox="1"/>
+          <p:nvPr/>
+        </p:nvSpPr>
+        <p:spPr>
+          <a:xfrm>
+            <a:off x="1488709" y="4453734"/>
+            <a:ext cx="787395" cy="400110"/>
           </a:xfrm>
           <a:prstGeom prst="rect">
             <a:avLst/>
@@ -3934,23 +5065,25 @@
           </a:bodyPr>
           <a:lstStyle/>
           <a:p>
-            <a:r>
-              <a:rPr lang="en-US"/>
-              <a:t>Abiotic</a:t>
-            </a:r>
-          </a:p>
-        </p:txBody>
-      </p:sp>
-      <p:sp>
-        <p:nvSpPr>
-          <p:cNvPr id="4" name="TextBox 3"/>
+            <a:pPr algn="ctr"/>
+            <a:r>
+              <a:rPr lang="en-US" sz="2000" dirty="0"/>
+              <a:t>Site A</a:t>
+            </a:r>
+            <a:endParaRPr lang="en-US" sz="1600" dirty="0"/>
+          </a:p>
+        </p:txBody>
+      </p:sp>
+      <p:sp>
+        <p:nvSpPr>
+          <p:cNvPr id="73" name="TextBox 72"/>
           <p:cNvSpPr txBox="1"/>
           <p:nvPr/>
         </p:nvSpPr>
         <p:spPr>
           <a:xfrm>
-            <a:off x="2809949" y="1109781"/>
-            <a:ext cx="814721" cy="369332"/>
+            <a:off x="5194263" y="4453734"/>
+            <a:ext cx="769637" cy="400110"/>
           </a:xfrm>
           <a:prstGeom prst="rect">
             <a:avLst/>
@@ -3963,23 +5096,25 @@
           </a:bodyPr>
           <a:lstStyle/>
           <a:p>
-            <a:r>
-              <a:rPr lang="en-US"/>
-              <a:t>Spatial</a:t>
-            </a:r>
-          </a:p>
-        </p:txBody>
-      </p:sp>
-      <p:sp>
-        <p:nvSpPr>
-          <p:cNvPr id="5" name="TextBox 4"/>
+            <a:pPr algn="ctr"/>
+            <a:r>
+              <a:rPr lang="en-US" sz="2000" dirty="0"/>
+              <a:t>Site C</a:t>
+            </a:r>
+            <a:endParaRPr lang="en-US" sz="1600" dirty="0"/>
+          </a:p>
+        </p:txBody>
+      </p:sp>
+      <p:sp>
+        <p:nvSpPr>
+          <p:cNvPr id="74" name="TextBox 73"/>
           <p:cNvSpPr txBox="1"/>
           <p:nvPr/>
         </p:nvSpPr>
         <p:spPr>
           <a:xfrm>
-            <a:off x="4115021" y="1109781"/>
-            <a:ext cx="1660731" cy="369332"/>
+            <a:off x="6379174" y="4453734"/>
+            <a:ext cx="790676" cy="400110"/>
           </a:xfrm>
           <a:prstGeom prst="rect">
             <a:avLst/>
@@ -3992,23 +5127,25 @@
           </a:bodyPr>
           <a:lstStyle/>
           <a:p>
-            <a:r>
-              <a:rPr lang="en-US"/>
-              <a:t>Species Identity</a:t>
-            </a:r>
-          </a:p>
-        </p:txBody>
-      </p:sp>
-      <p:sp>
-        <p:nvSpPr>
-          <p:cNvPr id="6" name="TextBox 5"/>
+            <a:pPr algn="ctr"/>
+            <a:r>
+              <a:rPr lang="en-US" sz="2000" dirty="0"/>
+              <a:t>Site D</a:t>
+            </a:r>
+            <a:endParaRPr lang="en-US" sz="1600" dirty="0"/>
+          </a:p>
+        </p:txBody>
+      </p:sp>
+      <p:sp>
+        <p:nvSpPr>
+          <p:cNvPr id="75" name="TextBox 74"/>
           <p:cNvSpPr txBox="1"/>
           <p:nvPr/>
         </p:nvSpPr>
         <p:spPr>
           <a:xfrm>
-            <a:off x="6177869" y="1109781"/>
-            <a:ext cx="1083425" cy="369332"/>
+            <a:off x="7545508" y="4453734"/>
+            <a:ext cx="758115" cy="400110"/>
           </a:xfrm>
           <a:prstGeom prst="rect">
             <a:avLst/>
@@ -4021,23 +5158,82 @@
           </a:bodyPr>
           <a:lstStyle/>
           <a:p>
-            <a:r>
-              <a:rPr lang="en-US"/>
-              <a:t>Temporal</a:t>
-            </a:r>
-          </a:p>
-        </p:txBody>
-      </p:sp>
-      <p:sp>
-        <p:nvSpPr>
-          <p:cNvPr id="7" name="TextBox 6"/>
+            <a:pPr algn="ctr"/>
+            <a:r>
+              <a:rPr lang="en-US" sz="2000" dirty="0"/>
+              <a:t>Site E</a:t>
+            </a:r>
+            <a:endParaRPr lang="en-US" sz="1600" dirty="0"/>
+          </a:p>
+        </p:txBody>
+      </p:sp>
+      <p:graphicFrame>
+        <p:nvGraphicFramePr>
+          <p:cNvPr id="46" name="Object 45"/>
+          <p:cNvGraphicFramePr>
+            <a:graphicFrameLocks noChangeAspect="1"/>
+          </p:cNvGraphicFramePr>
+          <p:nvPr>
+            <p:extLst>
+              <p:ext uri="{D42A27DB-BD31-4B8C-83A1-F6EECF244321}">
+                <p14:modId xmlns:p14="http://schemas.microsoft.com/office/powerpoint/2010/main" val="3608651610"/>
+              </p:ext>
+            </p:extLst>
+          </p:nvPr>
+        </p:nvGraphicFramePr>
+        <p:xfrm>
+          <a:off x="1183575" y="5998261"/>
+          <a:ext cx="2366210" cy="381000"/>
+        </p:xfrm>
+        <a:graphic>
+          <a:graphicData uri="http://schemas.openxmlformats.org/presentationml/2006/ole">
+            <mc:AlternateContent xmlns:mc="http://schemas.openxmlformats.org/markup-compatibility/2006">
+              <mc:Choice xmlns:v="urn:schemas-microsoft-com:vml" Requires="v">
+                <p:oleObj spid="_x0000_s1040" name="Equation" r:id="rId4" imgW="1498600" imgH="241300" progId="Equation.3">
+                  <p:embed/>
+                </p:oleObj>
+              </mc:Choice>
+              <mc:Fallback>
+                <p:oleObj name="Equation" r:id="rId4" imgW="1498600" imgH="241300" progId="Equation.3">
+                  <p:embed/>
+                  <p:pic>
+                    <p:nvPicPr>
+                      <p:cNvPr id="0" name=""/>
+                      <p:cNvPicPr/>
+                      <p:nvPr/>
+                    </p:nvPicPr>
+                    <p:blipFill>
+                      <a:blip r:embed="rId5"/>
+                      <a:stretch>
+                        <a:fillRect/>
+                      </a:stretch>
+                    </p:blipFill>
+                    <p:spPr>
+                      <a:xfrm>
+                        <a:off x="1183575" y="5998261"/>
+                        <a:ext cx="2366210" cy="381000"/>
+                      </a:xfrm>
+                      <a:prstGeom prst="rect">
+                        <a:avLst/>
+                      </a:prstGeom>
+                    </p:spPr>
+                  </p:pic>
+                </p:oleObj>
+              </mc:Fallback>
+            </mc:AlternateContent>
+          </a:graphicData>
+        </a:graphic>
+      </p:graphicFrame>
+      <p:sp>
+        <p:nvSpPr>
+          <p:cNvPr id="4" name="TextBox 3"/>
           <p:cNvSpPr txBox="1"/>
           <p:nvPr/>
         </p:nvSpPr>
         <p:spPr>
           <a:xfrm>
-            <a:off x="7877839" y="1109781"/>
-            <a:ext cx="980444" cy="369332"/>
+            <a:off x="4084616" y="4453734"/>
+            <a:ext cx="713619" cy="369332"/>
           </a:xfrm>
           <a:prstGeom prst="rect">
             <a:avLst/>
@@ -4051,30 +5247,461 @@
           <a:lstStyle/>
           <a:p>
             <a:r>
-              <a:rPr lang="en-US"/>
-              <a:t>3</a:t>
-            </a:r>
-            <a:r>
-              <a:rPr lang="en-US" baseline="30000"/>
-              <a:t>rd</a:t>
-            </a:r>
-            <a:r>
-              <a:rPr lang="en-US"/>
-              <a:t> party</a:t>
-            </a:r>
+              <a:rPr lang="en-US" dirty="0"/>
+              <a:t>Site B</a:t>
+            </a:r>
+          </a:p>
+        </p:txBody>
+      </p:sp>
+      <p:sp>
+        <p:nvSpPr>
+          <p:cNvPr id="41" name="AutoShape 4"/>
+          <p:cNvSpPr>
+            <a:spLocks/>
+          </p:cNvSpPr>
+          <p:nvPr/>
+        </p:nvSpPr>
+        <p:spPr bwMode="auto">
+          <a:xfrm>
+            <a:off x="1966899" y="1749595"/>
+            <a:ext cx="1464344" cy="1699848"/>
+          </a:xfrm>
+          <a:custGeom>
+            <a:avLst/>
+            <a:gdLst/>
+            <a:ahLst/>
+            <a:cxnLst/>
+            <a:rect l="0" t="0" r="r" b="b"/>
+            <a:pathLst>
+              <a:path w="21600" h="21600">
+                <a:moveTo>
+                  <a:pt x="10800" y="0"/>
+                </a:moveTo>
+                <a:cubicBezTo>
+                  <a:pt x="4835" y="0"/>
+                  <a:pt x="0" y="4835"/>
+                  <a:pt x="0" y="10800"/>
+                </a:cubicBezTo>
+                <a:cubicBezTo>
+                  <a:pt x="0" y="16765"/>
+                  <a:pt x="4835" y="21600"/>
+                  <a:pt x="10800" y="21600"/>
+                </a:cubicBezTo>
+                <a:cubicBezTo>
+                  <a:pt x="16765" y="21600"/>
+                  <a:pt x="21600" y="16765"/>
+                  <a:pt x="21600" y="10800"/>
+                </a:cubicBezTo>
+                <a:cubicBezTo>
+                  <a:pt x="21600" y="4835"/>
+                  <a:pt x="16765" y="0"/>
+                  <a:pt x="10800" y="0"/>
+                </a:cubicBezTo>
+                <a:close/>
+                <a:moveTo>
+                  <a:pt x="3163" y="3163"/>
+                </a:moveTo>
+                <a:lnTo>
+                  <a:pt x="18437" y="18437"/>
+                </a:lnTo>
+                <a:moveTo>
+                  <a:pt x="3163" y="18437"/>
+                </a:moveTo>
+                <a:lnTo>
+                  <a:pt x="18437" y="3163"/>
+                </a:lnTo>
+              </a:path>
+            </a:pathLst>
+          </a:custGeom>
+          <a:noFill/>
+          <a:ln w="38100" cap="flat">
+            <a:solidFill>
+              <a:srgbClr val="FF1212"/>
+            </a:solidFill>
+            <a:prstDash val="solid"/>
+            <a:round/>
+            <a:headEnd type="none" w="med" len="med"/>
+            <a:tailEnd type="none" w="med" len="med"/>
+          </a:ln>
+          <a:extLst>
+            <a:ext uri="{909E8E84-426E-40dd-AFC4-6F175D3DCCD1}">
+              <a14:hiddenFill xmlns:a14="http://schemas.microsoft.com/office/drawing/2010/main">
+                <a:solidFill>
+                  <a:srgbClr val="FFFFFF"/>
+                </a:solidFill>
+              </a14:hiddenFill>
+            </a:ext>
+          </a:extLst>
+        </p:spPr>
+        <p:txBody>
+          <a:bodyPr lIns="0" tIns="0" rIns="0" bIns="0"/>
+          <a:lstStyle/>
+          <a:p>
+            <a:endParaRPr lang="en-US" dirty="0"/>
+          </a:p>
+        </p:txBody>
+      </p:sp>
+      <p:sp>
+        <p:nvSpPr>
+          <p:cNvPr id="8" name="TextBox 7"/>
+          <p:cNvSpPr txBox="1"/>
+          <p:nvPr/>
+        </p:nvSpPr>
+        <p:spPr>
+          <a:xfrm>
+            <a:off x="5305467" y="5567833"/>
+            <a:ext cx="3230672" cy="830997"/>
+          </a:xfrm>
+          <a:prstGeom prst="rect">
+            <a:avLst/>
+          </a:prstGeom>
+          <a:noFill/>
+        </p:spPr>
+        <p:txBody>
+          <a:bodyPr wrap="none" rtlCol="0">
+            <a:spAutoFit/>
+          </a:bodyPr>
+          <a:lstStyle/>
+          <a:p>
+            <a:r>
+              <a:rPr lang="en-US" sz="1600" dirty="0"/>
+              <a:t>Negative </a:t>
+            </a:r>
+            <a:r>
+              <a:rPr lang="en-US" sz="1600" i="1" dirty="0"/>
+              <a:t>RII</a:t>
+            </a:r>
+            <a:r>
+              <a:rPr lang="en-US" sz="1600" dirty="0"/>
+              <a:t> = better w/o herbivory</a:t>
+            </a:r>
+          </a:p>
+          <a:p>
+            <a:endParaRPr lang="en-US" sz="1600" dirty="0"/>
+          </a:p>
+          <a:p>
+            <a:r>
+              <a:rPr lang="en-US" sz="1600" dirty="0"/>
+              <a:t>Positive </a:t>
+            </a:r>
+            <a:r>
+              <a:rPr lang="en-US" sz="1600" i="1" dirty="0"/>
+              <a:t>RII</a:t>
+            </a:r>
+            <a:r>
+              <a:rPr lang="en-US" sz="1600" dirty="0"/>
+              <a:t> = better with herbivory</a:t>
+            </a:r>
+          </a:p>
+        </p:txBody>
+      </p:sp>
+      <p:pic>
+        <p:nvPicPr>
+          <p:cNvPr id="3" name="Picture 2" descr="fox.png"/>
+          <p:cNvPicPr>
+            <a:picLocks noChangeAspect="1"/>
+          </p:cNvPicPr>
+          <p:nvPr/>
+        </p:nvPicPr>
+        <p:blipFill>
+          <a:blip r:embed="rId3">
+            <a:extLst>
+              <a:ext uri="{28A0092B-C50C-407E-A947-70E740481C1C}">
+                <a14:useLocalDpi xmlns:a14="http://schemas.microsoft.com/office/drawing/2010/main" val="0"/>
+              </a:ext>
+            </a:extLst>
+          </a:blip>
+          <a:stretch>
+            <a:fillRect/>
+          </a:stretch>
+        </p:blipFill>
+        <p:spPr>
+          <a:xfrm>
+            <a:off x="375725" y="1966951"/>
+            <a:ext cx="1383932" cy="824412"/>
+          </a:xfrm>
+          <a:prstGeom prst="rect">
+            <a:avLst/>
+          </a:prstGeom>
+        </p:spPr>
+      </p:pic>
+      <p:pic>
+        <p:nvPicPr>
+          <p:cNvPr id="9" name="Picture 8" descr="rabbit.png"/>
+          <p:cNvPicPr>
+            <a:picLocks noChangeAspect="1"/>
+          </p:cNvPicPr>
+          <p:nvPr/>
+        </p:nvPicPr>
+        <p:blipFill>
+          <a:blip r:embed="rId6">
+            <a:extLst>
+              <a:ext uri="{28A0092B-C50C-407E-A947-70E740481C1C}">
+                <a14:useLocalDpi xmlns:a14="http://schemas.microsoft.com/office/drawing/2010/main" val="0"/>
+              </a:ext>
+            </a:extLst>
+          </a:blip>
+          <a:stretch>
+            <a:fillRect/>
+          </a:stretch>
+        </p:blipFill>
+        <p:spPr>
+          <a:xfrm>
+            <a:off x="710810" y="3449443"/>
+            <a:ext cx="588842" cy="579641"/>
+          </a:xfrm>
+          <a:prstGeom prst="rect">
+            <a:avLst/>
+          </a:prstGeom>
+        </p:spPr>
+      </p:pic>
+      <p:pic>
+        <p:nvPicPr>
+          <p:cNvPr id="60" name="Picture 59" descr="rabbit.png"/>
+          <p:cNvPicPr>
+            <a:picLocks noChangeAspect="1"/>
+          </p:cNvPicPr>
+          <p:nvPr/>
+        </p:nvPicPr>
+        <p:blipFill>
+          <a:blip r:embed="rId6">
+            <a:extLst>
+              <a:ext uri="{28A0092B-C50C-407E-A947-70E740481C1C}">
+                <a14:useLocalDpi xmlns:a14="http://schemas.microsoft.com/office/drawing/2010/main" val="0"/>
+              </a:ext>
+            </a:extLst>
+          </a:blip>
+          <a:stretch>
+            <a:fillRect/>
+          </a:stretch>
+        </p:blipFill>
+        <p:spPr>
+          <a:xfrm>
+            <a:off x="2366680" y="3449443"/>
+            <a:ext cx="588842" cy="579641"/>
+          </a:xfrm>
+          <a:prstGeom prst="rect">
+            <a:avLst/>
+          </a:prstGeom>
+        </p:spPr>
+      </p:pic>
+      <p:sp>
+        <p:nvSpPr>
+          <p:cNvPr id="10" name="Oval 9"/>
+          <p:cNvSpPr>
+            <a:spLocks noChangeAspect="1"/>
+          </p:cNvSpPr>
+          <p:nvPr/>
+        </p:nvSpPr>
+        <p:spPr>
+          <a:xfrm>
+            <a:off x="4330615" y="2883411"/>
+            <a:ext cx="174815" cy="177939"/>
+          </a:xfrm>
+          <a:prstGeom prst="ellipse">
+            <a:avLst/>
+          </a:prstGeom>
+          <a:solidFill>
+            <a:schemeClr val="tx1"/>
+          </a:solidFill>
+          <a:ln>
+            <a:solidFill>
+              <a:schemeClr val="tx1"/>
+            </a:solidFill>
+          </a:ln>
+        </p:spPr>
+        <p:style>
+          <a:lnRef idx="1">
+            <a:schemeClr val="accent1"/>
+          </a:lnRef>
+          <a:fillRef idx="3">
+            <a:schemeClr val="accent1"/>
+          </a:fillRef>
+          <a:effectRef idx="2">
+            <a:schemeClr val="accent1"/>
+          </a:effectRef>
+          <a:fontRef idx="minor">
+            <a:schemeClr val="lt1"/>
+          </a:fontRef>
+        </p:style>
+        <p:txBody>
+          <a:bodyPr rtlCol="0" anchor="ctr"/>
+          <a:lstStyle/>
+          <a:p>
+            <a:pPr algn="ctr"/>
+            <a:endParaRPr lang="en-US"/>
+          </a:p>
+        </p:txBody>
+      </p:sp>
+      <p:sp>
+        <p:nvSpPr>
+          <p:cNvPr id="61" name="Oval 60"/>
+          <p:cNvSpPr>
+            <a:spLocks noChangeAspect="1"/>
+          </p:cNvSpPr>
+          <p:nvPr/>
+        </p:nvSpPr>
+        <p:spPr>
+          <a:xfrm>
+            <a:off x="7814258" y="2883411"/>
+            <a:ext cx="174815" cy="177939"/>
+          </a:xfrm>
+          <a:prstGeom prst="ellipse">
+            <a:avLst/>
+          </a:prstGeom>
+          <a:solidFill>
+            <a:schemeClr val="tx1"/>
+          </a:solidFill>
+          <a:ln>
+            <a:solidFill>
+              <a:schemeClr val="tx1"/>
+            </a:solidFill>
+          </a:ln>
+        </p:spPr>
+        <p:style>
+          <a:lnRef idx="1">
+            <a:schemeClr val="accent1"/>
+          </a:lnRef>
+          <a:fillRef idx="3">
+            <a:schemeClr val="accent1"/>
+          </a:fillRef>
+          <a:effectRef idx="2">
+            <a:schemeClr val="accent1"/>
+          </a:effectRef>
+          <a:fontRef idx="minor">
+            <a:schemeClr val="lt1"/>
+          </a:fontRef>
+        </p:style>
+        <p:txBody>
+          <a:bodyPr rtlCol="0" anchor="ctr"/>
+          <a:lstStyle/>
+          <a:p>
+            <a:pPr algn="ctr"/>
+            <a:endParaRPr lang="en-US"/>
+          </a:p>
+        </p:txBody>
+      </p:sp>
+      <p:sp>
+        <p:nvSpPr>
+          <p:cNvPr id="62" name="Oval 61"/>
+          <p:cNvSpPr>
+            <a:spLocks noChangeAspect="1"/>
+          </p:cNvSpPr>
+          <p:nvPr/>
+        </p:nvSpPr>
+        <p:spPr>
+          <a:xfrm>
+            <a:off x="6592520" y="2883411"/>
+            <a:ext cx="174815" cy="177939"/>
+          </a:xfrm>
+          <a:prstGeom prst="ellipse">
+            <a:avLst/>
+          </a:prstGeom>
+          <a:solidFill>
+            <a:schemeClr val="tx1"/>
+          </a:solidFill>
+          <a:ln>
+            <a:solidFill>
+              <a:schemeClr val="tx1"/>
+            </a:solidFill>
+          </a:ln>
+        </p:spPr>
+        <p:style>
+          <a:lnRef idx="1">
+            <a:schemeClr val="accent1"/>
+          </a:lnRef>
+          <a:fillRef idx="3">
+            <a:schemeClr val="accent1"/>
+          </a:fillRef>
+          <a:effectRef idx="2">
+            <a:schemeClr val="accent1"/>
+          </a:effectRef>
+          <a:fontRef idx="minor">
+            <a:schemeClr val="lt1"/>
+          </a:fontRef>
+        </p:style>
+        <p:txBody>
+          <a:bodyPr rtlCol="0" anchor="ctr"/>
+          <a:lstStyle/>
+          <a:p>
+            <a:pPr algn="ctr"/>
+            <a:endParaRPr lang="en-US"/>
+          </a:p>
+        </p:txBody>
+      </p:sp>
+      <p:sp>
+        <p:nvSpPr>
+          <p:cNvPr id="63" name="Oval 62"/>
+          <p:cNvSpPr>
+            <a:spLocks noChangeAspect="1"/>
+          </p:cNvSpPr>
+          <p:nvPr/>
+        </p:nvSpPr>
+        <p:spPr>
+          <a:xfrm>
+            <a:off x="5433243" y="2883411"/>
+            <a:ext cx="174815" cy="177939"/>
+          </a:xfrm>
+          <a:prstGeom prst="ellipse">
+            <a:avLst/>
+          </a:prstGeom>
+          <a:solidFill>
+            <a:schemeClr val="tx1"/>
+          </a:solidFill>
+          <a:ln>
+            <a:solidFill>
+              <a:schemeClr val="tx1"/>
+            </a:solidFill>
+          </a:ln>
+        </p:spPr>
+        <p:style>
+          <a:lnRef idx="1">
+            <a:schemeClr val="accent1"/>
+          </a:lnRef>
+          <a:fillRef idx="3">
+            <a:schemeClr val="accent1"/>
+          </a:fillRef>
+          <a:effectRef idx="2">
+            <a:schemeClr val="accent1"/>
+          </a:effectRef>
+          <a:fontRef idx="minor">
+            <a:schemeClr val="lt1"/>
+          </a:fontRef>
+        </p:style>
+        <p:txBody>
+          <a:bodyPr rtlCol="0" anchor="ctr"/>
+          <a:lstStyle/>
+          <a:p>
+            <a:pPr algn="ctr"/>
+            <a:endParaRPr lang="en-US"/>
           </a:p>
         </p:txBody>
       </p:sp>
     </p:spTree>
     <p:extLst>
       <p:ext uri="{BB962C8B-B14F-4D97-AF65-F5344CB8AC3E}">
-        <p14:creationId xmlns:p14="http://schemas.microsoft.com/office/powerpoint/2010/main" val="284204474"/>
+        <p14:creationId xmlns:p14="http://schemas.microsoft.com/office/powerpoint/2010/main" val="4102704077"/>
       </p:ext>
     </p:extLst>
   </p:cSld>
   <p:clrMapOvr>
     <a:masterClrMapping/>
   </p:clrMapOvr>
+  <mc:AlternateContent xmlns:mc="http://schemas.openxmlformats.org/markup-compatibility/2006" xmlns:p14="http://schemas.microsoft.com/office/powerpoint/2010/main">
+    <mc:Choice Requires="p14">
+      <p:transition spd="slow" p14:dur="2000"/>
+    </mc:Choice>
+    <mc:Fallback xmlns="">
+      <p:transition xmlns:p14="http://schemas.microsoft.com/office/powerpoint/2010/main" spd="slow"/>
+    </mc:Fallback>
+  </mc:AlternateContent>
+  <p:timing>
+    <p:tnLst>
+      <p:par>
+        <p:cTn xmlns:p14="http://schemas.microsoft.com/office/powerpoint/2010/main" id="1" dur="indefinite" restart="never" nodeType="tmRoot"/>
+      </p:par>
+    </p:tnLst>
+  </p:timing>
 </p:sld>
 </file>
 
@@ -4095,46 +5722,528 @@
           <a:chExt cx="0" cy="0"/>
         </a:xfrm>
       </p:grpSpPr>
-      <p:pic>
-        <p:nvPicPr>
-          <p:cNvPr id="2" name="Picture 1" descr="sppinttypes_by_contexts_sign.png"/>
-          <p:cNvPicPr>
-            <a:picLocks noChangeAspect="1"/>
-          </p:cNvPicPr>
-          <p:nvPr/>
-        </p:nvPicPr>
-        <p:blipFill>
-          <a:blip r:embed="rId2">
-            <a:extLst>
-              <a:ext uri="{28A0092B-C50C-407E-A947-70E740481C1C}">
-                <a14:useLocalDpi xmlns:a14="http://schemas.microsoft.com/office/drawing/2010/main" val="0"/>
-              </a:ext>
-            </a:extLst>
-          </a:blip>
-          <a:stretch>
-            <a:fillRect/>
-          </a:stretch>
-        </p:blipFill>
-        <p:spPr>
-          <a:xfrm>
-            <a:off x="0" y="1601784"/>
-            <a:ext cx="9144000" cy="3370849"/>
-          </a:xfrm>
-          <a:prstGeom prst="rect">
-            <a:avLst/>
-          </a:prstGeom>
-        </p:spPr>
-      </p:pic>
-      <p:sp>
-        <p:nvSpPr>
-          <p:cNvPr id="3" name="TextBox 2"/>
+      <p:sp>
+        <p:nvSpPr>
+          <p:cNvPr id="38" name="TextBox 37"/>
           <p:cNvSpPr txBox="1"/>
           <p:nvPr/>
         </p:nvSpPr>
         <p:spPr>
           <a:xfrm>
-            <a:off x="1077961" y="1109781"/>
-            <a:ext cx="840419" cy="369332"/>
+            <a:off x="435564" y="2491556"/>
+            <a:ext cx="4595541" cy="369332"/>
+          </a:xfrm>
+          <a:prstGeom prst="rect">
+            <a:avLst/>
+          </a:prstGeom>
+          <a:noFill/>
+        </p:spPr>
+        <p:txBody>
+          <a:bodyPr wrap="square" rtlCol="0">
+            <a:spAutoFit/>
+          </a:bodyPr>
+          <a:lstStyle/>
+          <a:p>
+            <a:pPr algn="ctr"/>
+            <a:r>
+              <a:rPr lang="en-US" u="sng" dirty="0"/>
+              <a:t>Variation in Interaction Outcome Magnitude</a:t>
+            </a:r>
+          </a:p>
+        </p:txBody>
+      </p:sp>
+      <p:sp>
+        <p:nvSpPr>
+          <p:cNvPr id="20" name="Oval 19"/>
+          <p:cNvSpPr>
+            <a:spLocks noChangeAspect="1"/>
+          </p:cNvSpPr>
+          <p:nvPr/>
+        </p:nvSpPr>
+        <p:spPr bwMode="auto">
+          <a:xfrm>
+            <a:off x="3088861" y="2920543"/>
+            <a:ext cx="222502" cy="202482"/>
+          </a:xfrm>
+          <a:prstGeom prst="ellipse">
+            <a:avLst/>
+          </a:prstGeom>
+          <a:solidFill>
+            <a:schemeClr val="tx1"/>
+          </a:solidFill>
+          <a:ln w="9525" cap="flat" cmpd="sng" algn="ctr">
+            <a:solidFill>
+              <a:schemeClr val="tx1"/>
+            </a:solidFill>
+            <a:prstDash val="solid"/>
+            <a:round/>
+            <a:headEnd type="none" w="med" len="med"/>
+            <a:tailEnd type="none" w="med" len="med"/>
+          </a:ln>
+          <a:effectLst/>
+          <a:extLst/>
+        </p:spPr>
+        <p:txBody>
+          <a:bodyPr vert="horz" wrap="square" lIns="91440" tIns="45720" rIns="91440" bIns="45720" numCol="1" rtlCol="0" anchor="t" anchorCtr="0" compatLnSpc="1">
+            <a:prstTxWarp prst="textNoShape">
+              <a:avLst/>
+            </a:prstTxWarp>
+          </a:bodyPr>
+          <a:lstStyle/>
+          <a:p>
+            <a:pPr marL="0" marR="0" indent="0" algn="l" defTabSz="914400" rtl="0" eaLnBrk="1" fontAlgn="base" latinLnBrk="0" hangingPunct="1">
+              <a:lnSpc>
+                <a:spcPct val="100000"/>
+              </a:lnSpc>
+              <a:spcBef>
+                <a:spcPct val="0"/>
+              </a:spcBef>
+              <a:spcAft>
+                <a:spcPct val="0"/>
+              </a:spcAft>
+              <a:buClrTx/>
+              <a:buSzTx/>
+              <a:buFontTx/>
+              <a:buNone/>
+              <a:tabLst/>
+            </a:pPr>
+            <a:endParaRPr kumimoji="0" lang="en-US" sz="1800" b="0" i="0" u="none" strike="noStrike" cap="none" normalizeH="0" baseline="0" dirty="0">
+              <a:ln>
+                <a:noFill/>
+              </a:ln>
+              <a:solidFill>
+                <a:srgbClr val="000000"/>
+              </a:solidFill>
+              <a:effectLst/>
+              <a:latin typeface="Arial" charset="0"/>
+              <a:ea typeface="ヒラギノ角ゴ ProN W3" charset="0"/>
+              <a:cs typeface="ヒラギノ角ゴ ProN W3" charset="0"/>
+              <a:sym typeface="Arial" charset="0"/>
+            </a:endParaRPr>
+          </a:p>
+        </p:txBody>
+      </p:sp>
+      <p:sp>
+        <p:nvSpPr>
+          <p:cNvPr id="21" name="Oval 20"/>
+          <p:cNvSpPr>
+            <a:spLocks/>
+          </p:cNvSpPr>
+          <p:nvPr/>
+        </p:nvSpPr>
+        <p:spPr bwMode="auto">
+          <a:xfrm>
+            <a:off x="3136104" y="3267264"/>
+            <a:ext cx="128016" cy="116497"/>
+          </a:xfrm>
+          <a:prstGeom prst="ellipse">
+            <a:avLst/>
+          </a:prstGeom>
+          <a:solidFill>
+            <a:schemeClr val="tx1"/>
+          </a:solidFill>
+          <a:ln w="9525" cap="flat" cmpd="sng" algn="ctr">
+            <a:solidFill>
+              <a:schemeClr val="tx1"/>
+            </a:solidFill>
+            <a:prstDash val="solid"/>
+            <a:round/>
+            <a:headEnd type="none" w="med" len="med"/>
+            <a:tailEnd type="none" w="med" len="med"/>
+          </a:ln>
+          <a:effectLst/>
+          <a:extLst/>
+        </p:spPr>
+        <p:txBody>
+          <a:bodyPr vert="horz" wrap="square" lIns="91440" tIns="45720" rIns="91440" bIns="45720" numCol="1" rtlCol="0" anchor="t" anchorCtr="0" compatLnSpc="1">
+            <a:prstTxWarp prst="textNoShape">
+              <a:avLst/>
+            </a:prstTxWarp>
+          </a:bodyPr>
+          <a:lstStyle/>
+          <a:p>
+            <a:pPr marL="0" marR="0" indent="0" algn="l" defTabSz="914400" rtl="0" eaLnBrk="1" fontAlgn="base" latinLnBrk="0" hangingPunct="1">
+              <a:lnSpc>
+                <a:spcPct val="100000"/>
+              </a:lnSpc>
+              <a:spcBef>
+                <a:spcPct val="0"/>
+              </a:spcBef>
+              <a:spcAft>
+                <a:spcPct val="0"/>
+              </a:spcAft>
+              <a:buClrTx/>
+              <a:buSzTx/>
+              <a:buFontTx/>
+              <a:buNone/>
+              <a:tabLst/>
+            </a:pPr>
+            <a:endParaRPr kumimoji="0" lang="en-US" sz="1800" b="0" i="0" u="none" strike="noStrike" cap="none" normalizeH="0" baseline="0" dirty="0">
+              <a:ln>
+                <a:noFill/>
+              </a:ln>
+              <a:solidFill>
+                <a:srgbClr val="000000"/>
+              </a:solidFill>
+              <a:effectLst/>
+              <a:latin typeface="Arial" charset="0"/>
+              <a:ea typeface="ヒラギノ角ゴ ProN W3" charset="0"/>
+              <a:cs typeface="ヒラギノ角ゴ ProN W3" charset="0"/>
+              <a:sym typeface="Arial" charset="0"/>
+            </a:endParaRPr>
+          </a:p>
+        </p:txBody>
+      </p:sp>
+      <p:sp>
+        <p:nvSpPr>
+          <p:cNvPr id="23" name="Oval 22"/>
+          <p:cNvSpPr/>
+          <p:nvPr/>
+        </p:nvSpPr>
+        <p:spPr bwMode="auto">
+          <a:xfrm>
+            <a:off x="3058687" y="3540848"/>
+            <a:ext cx="304800" cy="277375"/>
+          </a:xfrm>
+          <a:prstGeom prst="ellipse">
+            <a:avLst/>
+          </a:prstGeom>
+          <a:solidFill>
+            <a:schemeClr val="tx1"/>
+          </a:solidFill>
+          <a:ln w="9525" cap="flat" cmpd="sng" algn="ctr">
+            <a:solidFill>
+              <a:schemeClr val="tx1"/>
+            </a:solidFill>
+            <a:prstDash val="solid"/>
+            <a:round/>
+            <a:headEnd type="none" w="med" len="med"/>
+            <a:tailEnd type="none" w="med" len="med"/>
+          </a:ln>
+          <a:effectLst/>
+          <a:extLst/>
+        </p:spPr>
+        <p:txBody>
+          <a:bodyPr vert="horz" wrap="square" lIns="91440" tIns="45720" rIns="91440" bIns="45720" numCol="1" rtlCol="0" anchor="t" anchorCtr="0" compatLnSpc="1">
+            <a:prstTxWarp prst="textNoShape">
+              <a:avLst/>
+            </a:prstTxWarp>
+          </a:bodyPr>
+          <a:lstStyle/>
+          <a:p>
+            <a:pPr marL="0" marR="0" indent="0" algn="l" defTabSz="914400" rtl="0" eaLnBrk="1" fontAlgn="base" latinLnBrk="0" hangingPunct="1">
+              <a:lnSpc>
+                <a:spcPct val="100000"/>
+              </a:lnSpc>
+              <a:spcBef>
+                <a:spcPct val="0"/>
+              </a:spcBef>
+              <a:spcAft>
+                <a:spcPct val="0"/>
+              </a:spcAft>
+              <a:buClrTx/>
+              <a:buSzTx/>
+              <a:buFontTx/>
+              <a:buNone/>
+              <a:tabLst/>
+            </a:pPr>
+            <a:endParaRPr kumimoji="0" lang="en-US" sz="1800" b="0" i="0" u="none" strike="noStrike" cap="none" normalizeH="0" baseline="0" dirty="0">
+              <a:ln>
+                <a:noFill/>
+              </a:ln>
+              <a:solidFill>
+                <a:srgbClr val="000000"/>
+              </a:solidFill>
+              <a:effectLst/>
+              <a:latin typeface="Arial" charset="0"/>
+              <a:ea typeface="ヒラギノ角ゴ ProN W3" charset="0"/>
+              <a:cs typeface="ヒラギノ角ゴ ProN W3" charset="0"/>
+              <a:sym typeface="Arial" charset="0"/>
+            </a:endParaRPr>
+          </a:p>
+        </p:txBody>
+      </p:sp>
+      <p:sp>
+        <p:nvSpPr>
+          <p:cNvPr id="24" name="Oval 23"/>
+          <p:cNvSpPr>
+            <a:spLocks noChangeAspect="1"/>
+          </p:cNvSpPr>
+          <p:nvPr/>
+        </p:nvSpPr>
+        <p:spPr bwMode="auto">
+          <a:xfrm>
+            <a:off x="3081547" y="3887567"/>
+            <a:ext cx="259080" cy="235769"/>
+          </a:xfrm>
+          <a:prstGeom prst="ellipse">
+            <a:avLst/>
+          </a:prstGeom>
+          <a:solidFill>
+            <a:schemeClr val="tx1"/>
+          </a:solidFill>
+          <a:ln w="9525" cap="flat" cmpd="sng" algn="ctr">
+            <a:solidFill>
+              <a:schemeClr val="tx1"/>
+            </a:solidFill>
+            <a:prstDash val="solid"/>
+            <a:round/>
+            <a:headEnd type="none" w="med" len="med"/>
+            <a:tailEnd type="none" w="med" len="med"/>
+          </a:ln>
+          <a:effectLst/>
+          <a:extLst/>
+        </p:spPr>
+        <p:txBody>
+          <a:bodyPr vert="horz" wrap="square" lIns="91440" tIns="45720" rIns="91440" bIns="45720" numCol="1" rtlCol="0" anchor="t" anchorCtr="0" compatLnSpc="1">
+            <a:prstTxWarp prst="textNoShape">
+              <a:avLst/>
+            </a:prstTxWarp>
+          </a:bodyPr>
+          <a:lstStyle/>
+          <a:p>
+            <a:pPr marL="0" marR="0" indent="0" algn="l" defTabSz="914400" rtl="0" eaLnBrk="1" fontAlgn="base" latinLnBrk="0" hangingPunct="1">
+              <a:lnSpc>
+                <a:spcPct val="100000"/>
+              </a:lnSpc>
+              <a:spcBef>
+                <a:spcPct val="0"/>
+              </a:spcBef>
+              <a:spcAft>
+                <a:spcPct val="0"/>
+              </a:spcAft>
+              <a:buClrTx/>
+              <a:buSzTx/>
+              <a:buFontTx/>
+              <a:buNone/>
+              <a:tabLst/>
+            </a:pPr>
+            <a:endParaRPr kumimoji="0" lang="en-US" sz="1800" b="0" i="0" u="none" strike="noStrike" cap="none" normalizeH="0" baseline="0" dirty="0">
+              <a:ln>
+                <a:noFill/>
+              </a:ln>
+              <a:solidFill>
+                <a:srgbClr val="000000"/>
+              </a:solidFill>
+              <a:effectLst/>
+              <a:latin typeface="Arial" charset="0"/>
+              <a:ea typeface="ヒラギノ角ゴ ProN W3" charset="0"/>
+              <a:cs typeface="ヒラギノ角ゴ ProN W3" charset="0"/>
+              <a:sym typeface="Arial" charset="0"/>
+            </a:endParaRPr>
+          </a:p>
+        </p:txBody>
+      </p:sp>
+      <p:sp>
+        <p:nvSpPr>
+          <p:cNvPr id="25" name="Oval 24"/>
+          <p:cNvSpPr>
+            <a:spLocks noChangeAspect="1"/>
+          </p:cNvSpPr>
+          <p:nvPr/>
+        </p:nvSpPr>
+        <p:spPr bwMode="auto">
+          <a:xfrm>
+            <a:off x="2980965" y="4234284"/>
+            <a:ext cx="460244" cy="418832"/>
+          </a:xfrm>
+          <a:prstGeom prst="ellipse">
+            <a:avLst/>
+          </a:prstGeom>
+          <a:solidFill>
+            <a:schemeClr val="tx1"/>
+          </a:solidFill>
+          <a:ln w="9525" cap="flat" cmpd="sng" algn="ctr">
+            <a:solidFill>
+              <a:schemeClr val="tx1"/>
+            </a:solidFill>
+            <a:prstDash val="solid"/>
+            <a:round/>
+            <a:headEnd type="none" w="med" len="med"/>
+            <a:tailEnd type="none" w="med" len="med"/>
+          </a:ln>
+          <a:effectLst/>
+          <a:extLst/>
+        </p:spPr>
+        <p:txBody>
+          <a:bodyPr vert="horz" wrap="square" lIns="91440" tIns="45720" rIns="91440" bIns="45720" numCol="1" rtlCol="0" anchor="t" anchorCtr="0" compatLnSpc="1">
+            <a:prstTxWarp prst="textNoShape">
+              <a:avLst/>
+            </a:prstTxWarp>
+          </a:bodyPr>
+          <a:lstStyle/>
+          <a:p>
+            <a:pPr marL="0" marR="0" indent="0" algn="l" defTabSz="914400" rtl="0" eaLnBrk="1" fontAlgn="base" latinLnBrk="0" hangingPunct="1">
+              <a:lnSpc>
+                <a:spcPct val="100000"/>
+              </a:lnSpc>
+              <a:spcBef>
+                <a:spcPct val="0"/>
+              </a:spcBef>
+              <a:spcAft>
+                <a:spcPct val="0"/>
+              </a:spcAft>
+              <a:buClrTx/>
+              <a:buSzTx/>
+              <a:buFontTx/>
+              <a:buNone/>
+              <a:tabLst/>
+            </a:pPr>
+            <a:endParaRPr kumimoji="0" lang="en-US" sz="1800" b="0" i="0" u="none" strike="noStrike" cap="none" normalizeH="0" baseline="0" dirty="0">
+              <a:ln>
+                <a:noFill/>
+              </a:ln>
+              <a:solidFill>
+                <a:srgbClr val="000000"/>
+              </a:solidFill>
+              <a:effectLst/>
+              <a:latin typeface="Arial" charset="0"/>
+              <a:ea typeface="ヒラギノ角ゴ ProN W3" charset="0"/>
+              <a:cs typeface="ヒラギノ角ゴ ProN W3" charset="0"/>
+              <a:sym typeface="Arial" charset="0"/>
+            </a:endParaRPr>
+          </a:p>
+        </p:txBody>
+      </p:sp>
+      <p:graphicFrame>
+        <p:nvGraphicFramePr>
+          <p:cNvPr id="55" name="Object 54"/>
+          <p:cNvGraphicFramePr>
+            <a:graphicFrameLocks noChangeAspect="1"/>
+          </p:cNvGraphicFramePr>
+          <p:nvPr>
+            <p:extLst>
+              <p:ext uri="{D42A27DB-BD31-4B8C-83A1-F6EECF244321}">
+                <p14:modId xmlns:p14="http://schemas.microsoft.com/office/powerpoint/2010/main" val="863862322"/>
+              </p:ext>
+            </p:extLst>
+          </p:nvPr>
+        </p:nvGraphicFramePr>
+        <p:xfrm>
+          <a:off x="417294" y="3426633"/>
+          <a:ext cx="1838846" cy="606398"/>
+        </p:xfrm>
+        <a:graphic>
+          <a:graphicData uri="http://schemas.openxmlformats.org/presentationml/2006/ole">
+            <mc:AlternateContent xmlns:mc="http://schemas.openxmlformats.org/markup-compatibility/2006">
+              <mc:Choice xmlns:v="urn:schemas-microsoft-com:vml" Requires="v">
+                <p:oleObj spid="_x0000_s2062" name="Equation" r:id="rId3" imgW="1193800" imgH="393700" progId="Equation.3">
+                  <p:embed/>
+                </p:oleObj>
+              </mc:Choice>
+              <mc:Fallback>
+                <p:oleObj name="Equation" r:id="rId3" imgW="1193800" imgH="393700" progId="Equation.3">
+                  <p:embed/>
+                  <p:pic>
+                    <p:nvPicPr>
+                      <p:cNvPr id="0" name=""/>
+                      <p:cNvPicPr/>
+                      <p:nvPr/>
+                    </p:nvPicPr>
+                    <p:blipFill>
+                      <a:blip r:embed="rId4"/>
+                      <a:stretch>
+                        <a:fillRect/>
+                      </a:stretch>
+                    </p:blipFill>
+                    <p:spPr>
+                      <a:xfrm>
+                        <a:off x="417294" y="3426633"/>
+                        <a:ext cx="1838846" cy="606398"/>
+                      </a:xfrm>
+                      <a:prstGeom prst="rect">
+                        <a:avLst/>
+                      </a:prstGeom>
+                    </p:spPr>
+                  </p:pic>
+                </p:oleObj>
+              </mc:Fallback>
+            </mc:AlternateContent>
+          </a:graphicData>
+        </a:graphic>
+      </p:graphicFrame>
+      <p:sp>
+        <p:nvSpPr>
+          <p:cNvPr id="65" name="TextBox 64"/>
+          <p:cNvSpPr txBox="1"/>
+          <p:nvPr/>
+        </p:nvSpPr>
+        <p:spPr>
+          <a:xfrm>
+            <a:off x="5003783" y="2491556"/>
+            <a:ext cx="3986424" cy="369332"/>
+          </a:xfrm>
+          <a:prstGeom prst="rect">
+            <a:avLst/>
+          </a:prstGeom>
+          <a:noFill/>
+        </p:spPr>
+        <p:txBody>
+          <a:bodyPr wrap="square" rtlCol="0">
+            <a:spAutoFit/>
+          </a:bodyPr>
+          <a:lstStyle/>
+          <a:p>
+            <a:pPr algn="ctr"/>
+            <a:r>
+              <a:rPr lang="en-US" u="sng" dirty="0"/>
+              <a:t>Change in sign of Interaction Outcome </a:t>
+            </a:r>
+          </a:p>
+        </p:txBody>
+      </p:sp>
+      <p:cxnSp>
+        <p:nvCxnSpPr>
+          <p:cNvPr id="66" name="Straight Arrow Connector 65"/>
+          <p:cNvCxnSpPr/>
+          <p:nvPr/>
+        </p:nvCxnSpPr>
+        <p:spPr bwMode="auto">
+          <a:xfrm>
+            <a:off x="6867307" y="2879698"/>
+            <a:ext cx="0" cy="1757952"/>
+          </a:xfrm>
+          <a:prstGeom prst="straightConnector1">
+            <a:avLst/>
+          </a:prstGeom>
+          <a:solidFill>
+            <a:srgbClr val="CC9900"/>
+          </a:solidFill>
+          <a:ln w="9525" cap="flat" cmpd="sng" algn="ctr">
+            <a:solidFill>
+              <a:srgbClr val="000000"/>
+            </a:solidFill>
+            <a:prstDash val="solid"/>
+            <a:round/>
+            <a:headEnd type="arrow"/>
+            <a:tailEnd type="arrow"/>
+          </a:ln>
+          <a:effectLst/>
+          <a:extLst>
+            <a:ext uri="{AF507438-7753-43e0-B8FC-AC1667EBCBE1}">
+              <a14:hiddenEffects xmlns:a14="http://schemas.microsoft.com/office/drawing/2010/main">
+                <a:effectLst>
+                  <a:outerShdw blurRad="63500" dist="38099" dir="2700000" algn="ctr" rotWithShape="0">
+                    <a:schemeClr val="bg2">
+                      <a:alpha val="74998"/>
+                    </a:schemeClr>
+                  </a:outerShdw>
+                </a:effectLst>
+              </a14:hiddenEffects>
+            </a:ext>
+          </a:extLst>
+        </p:spPr>
+      </p:cxnSp>
+      <p:sp>
+        <p:nvSpPr>
+          <p:cNvPr id="84" name="TextBox 83"/>
+          <p:cNvSpPr txBox="1"/>
+          <p:nvPr/>
+        </p:nvSpPr>
+        <p:spPr>
+          <a:xfrm>
+            <a:off x="7134329" y="2879698"/>
+            <a:ext cx="314659" cy="400110"/>
           </a:xfrm>
           <a:prstGeom prst="rect">
             <a:avLst/>
@@ -4147,23 +6256,25 @@
           </a:bodyPr>
           <a:lstStyle/>
           <a:p>
-            <a:r>
-              <a:rPr lang="en-US"/>
-              <a:t>Abiotic</a:t>
-            </a:r>
-          </a:p>
-        </p:txBody>
-      </p:sp>
-      <p:sp>
-        <p:nvSpPr>
-          <p:cNvPr id="4" name="TextBox 3"/>
+            <a:pPr algn="ctr"/>
+            <a:r>
+              <a:rPr lang="en-US" sz="2000" dirty="0"/>
+              <a:t>0</a:t>
+            </a:r>
+            <a:endParaRPr lang="en-US" sz="1600" dirty="0"/>
+          </a:p>
+        </p:txBody>
+      </p:sp>
+      <p:sp>
+        <p:nvSpPr>
+          <p:cNvPr id="85" name="TextBox 84"/>
           <p:cNvSpPr txBox="1"/>
           <p:nvPr/>
         </p:nvSpPr>
         <p:spPr>
           <a:xfrm>
-            <a:off x="2809949" y="1109781"/>
-            <a:ext cx="814721" cy="369332"/>
+            <a:off x="7134329" y="4281717"/>
+            <a:ext cx="314659" cy="400110"/>
           </a:xfrm>
           <a:prstGeom prst="rect">
             <a:avLst/>
@@ -4176,23 +6287,25 @@
           </a:bodyPr>
           <a:lstStyle/>
           <a:p>
-            <a:r>
-              <a:rPr lang="en-US"/>
-              <a:t>Spatial</a:t>
-            </a:r>
-          </a:p>
-        </p:txBody>
-      </p:sp>
-      <p:sp>
-        <p:nvSpPr>
-          <p:cNvPr id="5" name="TextBox 4"/>
+            <a:pPr algn="ctr"/>
+            <a:r>
+              <a:rPr lang="en-US" sz="2000" dirty="0"/>
+              <a:t>0</a:t>
+            </a:r>
+            <a:endParaRPr lang="en-US" sz="1600" dirty="0"/>
+          </a:p>
+        </p:txBody>
+      </p:sp>
+      <p:sp>
+        <p:nvSpPr>
+          <p:cNvPr id="87" name="TextBox 86"/>
           <p:cNvSpPr txBox="1"/>
           <p:nvPr/>
         </p:nvSpPr>
         <p:spPr>
           <a:xfrm>
-            <a:off x="4115021" y="1109781"/>
-            <a:ext cx="1660731" cy="369332"/>
+            <a:off x="7095067" y="3890899"/>
+            <a:ext cx="393182" cy="400110"/>
           </a:xfrm>
           <a:prstGeom prst="rect">
             <a:avLst/>
@@ -4205,23 +6318,25 @@
           </a:bodyPr>
           <a:lstStyle/>
           <a:p>
-            <a:r>
-              <a:rPr lang="en-US"/>
-              <a:t>Species Identity</a:t>
-            </a:r>
-          </a:p>
-        </p:txBody>
-      </p:sp>
-      <p:sp>
-        <p:nvSpPr>
-          <p:cNvPr id="6" name="TextBox 5"/>
+            <a:pPr algn="ctr"/>
+            <a:r>
+              <a:rPr lang="en-US" sz="2000" dirty="0"/>
+              <a:t>-1</a:t>
+            </a:r>
+            <a:endParaRPr lang="en-US" sz="1600" dirty="0"/>
+          </a:p>
+        </p:txBody>
+      </p:sp>
+      <p:sp>
+        <p:nvSpPr>
+          <p:cNvPr id="88" name="TextBox 87"/>
           <p:cNvSpPr txBox="1"/>
           <p:nvPr/>
         </p:nvSpPr>
         <p:spPr>
           <a:xfrm>
-            <a:off x="6177869" y="1109781"/>
-            <a:ext cx="1083425" cy="369332"/>
+            <a:off x="7095067" y="3563327"/>
+            <a:ext cx="393182" cy="400110"/>
           </a:xfrm>
           <a:prstGeom prst="rect">
             <a:avLst/>
@@ -4234,23 +6349,25 @@
           </a:bodyPr>
           <a:lstStyle/>
           <a:p>
-            <a:r>
-              <a:rPr lang="en-US"/>
-              <a:t>Temporal</a:t>
-            </a:r>
-          </a:p>
-        </p:txBody>
-      </p:sp>
-      <p:sp>
-        <p:nvSpPr>
-          <p:cNvPr id="7" name="TextBox 6"/>
+            <a:pPr algn="ctr"/>
+            <a:r>
+              <a:rPr lang="en-US" sz="2000" dirty="0"/>
+              <a:t>-1</a:t>
+            </a:r>
+            <a:endParaRPr lang="en-US" sz="1600" dirty="0"/>
+          </a:p>
+        </p:txBody>
+      </p:sp>
+      <p:sp>
+        <p:nvSpPr>
+          <p:cNvPr id="89" name="TextBox 88"/>
           <p:cNvSpPr txBox="1"/>
           <p:nvPr/>
         </p:nvSpPr>
         <p:spPr>
           <a:xfrm>
-            <a:off x="7877839" y="1109781"/>
-            <a:ext cx="980444" cy="369332"/>
+            <a:off x="7134329" y="3208235"/>
+            <a:ext cx="314659" cy="400110"/>
           </a:xfrm>
           <a:prstGeom prst="rect">
             <a:avLst/>
@@ -4263,39 +6380,358 @@
           </a:bodyPr>
           <a:lstStyle/>
           <a:p>
-            <a:r>
-              <a:rPr lang="en-US"/>
-              <a:t>3</a:t>
-            </a:r>
-            <a:r>
-              <a:rPr lang="en-US" baseline="30000"/>
-              <a:t>rd</a:t>
-            </a:r>
-            <a:r>
-              <a:rPr lang="en-US"/>
-              <a:t> party</a:t>
-            </a:r>
-          </a:p>
-        </p:txBody>
-      </p:sp>
-      <p:sp>
-        <p:nvSpPr>
-          <p:cNvPr id="8" name="Rectangle 7"/>
+            <a:pPr algn="ctr"/>
+            <a:r>
+              <a:rPr lang="en-US" sz="2000" dirty="0"/>
+              <a:t>1</a:t>
+            </a:r>
+            <a:endParaRPr lang="en-US" sz="1600" dirty="0"/>
+          </a:p>
+        </p:txBody>
+      </p:sp>
+      <p:sp>
+        <p:nvSpPr>
+          <p:cNvPr id="40" name="TextBox 39"/>
+          <p:cNvSpPr txBox="1"/>
+          <p:nvPr/>
+        </p:nvSpPr>
+        <p:spPr>
+          <a:xfrm>
+            <a:off x="3570329" y="3118934"/>
+            <a:ext cx="713619" cy="369332"/>
+          </a:xfrm>
+          <a:prstGeom prst="rect">
+            <a:avLst/>
+          </a:prstGeom>
+          <a:noFill/>
+        </p:spPr>
+        <p:txBody>
+          <a:bodyPr wrap="none" rtlCol="0">
+            <a:spAutoFit/>
+          </a:bodyPr>
+          <a:lstStyle/>
+          <a:p>
+            <a:r>
+              <a:rPr lang="en-US" dirty="0"/>
+              <a:t>Site B</a:t>
+            </a:r>
+          </a:p>
+        </p:txBody>
+      </p:sp>
+      <p:sp>
+        <p:nvSpPr>
+          <p:cNvPr id="42" name="TextBox 41"/>
+          <p:cNvSpPr txBox="1"/>
+          <p:nvPr/>
+        </p:nvSpPr>
+        <p:spPr>
+          <a:xfrm>
+            <a:off x="3570329" y="2835571"/>
+            <a:ext cx="721622" cy="369332"/>
+          </a:xfrm>
+          <a:prstGeom prst="rect">
+            <a:avLst/>
+          </a:prstGeom>
+          <a:noFill/>
+        </p:spPr>
+        <p:txBody>
+          <a:bodyPr wrap="none" rtlCol="0">
+            <a:spAutoFit/>
+          </a:bodyPr>
+          <a:lstStyle/>
+          <a:p>
+            <a:r>
+              <a:rPr lang="en-US" dirty="0"/>
+              <a:t>Site A</a:t>
+            </a:r>
+          </a:p>
+        </p:txBody>
+      </p:sp>
+      <p:sp>
+        <p:nvSpPr>
+          <p:cNvPr id="47" name="TextBox 46"/>
+          <p:cNvSpPr txBox="1"/>
+          <p:nvPr/>
+        </p:nvSpPr>
+        <p:spPr>
+          <a:xfrm>
+            <a:off x="3570329" y="3818223"/>
+            <a:ext cx="730075" cy="369332"/>
+          </a:xfrm>
+          <a:prstGeom prst="rect">
+            <a:avLst/>
+          </a:prstGeom>
+          <a:noFill/>
+        </p:spPr>
+        <p:txBody>
+          <a:bodyPr wrap="none" rtlCol="0">
+            <a:spAutoFit/>
+          </a:bodyPr>
+          <a:lstStyle/>
+          <a:p>
+            <a:r>
+              <a:rPr lang="en-US" dirty="0"/>
+              <a:t>Site D</a:t>
+            </a:r>
+          </a:p>
+        </p:txBody>
+      </p:sp>
+      <p:sp>
+        <p:nvSpPr>
+          <p:cNvPr id="48" name="TextBox 47"/>
+          <p:cNvSpPr txBox="1"/>
+          <p:nvPr/>
+        </p:nvSpPr>
+        <p:spPr>
+          <a:xfrm>
+            <a:off x="3570329" y="3463964"/>
+            <a:ext cx="721622" cy="369332"/>
+          </a:xfrm>
+          <a:prstGeom prst="rect">
+            <a:avLst/>
+          </a:prstGeom>
+          <a:noFill/>
+        </p:spPr>
+        <p:txBody>
+          <a:bodyPr wrap="none" rtlCol="0">
+            <a:spAutoFit/>
+          </a:bodyPr>
+          <a:lstStyle/>
+          <a:p>
+            <a:r>
+              <a:rPr lang="en-US" dirty="0"/>
+              <a:t>Site C</a:t>
+            </a:r>
+          </a:p>
+        </p:txBody>
+      </p:sp>
+      <p:sp>
+        <p:nvSpPr>
+          <p:cNvPr id="49" name="TextBox 48"/>
+          <p:cNvSpPr txBox="1"/>
+          <p:nvPr/>
+        </p:nvSpPr>
+        <p:spPr>
+          <a:xfrm>
+            <a:off x="3570329" y="4217258"/>
+            <a:ext cx="700770" cy="369332"/>
+          </a:xfrm>
+          <a:prstGeom prst="rect">
+            <a:avLst/>
+          </a:prstGeom>
+          <a:noFill/>
+        </p:spPr>
+        <p:txBody>
+          <a:bodyPr wrap="none" rtlCol="0">
+            <a:spAutoFit/>
+          </a:bodyPr>
+          <a:lstStyle/>
+          <a:p>
+            <a:r>
+              <a:rPr lang="en-US" dirty="0"/>
+              <a:t>Site E</a:t>
+            </a:r>
+          </a:p>
+        </p:txBody>
+      </p:sp>
+      <p:sp>
+        <p:nvSpPr>
+          <p:cNvPr id="50" name="TextBox 49"/>
+          <p:cNvSpPr txBox="1"/>
+          <p:nvPr/>
+        </p:nvSpPr>
+        <p:spPr>
+          <a:xfrm>
+            <a:off x="7575570" y="3235975"/>
+            <a:ext cx="713619" cy="369332"/>
+          </a:xfrm>
+          <a:prstGeom prst="rect">
+            <a:avLst/>
+          </a:prstGeom>
+          <a:noFill/>
+        </p:spPr>
+        <p:txBody>
+          <a:bodyPr wrap="none" rtlCol="0">
+            <a:spAutoFit/>
+          </a:bodyPr>
+          <a:lstStyle/>
+          <a:p>
+            <a:r>
+              <a:rPr lang="en-US" dirty="0"/>
+              <a:t>Site B</a:t>
+            </a:r>
+          </a:p>
+        </p:txBody>
+      </p:sp>
+      <p:sp>
+        <p:nvSpPr>
+          <p:cNvPr id="51" name="TextBox 50"/>
+          <p:cNvSpPr txBox="1"/>
+          <p:nvPr/>
+        </p:nvSpPr>
+        <p:spPr>
+          <a:xfrm>
+            <a:off x="7575570" y="2900030"/>
+            <a:ext cx="721622" cy="369332"/>
+          </a:xfrm>
+          <a:prstGeom prst="rect">
+            <a:avLst/>
+          </a:prstGeom>
+          <a:noFill/>
+        </p:spPr>
+        <p:txBody>
+          <a:bodyPr wrap="none" rtlCol="0">
+            <a:spAutoFit/>
+          </a:bodyPr>
+          <a:lstStyle/>
+          <a:p>
+            <a:r>
+              <a:rPr lang="en-US" dirty="0"/>
+              <a:t>Site A</a:t>
+            </a:r>
+          </a:p>
+        </p:txBody>
+      </p:sp>
+      <p:sp>
+        <p:nvSpPr>
+          <p:cNvPr id="52" name="TextBox 51"/>
+          <p:cNvSpPr txBox="1"/>
+          <p:nvPr/>
+        </p:nvSpPr>
+        <p:spPr>
+          <a:xfrm>
+            <a:off x="7567117" y="3938670"/>
+            <a:ext cx="730075" cy="369332"/>
+          </a:xfrm>
+          <a:prstGeom prst="rect">
+            <a:avLst/>
+          </a:prstGeom>
+          <a:noFill/>
+        </p:spPr>
+        <p:txBody>
+          <a:bodyPr wrap="none" rtlCol="0">
+            <a:spAutoFit/>
+          </a:bodyPr>
+          <a:lstStyle/>
+          <a:p>
+            <a:r>
+              <a:rPr lang="en-US" dirty="0"/>
+              <a:t>Site D</a:t>
+            </a:r>
+          </a:p>
+        </p:txBody>
+      </p:sp>
+      <p:sp>
+        <p:nvSpPr>
+          <p:cNvPr id="53" name="TextBox 52"/>
+          <p:cNvSpPr txBox="1"/>
+          <p:nvPr/>
+        </p:nvSpPr>
+        <p:spPr>
+          <a:xfrm>
+            <a:off x="7575570" y="3579887"/>
+            <a:ext cx="721622" cy="369332"/>
+          </a:xfrm>
+          <a:prstGeom prst="rect">
+            <a:avLst/>
+          </a:prstGeom>
+          <a:noFill/>
+        </p:spPr>
+        <p:txBody>
+          <a:bodyPr wrap="none" rtlCol="0">
+            <a:spAutoFit/>
+          </a:bodyPr>
+          <a:lstStyle/>
+          <a:p>
+            <a:r>
+              <a:rPr lang="en-US" dirty="0"/>
+              <a:t>Site C</a:t>
+            </a:r>
+          </a:p>
+        </p:txBody>
+      </p:sp>
+      <p:sp>
+        <p:nvSpPr>
+          <p:cNvPr id="54" name="TextBox 53"/>
+          <p:cNvSpPr txBox="1"/>
+          <p:nvPr/>
+        </p:nvSpPr>
+        <p:spPr>
+          <a:xfrm>
+            <a:off x="7575570" y="4281717"/>
+            <a:ext cx="700770" cy="369332"/>
+          </a:xfrm>
+          <a:prstGeom prst="rect">
+            <a:avLst/>
+          </a:prstGeom>
+          <a:noFill/>
+        </p:spPr>
+        <p:txBody>
+          <a:bodyPr wrap="none" rtlCol="0">
+            <a:spAutoFit/>
+          </a:bodyPr>
+          <a:lstStyle/>
+          <a:p>
+            <a:r>
+              <a:rPr lang="en-US" dirty="0"/>
+              <a:t>Site E</a:t>
+            </a:r>
+          </a:p>
+        </p:txBody>
+      </p:sp>
+      <p:sp>
+        <p:nvSpPr>
+          <p:cNvPr id="6" name="TextBox 5"/>
+          <p:cNvSpPr txBox="1"/>
+          <p:nvPr/>
+        </p:nvSpPr>
+        <p:spPr>
+          <a:xfrm>
+            <a:off x="5460878" y="3528424"/>
+            <a:ext cx="725229" cy="369332"/>
+          </a:xfrm>
+          <a:prstGeom prst="rect">
+            <a:avLst/>
+          </a:prstGeom>
+          <a:noFill/>
+        </p:spPr>
+        <p:txBody>
+          <a:bodyPr wrap="none" rtlCol="0">
+            <a:spAutoFit/>
+          </a:bodyPr>
+          <a:lstStyle/>
+          <a:p>
+            <a:r>
+              <a:rPr lang="en-US" dirty="0"/>
+              <a:t>0 or 1</a:t>
+            </a:r>
+          </a:p>
+        </p:txBody>
+      </p:sp>
+      <p:sp>
+        <p:nvSpPr>
+          <p:cNvPr id="7" name="Left Arrow 6"/>
           <p:cNvSpPr/>
           <p:nvPr/>
         </p:nvSpPr>
         <p:spPr>
           <a:xfrm>
-            <a:off x="2342280" y="1601784"/>
-            <a:ext cx="1772741" cy="2781090"/>
-          </a:xfrm>
-          <a:prstGeom prst="rect">
-            <a:avLst/>
-          </a:prstGeom>
-          <a:noFill/>
-          <a:ln w="57150" cmpd="sng">
+            <a:off x="2352660" y="2999326"/>
+            <a:ext cx="540006" cy="1587264"/>
+          </a:xfrm>
+          <a:prstGeom prst="leftArrow">
+            <a:avLst/>
+          </a:prstGeom>
+          <a:solidFill>
+            <a:schemeClr val="bg1">
+              <a:lumMod val="75000"/>
+            </a:schemeClr>
+          </a:solidFill>
+          <a:ln>
             <a:solidFill>
-              <a:srgbClr val="FF0000"/>
+              <a:schemeClr val="bg1">
+                <a:lumMod val="85000"/>
+              </a:schemeClr>
             </a:solidFill>
           </a:ln>
         </p:spPr>
@@ -4318,28 +6754,34 @@
           <a:lstStyle/>
           <a:p>
             <a:pPr algn="ctr"/>
-            <a:endParaRPr lang="en-US"/>
-          </a:p>
-        </p:txBody>
-      </p:sp>
-      <p:sp>
-        <p:nvSpPr>
-          <p:cNvPr id="9" name="Rectangle 8"/>
+            <a:endParaRPr lang="en-US" dirty="0"/>
+          </a:p>
+        </p:txBody>
+      </p:sp>
+      <p:sp>
+        <p:nvSpPr>
+          <p:cNvPr id="58" name="Left Arrow 57"/>
           <p:cNvSpPr/>
           <p:nvPr/>
         </p:nvSpPr>
         <p:spPr>
           <a:xfrm>
-            <a:off x="7371259" y="1601784"/>
-            <a:ext cx="1772741" cy="2781090"/>
-          </a:xfrm>
-          <a:prstGeom prst="rect">
-            <a:avLst/>
-          </a:prstGeom>
-          <a:noFill/>
-          <a:ln w="57150" cmpd="sng">
+            <a:off x="6186107" y="2962633"/>
+            <a:ext cx="540006" cy="1587264"/>
+          </a:xfrm>
+          <a:prstGeom prst="leftArrow">
+            <a:avLst/>
+          </a:prstGeom>
+          <a:solidFill>
+            <a:schemeClr val="bg1">
+              <a:lumMod val="75000"/>
+            </a:schemeClr>
+          </a:solidFill>
+          <a:ln>
             <a:solidFill>
-              <a:srgbClr val="FF0000"/>
+              <a:schemeClr val="bg1">
+                <a:lumMod val="85000"/>
+              </a:schemeClr>
             </a:solidFill>
           </a:ln>
         </p:spPr>
@@ -4362,20 +6804,35 @@
           <a:lstStyle/>
           <a:p>
             <a:pPr algn="ctr"/>
-            <a:endParaRPr lang="en-US"/>
+            <a:endParaRPr lang="en-US" dirty="0"/>
           </a:p>
         </p:txBody>
       </p:sp>
     </p:spTree>
     <p:extLst>
       <p:ext uri="{BB962C8B-B14F-4D97-AF65-F5344CB8AC3E}">
-        <p14:creationId xmlns:p14="http://schemas.microsoft.com/office/powerpoint/2010/main" val="1952905752"/>
+        <p14:creationId xmlns:p14="http://schemas.microsoft.com/office/powerpoint/2010/main" val="1626219976"/>
       </p:ext>
     </p:extLst>
   </p:cSld>
   <p:clrMapOvr>
     <a:masterClrMapping/>
   </p:clrMapOvr>
+  <mc:AlternateContent xmlns:mc="http://schemas.openxmlformats.org/markup-compatibility/2006" xmlns:p14="http://schemas.microsoft.com/office/powerpoint/2010/main">
+    <mc:Choice Requires="p14">
+      <p:transition spd="slow" p14:dur="2000"/>
+    </mc:Choice>
+    <mc:Fallback xmlns="">
+      <p:transition xmlns:p14="http://schemas.microsoft.com/office/powerpoint/2010/main" spd="slow"/>
+    </mc:Fallback>
+  </mc:AlternateContent>
+  <p:timing>
+    <p:tnLst>
+      <p:par>
+        <p:cTn xmlns:p14="http://schemas.microsoft.com/office/powerpoint/2010/main" id="1" dur="indefinite" restart="never" nodeType="tmRoot"/>
+      </p:par>
+    </p:tnLst>
+  </p:timing>
 </p:sld>
 </file>
 
@@ -4398,7 +6855,7 @@
       </p:grpSpPr>
       <p:pic>
         <p:nvPicPr>
-          <p:cNvPr id="2" name="Picture 1" descr="sppinttypes_by_contexts_sign.png"/>
+          <p:cNvPr id="4" name="Picture 3" descr="ecosystem.png"/>
           <p:cNvPicPr>
             <a:picLocks noChangeAspect="1"/>
           </p:cNvPicPr>
@@ -4418,8 +6875,8 @@
         </p:blipFill>
         <p:spPr>
           <a:xfrm>
-            <a:off x="0" y="1601784"/>
-            <a:ext cx="9144000" cy="3370849"/>
+            <a:off x="1201276" y="1062218"/>
+            <a:ext cx="7170506" cy="4864695"/>
           </a:xfrm>
           <a:prstGeom prst="rect">
             <a:avLst/>
@@ -4428,177 +6885,20 @@
       </p:pic>
       <p:sp>
         <p:nvSpPr>
-          <p:cNvPr id="3" name="TextBox 2"/>
-          <p:cNvSpPr txBox="1"/>
-          <p:nvPr/>
-        </p:nvSpPr>
-        <p:spPr>
-          <a:xfrm>
-            <a:off x="1077961" y="1109781"/>
-            <a:ext cx="840419" cy="369332"/>
-          </a:xfrm>
-          <a:prstGeom prst="rect">
-            <a:avLst/>
-          </a:prstGeom>
-          <a:noFill/>
-        </p:spPr>
-        <p:txBody>
-          <a:bodyPr wrap="none" rtlCol="0">
-            <a:spAutoFit/>
-          </a:bodyPr>
-          <a:lstStyle/>
-          <a:p>
-            <a:r>
-              <a:rPr lang="en-US"/>
-              <a:t>Abiotic</a:t>
-            </a:r>
-          </a:p>
-        </p:txBody>
-      </p:sp>
-      <p:sp>
-        <p:nvSpPr>
-          <p:cNvPr id="4" name="TextBox 3"/>
-          <p:cNvSpPr txBox="1"/>
-          <p:nvPr/>
-        </p:nvSpPr>
-        <p:spPr>
-          <a:xfrm>
-            <a:off x="2809949" y="1109781"/>
-            <a:ext cx="814721" cy="369332"/>
-          </a:xfrm>
-          <a:prstGeom prst="rect">
-            <a:avLst/>
-          </a:prstGeom>
-          <a:noFill/>
-        </p:spPr>
-        <p:txBody>
-          <a:bodyPr wrap="none" rtlCol="0">
-            <a:spAutoFit/>
-          </a:bodyPr>
-          <a:lstStyle/>
-          <a:p>
-            <a:r>
-              <a:rPr lang="en-US"/>
-              <a:t>Spatial</a:t>
-            </a:r>
-          </a:p>
-        </p:txBody>
-      </p:sp>
-      <p:sp>
-        <p:nvSpPr>
-          <p:cNvPr id="5" name="TextBox 4"/>
-          <p:cNvSpPr txBox="1"/>
-          <p:nvPr/>
-        </p:nvSpPr>
-        <p:spPr>
-          <a:xfrm>
-            <a:off x="4115021" y="1109781"/>
-            <a:ext cx="1660731" cy="369332"/>
-          </a:xfrm>
-          <a:prstGeom prst="rect">
-            <a:avLst/>
-          </a:prstGeom>
-          <a:noFill/>
-        </p:spPr>
-        <p:txBody>
-          <a:bodyPr wrap="none" rtlCol="0">
-            <a:spAutoFit/>
-          </a:bodyPr>
-          <a:lstStyle/>
-          <a:p>
-            <a:r>
-              <a:rPr lang="en-US"/>
-              <a:t>Species Identity</a:t>
-            </a:r>
-          </a:p>
-        </p:txBody>
-      </p:sp>
-      <p:sp>
-        <p:nvSpPr>
-          <p:cNvPr id="6" name="TextBox 5"/>
-          <p:cNvSpPr txBox="1"/>
-          <p:nvPr/>
-        </p:nvSpPr>
-        <p:spPr>
-          <a:xfrm>
-            <a:off x="6177869" y="1109781"/>
-            <a:ext cx="1083425" cy="369332"/>
-          </a:xfrm>
-          <a:prstGeom prst="rect">
-            <a:avLst/>
-          </a:prstGeom>
-          <a:noFill/>
-        </p:spPr>
-        <p:txBody>
-          <a:bodyPr wrap="none" rtlCol="0">
-            <a:spAutoFit/>
-          </a:bodyPr>
-          <a:lstStyle/>
-          <a:p>
-            <a:r>
-              <a:rPr lang="en-US"/>
-              <a:t>Temporal</a:t>
-            </a:r>
-          </a:p>
-        </p:txBody>
-      </p:sp>
-      <p:sp>
-        <p:nvSpPr>
-          <p:cNvPr id="7" name="TextBox 6"/>
-          <p:cNvSpPr txBox="1"/>
-          <p:nvPr/>
-        </p:nvSpPr>
-        <p:spPr>
-          <a:xfrm>
-            <a:off x="7877839" y="1109781"/>
-            <a:ext cx="980444" cy="369332"/>
-          </a:xfrm>
-          <a:prstGeom prst="rect">
-            <a:avLst/>
-          </a:prstGeom>
-          <a:noFill/>
-        </p:spPr>
-        <p:txBody>
-          <a:bodyPr wrap="none" rtlCol="0">
-            <a:spAutoFit/>
-          </a:bodyPr>
-          <a:lstStyle/>
-          <a:p>
-            <a:r>
-              <a:rPr lang="en-US"/>
-              <a:t>3</a:t>
-            </a:r>
-            <a:r>
-              <a:rPr lang="en-US" baseline="30000"/>
-              <a:t>rd</a:t>
-            </a:r>
-            <a:r>
-              <a:rPr lang="en-US"/>
-              <a:t> party</a:t>
-            </a:r>
-          </a:p>
-        </p:txBody>
-      </p:sp>
-      <p:sp>
-        <p:nvSpPr>
-          <p:cNvPr id="8" name="Rectangle 7"/>
-          <p:cNvSpPr/>
-          <p:nvPr/>
-        </p:nvSpPr>
-        <p:spPr>
-          <a:xfrm>
-            <a:off x="655838" y="1601784"/>
-            <a:ext cx="1772741" cy="2781090"/>
-          </a:xfrm>
-          <a:prstGeom prst="rect">
-            <a:avLst/>
-          </a:prstGeom>
-          <a:noFill/>
-          <a:ln w="57150" cmpd="sng">
-            <a:solidFill>
-              <a:srgbClr val="FF0000"/>
-            </a:solidFill>
-          </a:ln>
+          <p:cNvPr id="5" name="Oval 4"/>
+          <p:cNvSpPr>
+            <a:spLocks noChangeAspect="1"/>
+          </p:cNvSpPr>
+          <p:nvPr/>
+        </p:nvSpPr>
+        <p:spPr>
+          <a:xfrm>
+            <a:off x="6898752" y="1956569"/>
+            <a:ext cx="1333830" cy="1334013"/>
+          </a:xfrm>
+          <a:prstGeom prst="ellipse">
+            <a:avLst/>
+          </a:prstGeom>
         </p:spPr>
         <p:style>
           <a:lnRef idx="1">
@@ -4625,24 +6925,20 @@
       </p:sp>
       <p:sp>
         <p:nvSpPr>
-          <p:cNvPr id="9" name="Rectangle 8"/>
-          <p:cNvSpPr/>
-          <p:nvPr/>
-        </p:nvSpPr>
-        <p:spPr>
-          <a:xfrm>
-            <a:off x="5684817" y="1601784"/>
-            <a:ext cx="1772741" cy="2781090"/>
-          </a:xfrm>
-          <a:prstGeom prst="rect">
-            <a:avLst/>
-          </a:prstGeom>
-          <a:noFill/>
-          <a:ln w="57150" cmpd="sng">
-            <a:solidFill>
-              <a:srgbClr val="FF0000"/>
-            </a:solidFill>
-          </a:ln>
+          <p:cNvPr id="6" name="Oval 5"/>
+          <p:cNvSpPr>
+            <a:spLocks noChangeAspect="1"/>
+          </p:cNvSpPr>
+          <p:nvPr/>
+        </p:nvSpPr>
+        <p:spPr>
+          <a:xfrm>
+            <a:off x="1548187" y="4553883"/>
+            <a:ext cx="657589" cy="656975"/>
+          </a:xfrm>
+          <a:prstGeom prst="ellipse">
+            <a:avLst/>
+          </a:prstGeom>
         </p:spPr>
         <p:style>
           <a:lnRef idx="1">
@@ -4667,10 +6963,143 @@
           </a:p>
         </p:txBody>
       </p:sp>
+      <p:sp>
+        <p:nvSpPr>
+          <p:cNvPr id="7" name="Oval 6"/>
+          <p:cNvSpPr>
+            <a:spLocks noChangeAspect="1"/>
+          </p:cNvSpPr>
+          <p:nvPr/>
+        </p:nvSpPr>
+        <p:spPr>
+          <a:xfrm>
+            <a:off x="4534199" y="3203743"/>
+            <a:ext cx="849919" cy="849116"/>
+          </a:xfrm>
+          <a:prstGeom prst="ellipse">
+            <a:avLst/>
+          </a:prstGeom>
+        </p:spPr>
+        <p:style>
+          <a:lnRef idx="1">
+            <a:schemeClr val="accent1"/>
+          </a:lnRef>
+          <a:fillRef idx="3">
+            <a:schemeClr val="accent1"/>
+          </a:fillRef>
+          <a:effectRef idx="2">
+            <a:schemeClr val="accent1"/>
+          </a:effectRef>
+          <a:fontRef idx="minor">
+            <a:schemeClr val="lt1"/>
+          </a:fontRef>
+        </p:style>
+        <p:txBody>
+          <a:bodyPr rtlCol="0" anchor="ctr"/>
+          <a:lstStyle/>
+          <a:p>
+            <a:pPr algn="ctr"/>
+            <a:endParaRPr lang="en-US"/>
+          </a:p>
+        </p:txBody>
+      </p:sp>
+      <p:sp>
+        <p:nvSpPr>
+          <p:cNvPr id="2" name="TextBox 1"/>
+          <p:cNvSpPr txBox="1"/>
+          <p:nvPr/>
+        </p:nvSpPr>
+        <p:spPr>
+          <a:xfrm>
+            <a:off x="7535103" y="2071716"/>
+            <a:ext cx="325730" cy="369332"/>
+          </a:xfrm>
+          <a:prstGeom prst="rect">
+            <a:avLst/>
+          </a:prstGeom>
+          <a:solidFill>
+            <a:schemeClr val="bg1"/>
+          </a:solidFill>
+        </p:spPr>
+        <p:txBody>
+          <a:bodyPr wrap="none" rtlCol="0">
+            <a:spAutoFit/>
+          </a:bodyPr>
+          <a:lstStyle/>
+          <a:p>
+            <a:r>
+              <a:rPr lang="en-US" b="1"/>
+              <a:t>A</a:t>
+            </a:r>
+          </a:p>
+        </p:txBody>
+      </p:sp>
+      <p:sp>
+        <p:nvSpPr>
+          <p:cNvPr id="8" name="TextBox 7"/>
+          <p:cNvSpPr txBox="1"/>
+          <p:nvPr/>
+        </p:nvSpPr>
+        <p:spPr>
+          <a:xfrm>
+            <a:off x="4924240" y="3323016"/>
+            <a:ext cx="325730" cy="369332"/>
+          </a:xfrm>
+          <a:prstGeom prst="rect">
+            <a:avLst/>
+          </a:prstGeom>
+          <a:solidFill>
+            <a:schemeClr val="bg1"/>
+          </a:solidFill>
+        </p:spPr>
+        <p:txBody>
+          <a:bodyPr wrap="none" rtlCol="0">
+            <a:spAutoFit/>
+          </a:bodyPr>
+          <a:lstStyle/>
+          <a:p>
+            <a:r>
+              <a:rPr lang="en-US" b="1"/>
+              <a:t>A</a:t>
+            </a:r>
+          </a:p>
+        </p:txBody>
+      </p:sp>
+      <p:sp>
+        <p:nvSpPr>
+          <p:cNvPr id="9" name="TextBox 8"/>
+          <p:cNvSpPr txBox="1"/>
+          <p:nvPr/>
+        </p:nvSpPr>
+        <p:spPr>
+          <a:xfrm>
+            <a:off x="1776628" y="4672637"/>
+            <a:ext cx="314058" cy="369332"/>
+          </a:xfrm>
+          <a:prstGeom prst="rect">
+            <a:avLst/>
+          </a:prstGeom>
+          <a:solidFill>
+            <a:schemeClr val="bg1"/>
+          </a:solidFill>
+        </p:spPr>
+        <p:txBody>
+          <a:bodyPr wrap="none" rtlCol="0">
+            <a:spAutoFit/>
+          </a:bodyPr>
+          <a:lstStyle/>
+          <a:p>
+            <a:r>
+              <a:rPr lang="en-US" b="1"/>
+              <a:t>B</a:t>
+            </a:r>
+          </a:p>
+        </p:txBody>
+      </p:sp>
     </p:spTree>
     <p:extLst>
       <p:ext uri="{BB962C8B-B14F-4D97-AF65-F5344CB8AC3E}">
-        <p14:creationId xmlns:p14="http://schemas.microsoft.com/office/powerpoint/2010/main" val="4105440255"/>
+        <p14:creationId xmlns:p14="http://schemas.microsoft.com/office/powerpoint/2010/main" val="3314517942"/>
       </p:ext>
     </p:extLst>
   </p:cSld>
@@ -4699,8 +7128,10 @@
       </p:grpSpPr>
       <p:pic>
         <p:nvPicPr>
-          <p:cNvPr id="4" name="Picture 3"/>
-          <p:cNvPicPr/>
+          <p:cNvPr id="2" name="Picture 1" descr="sppinteractions.png"/>
+          <p:cNvPicPr>
+            <a:picLocks noChangeAspect="1"/>
+          </p:cNvPicPr>
           <p:nvPr/>
         </p:nvPicPr>
         <p:blipFill rotWithShape="1">
@@ -4711,32 +7142,54 @@
               </a:ext>
             </a:extLst>
           </a:blip>
-          <a:srcRect t="25920" b="42666"/>
+          <a:srcRect l="38383" r="34653"/>
           <a:stretch/>
         </p:blipFill>
-        <p:spPr bwMode="auto">
-          <a:xfrm>
-            <a:off x="1311064" y="920962"/>
-            <a:ext cx="2796540" cy="2285788"/>
+        <p:spPr>
+          <a:xfrm>
+            <a:off x="412654" y="1824409"/>
+            <a:ext cx="2366852" cy="1889634"/>
+          </a:xfrm>
+          <a:prstGeom prst="rect">
+            <a:avLst/>
+          </a:prstGeom>
+        </p:spPr>
+      </p:pic>
+      <p:sp>
+        <p:nvSpPr>
+          <p:cNvPr id="3" name="TextBox 2"/>
+          <p:cNvSpPr txBox="1"/>
+          <p:nvPr/>
+        </p:nvSpPr>
+        <p:spPr>
+          <a:xfrm>
+            <a:off x="1360303" y="3924806"/>
+            <a:ext cx="430376" cy="646331"/>
           </a:xfrm>
           <a:prstGeom prst="rect">
             <a:avLst/>
           </a:prstGeom>
           <a:noFill/>
-          <a:ln>
-            <a:noFill/>
-          </a:ln>
-          <a:extLst>
-            <a:ext uri="{53640926-AAD7-44d8-BBD7-CCE9431645EC}">
-              <a14:shadowObscured xmlns:a14="http://schemas.microsoft.com/office/drawing/2010/main"/>
-            </a:ext>
-          </a:extLst>
-        </p:spPr>
-      </p:pic>
+        </p:spPr>
+        <p:txBody>
+          <a:bodyPr wrap="none" rtlCol="0">
+            <a:spAutoFit/>
+          </a:bodyPr>
+          <a:lstStyle/>
+          <a:p>
+            <a:r>
+              <a:rPr lang="en-US" sz="3600" b="1"/>
+              <a:t>P</a:t>
+            </a:r>
+          </a:p>
+        </p:txBody>
+      </p:sp>
       <p:pic>
         <p:nvPicPr>
-          <p:cNvPr id="5" name="Picture 4"/>
-          <p:cNvPicPr/>
+          <p:cNvPr id="4" name="Picture 3" descr="sppinteractions.png"/>
+          <p:cNvPicPr>
+            <a:picLocks noChangeAspect="1"/>
+          </p:cNvPicPr>
           <p:nvPr/>
         </p:nvPicPr>
         <p:blipFill rotWithShape="1">
@@ -4747,32 +7200,25 @@
               </a:ext>
             </a:extLst>
           </a:blip>
-          <a:srcRect t="57625" b="7180"/>
+          <a:srcRect r="66868"/>
           <a:stretch/>
         </p:blipFill>
-        <p:spPr bwMode="auto">
-          <a:xfrm>
-            <a:off x="5223087" y="3301999"/>
-            <a:ext cx="2796540" cy="2560955"/>
-          </a:xfrm>
-          <a:prstGeom prst="rect">
-            <a:avLst/>
-          </a:prstGeom>
-          <a:noFill/>
-          <a:ln>
-            <a:noFill/>
-          </a:ln>
-          <a:extLst>
-            <a:ext uri="{53640926-AAD7-44d8-BBD7-CCE9431645EC}">
-              <a14:shadowObscured xmlns:a14="http://schemas.microsoft.com/office/drawing/2010/main"/>
-            </a:ext>
-          </a:extLst>
+        <p:spPr>
+          <a:xfrm>
+            <a:off x="3077647" y="1824409"/>
+            <a:ext cx="2908179" cy="1889634"/>
+          </a:xfrm>
+          <a:prstGeom prst="rect">
+            <a:avLst/>
+          </a:prstGeom>
         </p:spPr>
       </p:pic>
       <p:pic>
         <p:nvPicPr>
-          <p:cNvPr id="6" name="Picture 5"/>
-          <p:cNvPicPr/>
+          <p:cNvPr id="5" name="Picture 4" descr="sppinteractions.png"/>
+          <p:cNvPicPr>
+            <a:picLocks noChangeAspect="1"/>
+          </p:cNvPicPr>
           <p:nvPr/>
         </p:nvPicPr>
         <p:blipFill rotWithShape="1">
@@ -4783,32 +7229,81 @@
               </a:ext>
             </a:extLst>
           </a:blip>
-          <a:srcRect t="88111" b="7180"/>
+          <a:srcRect l="67924"/>
           <a:stretch/>
         </p:blipFill>
-        <p:spPr bwMode="auto">
-          <a:xfrm>
-            <a:off x="1258570" y="3215319"/>
-            <a:ext cx="2796540" cy="342687"/>
+        <p:spPr>
+          <a:xfrm>
+            <a:off x="6161882" y="1824409"/>
+            <a:ext cx="2815555" cy="1889634"/>
+          </a:xfrm>
+          <a:prstGeom prst="rect">
+            <a:avLst/>
+          </a:prstGeom>
+        </p:spPr>
+      </p:pic>
+      <p:sp>
+        <p:nvSpPr>
+          <p:cNvPr id="6" name="TextBox 5"/>
+          <p:cNvSpPr txBox="1"/>
+          <p:nvPr/>
+        </p:nvSpPr>
+        <p:spPr>
+          <a:xfrm>
+            <a:off x="4396310" y="3924806"/>
+            <a:ext cx="430376" cy="646331"/>
           </a:xfrm>
           <a:prstGeom prst="rect">
             <a:avLst/>
           </a:prstGeom>
           <a:noFill/>
-          <a:ln>
-            <a:noFill/>
-          </a:ln>
-          <a:extLst>
-            <a:ext uri="{53640926-AAD7-44d8-BBD7-CCE9431645EC}">
-              <a14:shadowObscured xmlns:a14="http://schemas.microsoft.com/office/drawing/2010/main"/>
-            </a:ext>
-          </a:extLst>
-        </p:spPr>
-      </p:pic>
+        </p:spPr>
+        <p:txBody>
+          <a:bodyPr wrap="none" rtlCol="0">
+            <a:spAutoFit/>
+          </a:bodyPr>
+          <a:lstStyle/>
+          <a:p>
+            <a:r>
+              <a:rPr lang="en-US" sz="3600" b="1"/>
+              <a:t>C</a:t>
+            </a:r>
+          </a:p>
+        </p:txBody>
+      </p:sp>
+      <p:sp>
+        <p:nvSpPr>
+          <p:cNvPr id="7" name="TextBox 6"/>
+          <p:cNvSpPr txBox="1"/>
+          <p:nvPr/>
+        </p:nvSpPr>
+        <p:spPr>
+          <a:xfrm>
+            <a:off x="7484367" y="3924806"/>
+            <a:ext cx="588172" cy="646331"/>
+          </a:xfrm>
+          <a:prstGeom prst="rect">
+            <a:avLst/>
+          </a:prstGeom>
+          <a:noFill/>
+        </p:spPr>
+        <p:txBody>
+          <a:bodyPr wrap="none" rtlCol="0">
+            <a:spAutoFit/>
+          </a:bodyPr>
+          <a:lstStyle/>
+          <a:p>
+            <a:r>
+              <a:rPr lang="en-US" sz="3600" b="1"/>
+              <a:t>M</a:t>
+            </a:r>
+          </a:p>
+        </p:txBody>
+      </p:sp>
     </p:spTree>
     <p:extLst>
       <p:ext uri="{BB962C8B-B14F-4D97-AF65-F5344CB8AC3E}">
-        <p14:creationId xmlns:p14="http://schemas.microsoft.com/office/powerpoint/2010/main" val="1240506569"/>
+        <p14:creationId xmlns:p14="http://schemas.microsoft.com/office/powerpoint/2010/main" val="255962066"/>
       </p:ext>
     </p:extLst>
   </p:cSld>
@@ -4837,11 +7332,13 @@
       </p:grpSpPr>
       <p:pic>
         <p:nvPicPr>
-          <p:cNvPr id="3" name="Picture 2"/>
-          <p:cNvPicPr/>
+          <p:cNvPr id="2" name="Picture 1" descr="sppinttypes_by_contexts_sign.png"/>
+          <p:cNvPicPr>
+            <a:picLocks noChangeAspect="1"/>
+          </p:cNvPicPr>
           <p:nvPr/>
         </p:nvPicPr>
-        <p:blipFill rotWithShape="1">
+        <p:blipFill>
           <a:blip r:embed="rId2">
             <a:extLst>
               <a:ext uri="{28A0092B-C50C-407E-A947-70E740481C1C}">
@@ -4849,68 +7346,177 @@
               </a:ext>
             </a:extLst>
           </a:blip>
-          <a:srcRect l="6771" t="85275" r="6472" b="707"/>
-          <a:stretch/>
+          <a:stretch>
+            <a:fillRect/>
+          </a:stretch>
         </p:blipFill>
-        <p:spPr bwMode="auto">
-          <a:xfrm>
-            <a:off x="1248328" y="2909291"/>
-            <a:ext cx="6773839" cy="755650"/>
+        <p:spPr>
+          <a:xfrm>
+            <a:off x="0" y="1601784"/>
+            <a:ext cx="9144000" cy="3370849"/>
+          </a:xfrm>
+          <a:prstGeom prst="rect">
+            <a:avLst/>
+          </a:prstGeom>
+        </p:spPr>
+      </p:pic>
+      <p:sp>
+        <p:nvSpPr>
+          <p:cNvPr id="3" name="TextBox 2"/>
+          <p:cNvSpPr txBox="1"/>
+          <p:nvPr/>
+        </p:nvSpPr>
+        <p:spPr>
+          <a:xfrm>
+            <a:off x="1077961" y="1109781"/>
+            <a:ext cx="840419" cy="369332"/>
           </a:xfrm>
           <a:prstGeom prst="rect">
             <a:avLst/>
           </a:prstGeom>
           <a:noFill/>
-          <a:ln>
-            <a:noFill/>
-          </a:ln>
-          <a:extLst>
-            <a:ext uri="{53640926-AAD7-44d8-BBD7-CCE9431645EC}">
-              <a14:shadowObscured xmlns:a14="http://schemas.microsoft.com/office/drawing/2010/main"/>
-            </a:ext>
-          </a:extLst>
-        </p:spPr>
-      </p:pic>
-      <p:pic>
-        <p:nvPicPr>
-          <p:cNvPr id="2" name="Picture 1"/>
-          <p:cNvPicPr/>
-          <p:nvPr/>
-        </p:nvPicPr>
-        <p:blipFill rotWithShape="1">
-          <a:blip r:embed="rId2">
-            <a:extLst>
-              <a:ext uri="{28A0092B-C50C-407E-A947-70E740481C1C}">
-                <a14:useLocalDpi xmlns:a14="http://schemas.microsoft.com/office/drawing/2010/main" val="0"/>
-              </a:ext>
-            </a:extLst>
-          </a:blip>
-          <a:srcRect t="8375" r="6472" b="51776"/>
-          <a:stretch/>
-        </p:blipFill>
-        <p:spPr bwMode="auto">
-          <a:xfrm>
-            <a:off x="719667" y="761259"/>
-            <a:ext cx="7302500" cy="2148032"/>
+        </p:spPr>
+        <p:txBody>
+          <a:bodyPr wrap="none" rtlCol="0">
+            <a:spAutoFit/>
+          </a:bodyPr>
+          <a:lstStyle/>
+          <a:p>
+            <a:r>
+              <a:rPr lang="en-US"/>
+              <a:t>Abiotic</a:t>
+            </a:r>
+          </a:p>
+        </p:txBody>
+      </p:sp>
+      <p:sp>
+        <p:nvSpPr>
+          <p:cNvPr id="4" name="TextBox 3"/>
+          <p:cNvSpPr txBox="1"/>
+          <p:nvPr/>
+        </p:nvSpPr>
+        <p:spPr>
+          <a:xfrm>
+            <a:off x="2809949" y="1109781"/>
+            <a:ext cx="814721" cy="369332"/>
           </a:xfrm>
           <a:prstGeom prst="rect">
             <a:avLst/>
           </a:prstGeom>
           <a:noFill/>
-          <a:ln>
-            <a:noFill/>
-          </a:ln>
-          <a:extLst>
-            <a:ext uri="{53640926-AAD7-44d8-BBD7-CCE9431645EC}">
-              <a14:shadowObscured xmlns:a14="http://schemas.microsoft.com/office/drawing/2010/main"/>
-            </a:ext>
-          </a:extLst>
-        </p:spPr>
-      </p:pic>
+        </p:spPr>
+        <p:txBody>
+          <a:bodyPr wrap="none" rtlCol="0">
+            <a:spAutoFit/>
+          </a:bodyPr>
+          <a:lstStyle/>
+          <a:p>
+            <a:r>
+              <a:rPr lang="en-US"/>
+              <a:t>Spatial</a:t>
+            </a:r>
+          </a:p>
+        </p:txBody>
+      </p:sp>
+      <p:sp>
+        <p:nvSpPr>
+          <p:cNvPr id="5" name="TextBox 4"/>
+          <p:cNvSpPr txBox="1"/>
+          <p:nvPr/>
+        </p:nvSpPr>
+        <p:spPr>
+          <a:xfrm>
+            <a:off x="4115021" y="1109781"/>
+            <a:ext cx="1660731" cy="369332"/>
+          </a:xfrm>
+          <a:prstGeom prst="rect">
+            <a:avLst/>
+          </a:prstGeom>
+          <a:noFill/>
+        </p:spPr>
+        <p:txBody>
+          <a:bodyPr wrap="none" rtlCol="0">
+            <a:spAutoFit/>
+          </a:bodyPr>
+          <a:lstStyle/>
+          <a:p>
+            <a:r>
+              <a:rPr lang="en-US"/>
+              <a:t>Species Identity</a:t>
+            </a:r>
+          </a:p>
+        </p:txBody>
+      </p:sp>
+      <p:sp>
+        <p:nvSpPr>
+          <p:cNvPr id="6" name="TextBox 5"/>
+          <p:cNvSpPr txBox="1"/>
+          <p:nvPr/>
+        </p:nvSpPr>
+        <p:spPr>
+          <a:xfrm>
+            <a:off x="6177869" y="1109781"/>
+            <a:ext cx="1083425" cy="369332"/>
+          </a:xfrm>
+          <a:prstGeom prst="rect">
+            <a:avLst/>
+          </a:prstGeom>
+          <a:noFill/>
+        </p:spPr>
+        <p:txBody>
+          <a:bodyPr wrap="none" rtlCol="0">
+            <a:spAutoFit/>
+          </a:bodyPr>
+          <a:lstStyle/>
+          <a:p>
+            <a:r>
+              <a:rPr lang="en-US"/>
+              <a:t>Temporal</a:t>
+            </a:r>
+          </a:p>
+        </p:txBody>
+      </p:sp>
+      <p:sp>
+        <p:nvSpPr>
+          <p:cNvPr id="7" name="TextBox 6"/>
+          <p:cNvSpPr txBox="1"/>
+          <p:nvPr/>
+        </p:nvSpPr>
+        <p:spPr>
+          <a:xfrm>
+            <a:off x="7877839" y="1109781"/>
+            <a:ext cx="980444" cy="369332"/>
+          </a:xfrm>
+          <a:prstGeom prst="rect">
+            <a:avLst/>
+          </a:prstGeom>
+          <a:noFill/>
+        </p:spPr>
+        <p:txBody>
+          <a:bodyPr wrap="none" rtlCol="0">
+            <a:spAutoFit/>
+          </a:bodyPr>
+          <a:lstStyle/>
+          <a:p>
+            <a:r>
+              <a:rPr lang="en-US"/>
+              <a:t>3</a:t>
+            </a:r>
+            <a:r>
+              <a:rPr lang="en-US" baseline="30000"/>
+              <a:t>rd</a:t>
+            </a:r>
+            <a:r>
+              <a:rPr lang="en-US"/>
+              <a:t> party</a:t>
+            </a:r>
+          </a:p>
+        </p:txBody>
+      </p:sp>
     </p:spTree>
     <p:extLst>
       <p:ext uri="{BB962C8B-B14F-4D97-AF65-F5344CB8AC3E}">
-        <p14:creationId xmlns:p14="http://schemas.microsoft.com/office/powerpoint/2010/main" val="2957873141"/>
+        <p14:creationId xmlns:p14="http://schemas.microsoft.com/office/powerpoint/2010/main" val="284204474"/>
       </p:ext>
     </p:extLst>
   </p:cSld>
@@ -4939,11 +7545,13 @@
       </p:grpSpPr>
       <p:pic>
         <p:nvPicPr>
-          <p:cNvPr id="2" name="Picture 1"/>
-          <p:cNvPicPr/>
+          <p:cNvPr id="2" name="Picture 1" descr="sppinttypes_by_contexts_sign.png"/>
+          <p:cNvPicPr>
+            <a:picLocks noChangeAspect="1"/>
+          </p:cNvPicPr>
           <p:nvPr/>
         </p:nvPicPr>
-        <p:blipFill rotWithShape="1">
+        <p:blipFill>
           <a:blip r:embed="rId2">
             <a:extLst>
               <a:ext uri="{28A0092B-C50C-407E-A947-70E740481C1C}">
@@ -4951,32 +7559,265 @@
               </a:ext>
             </a:extLst>
           </a:blip>
-          <a:srcRect t="49424" r="6472" b="707"/>
-          <a:stretch/>
+          <a:stretch>
+            <a:fillRect/>
+          </a:stretch>
         </p:blipFill>
-        <p:spPr bwMode="auto">
-          <a:xfrm>
-            <a:off x="893347" y="1540983"/>
-            <a:ext cx="7302500" cy="2688166"/>
+        <p:spPr>
+          <a:xfrm>
+            <a:off x="0" y="1601784"/>
+            <a:ext cx="9144000" cy="3370849"/>
+          </a:xfrm>
+          <a:prstGeom prst="rect">
+            <a:avLst/>
+          </a:prstGeom>
+        </p:spPr>
+      </p:pic>
+      <p:sp>
+        <p:nvSpPr>
+          <p:cNvPr id="3" name="TextBox 2"/>
+          <p:cNvSpPr txBox="1"/>
+          <p:nvPr/>
+        </p:nvSpPr>
+        <p:spPr>
+          <a:xfrm>
+            <a:off x="1077961" y="1109781"/>
+            <a:ext cx="840419" cy="369332"/>
           </a:xfrm>
           <a:prstGeom prst="rect">
             <a:avLst/>
           </a:prstGeom>
           <a:noFill/>
-          <a:ln>
-            <a:noFill/>
+        </p:spPr>
+        <p:txBody>
+          <a:bodyPr wrap="none" rtlCol="0">
+            <a:spAutoFit/>
+          </a:bodyPr>
+          <a:lstStyle/>
+          <a:p>
+            <a:r>
+              <a:rPr lang="en-US"/>
+              <a:t>Abiotic</a:t>
+            </a:r>
+          </a:p>
+        </p:txBody>
+      </p:sp>
+      <p:sp>
+        <p:nvSpPr>
+          <p:cNvPr id="4" name="TextBox 3"/>
+          <p:cNvSpPr txBox="1"/>
+          <p:nvPr/>
+        </p:nvSpPr>
+        <p:spPr>
+          <a:xfrm>
+            <a:off x="2809949" y="1109781"/>
+            <a:ext cx="814721" cy="369332"/>
+          </a:xfrm>
+          <a:prstGeom prst="rect">
+            <a:avLst/>
+          </a:prstGeom>
+          <a:noFill/>
+        </p:spPr>
+        <p:txBody>
+          <a:bodyPr wrap="none" rtlCol="0">
+            <a:spAutoFit/>
+          </a:bodyPr>
+          <a:lstStyle/>
+          <a:p>
+            <a:r>
+              <a:rPr lang="en-US"/>
+              <a:t>Spatial</a:t>
+            </a:r>
+          </a:p>
+        </p:txBody>
+      </p:sp>
+      <p:sp>
+        <p:nvSpPr>
+          <p:cNvPr id="5" name="TextBox 4"/>
+          <p:cNvSpPr txBox="1"/>
+          <p:nvPr/>
+        </p:nvSpPr>
+        <p:spPr>
+          <a:xfrm>
+            <a:off x="4115021" y="1109781"/>
+            <a:ext cx="1660731" cy="369332"/>
+          </a:xfrm>
+          <a:prstGeom prst="rect">
+            <a:avLst/>
+          </a:prstGeom>
+          <a:noFill/>
+        </p:spPr>
+        <p:txBody>
+          <a:bodyPr wrap="none" rtlCol="0">
+            <a:spAutoFit/>
+          </a:bodyPr>
+          <a:lstStyle/>
+          <a:p>
+            <a:r>
+              <a:rPr lang="en-US"/>
+              <a:t>Species Identity</a:t>
+            </a:r>
+          </a:p>
+        </p:txBody>
+      </p:sp>
+      <p:sp>
+        <p:nvSpPr>
+          <p:cNvPr id="6" name="TextBox 5"/>
+          <p:cNvSpPr txBox="1"/>
+          <p:nvPr/>
+        </p:nvSpPr>
+        <p:spPr>
+          <a:xfrm>
+            <a:off x="6177869" y="1109781"/>
+            <a:ext cx="1083425" cy="369332"/>
+          </a:xfrm>
+          <a:prstGeom prst="rect">
+            <a:avLst/>
+          </a:prstGeom>
+          <a:noFill/>
+        </p:spPr>
+        <p:txBody>
+          <a:bodyPr wrap="none" rtlCol="0">
+            <a:spAutoFit/>
+          </a:bodyPr>
+          <a:lstStyle/>
+          <a:p>
+            <a:r>
+              <a:rPr lang="en-US"/>
+              <a:t>Temporal</a:t>
+            </a:r>
+          </a:p>
+        </p:txBody>
+      </p:sp>
+      <p:sp>
+        <p:nvSpPr>
+          <p:cNvPr id="7" name="TextBox 6"/>
+          <p:cNvSpPr txBox="1"/>
+          <p:nvPr/>
+        </p:nvSpPr>
+        <p:spPr>
+          <a:xfrm>
+            <a:off x="7877839" y="1109781"/>
+            <a:ext cx="980444" cy="369332"/>
+          </a:xfrm>
+          <a:prstGeom prst="rect">
+            <a:avLst/>
+          </a:prstGeom>
+          <a:noFill/>
+        </p:spPr>
+        <p:txBody>
+          <a:bodyPr wrap="none" rtlCol="0">
+            <a:spAutoFit/>
+          </a:bodyPr>
+          <a:lstStyle/>
+          <a:p>
+            <a:r>
+              <a:rPr lang="en-US"/>
+              <a:t>3</a:t>
+            </a:r>
+            <a:r>
+              <a:rPr lang="en-US" baseline="30000"/>
+              <a:t>rd</a:t>
+            </a:r>
+            <a:r>
+              <a:rPr lang="en-US"/>
+              <a:t> party</a:t>
+            </a:r>
+          </a:p>
+        </p:txBody>
+      </p:sp>
+      <p:sp>
+        <p:nvSpPr>
+          <p:cNvPr id="8" name="Rectangle 7"/>
+          <p:cNvSpPr/>
+          <p:nvPr/>
+        </p:nvSpPr>
+        <p:spPr>
+          <a:xfrm>
+            <a:off x="2342280" y="1601784"/>
+            <a:ext cx="1772741" cy="2781090"/>
+          </a:xfrm>
+          <a:prstGeom prst="rect">
+            <a:avLst/>
+          </a:prstGeom>
+          <a:noFill/>
+          <a:ln w="57150" cmpd="sng">
+            <a:solidFill>
+              <a:srgbClr val="FF0000"/>
+            </a:solidFill>
           </a:ln>
-          <a:extLst>
-            <a:ext uri="{53640926-AAD7-44d8-BBD7-CCE9431645EC}">
-              <a14:shadowObscured xmlns:a14="http://schemas.microsoft.com/office/drawing/2010/main"/>
-            </a:ext>
-          </a:extLst>
-        </p:spPr>
-      </p:pic>
+        </p:spPr>
+        <p:style>
+          <a:lnRef idx="1">
+            <a:schemeClr val="accent1"/>
+          </a:lnRef>
+          <a:fillRef idx="3">
+            <a:schemeClr val="accent1"/>
+          </a:fillRef>
+          <a:effectRef idx="2">
+            <a:schemeClr val="accent1"/>
+          </a:effectRef>
+          <a:fontRef idx="minor">
+            <a:schemeClr val="lt1"/>
+          </a:fontRef>
+        </p:style>
+        <p:txBody>
+          <a:bodyPr rtlCol="0" anchor="ctr"/>
+          <a:lstStyle/>
+          <a:p>
+            <a:pPr algn="ctr"/>
+            <a:endParaRPr lang="en-US"/>
+          </a:p>
+        </p:txBody>
+      </p:sp>
+      <p:sp>
+        <p:nvSpPr>
+          <p:cNvPr id="9" name="Rectangle 8"/>
+          <p:cNvSpPr/>
+          <p:nvPr/>
+        </p:nvSpPr>
+        <p:spPr>
+          <a:xfrm>
+            <a:off x="7371259" y="1601784"/>
+            <a:ext cx="1772741" cy="2781090"/>
+          </a:xfrm>
+          <a:prstGeom prst="rect">
+            <a:avLst/>
+          </a:prstGeom>
+          <a:noFill/>
+          <a:ln w="57150" cmpd="sng">
+            <a:solidFill>
+              <a:srgbClr val="FF0000"/>
+            </a:solidFill>
+          </a:ln>
+        </p:spPr>
+        <p:style>
+          <a:lnRef idx="1">
+            <a:schemeClr val="accent1"/>
+          </a:lnRef>
+          <a:fillRef idx="3">
+            <a:schemeClr val="accent1"/>
+          </a:fillRef>
+          <a:effectRef idx="2">
+            <a:schemeClr val="accent1"/>
+          </a:effectRef>
+          <a:fontRef idx="minor">
+            <a:schemeClr val="lt1"/>
+          </a:fontRef>
+        </p:style>
+        <p:txBody>
+          <a:bodyPr rtlCol="0" anchor="ctr"/>
+          <a:lstStyle/>
+          <a:p>
+            <a:pPr algn="ctr"/>
+            <a:endParaRPr lang="en-US"/>
+          </a:p>
+        </p:txBody>
+      </p:sp>
     </p:spTree>
     <p:extLst>
       <p:ext uri="{BB962C8B-B14F-4D97-AF65-F5344CB8AC3E}">
-        <p14:creationId xmlns:p14="http://schemas.microsoft.com/office/powerpoint/2010/main" val="4251907966"/>
+        <p14:creationId xmlns:p14="http://schemas.microsoft.com/office/powerpoint/2010/main" val="1952905752"/>
       </p:ext>
     </p:extLst>
   </p:cSld>
@@ -5003,58 +7844,15 @@
           <a:chExt cx="0" cy="0"/>
         </a:xfrm>
       </p:grpSpPr>
-      <p:sp>
-        <p:nvSpPr>
-          <p:cNvPr id="6" name="Rectangle 5"/>
-          <p:cNvSpPr/>
-          <p:nvPr/>
-        </p:nvSpPr>
-        <p:spPr>
-          <a:xfrm>
-            <a:off x="646488" y="603816"/>
-            <a:ext cx="6245020" cy="2758816"/>
-          </a:xfrm>
-          <a:prstGeom prst="rect">
-            <a:avLst/>
-          </a:prstGeom>
-          <a:solidFill>
-            <a:schemeClr val="bg1"/>
-          </a:solidFill>
-          <a:ln>
-            <a:noFill/>
-          </a:ln>
-          <a:effectLst/>
-        </p:spPr>
-        <p:style>
-          <a:lnRef idx="1">
-            <a:schemeClr val="accent1"/>
-          </a:lnRef>
-          <a:fillRef idx="3">
-            <a:schemeClr val="accent1"/>
-          </a:fillRef>
-          <a:effectRef idx="2">
-            <a:schemeClr val="accent1"/>
-          </a:effectRef>
-          <a:fontRef idx="minor">
-            <a:schemeClr val="lt1"/>
-          </a:fontRef>
-        </p:style>
-        <p:txBody>
-          <a:bodyPr rtlCol="0" anchor="ctr"/>
-          <a:lstStyle/>
-          <a:p>
-            <a:pPr algn="ctr"/>
-            <a:endParaRPr lang="en-US"/>
-          </a:p>
-        </p:txBody>
-      </p:sp>
       <p:pic>
         <p:nvPicPr>
-          <p:cNvPr id="2" name="Picture 1" descr="Macintosh HD:Mac:Projects:Conditionality:Analyses:R:latfigs:abslat_byspinttype.pdf"/>
-          <p:cNvPicPr/>
+          <p:cNvPr id="2" name="Picture 1" descr="sppinttypes_by_contexts_sign.png"/>
+          <p:cNvPicPr>
+            <a:picLocks noChangeAspect="1"/>
+          </p:cNvPicPr>
           <p:nvPr/>
         </p:nvPicPr>
-        <p:blipFill rotWithShape="1">
+        <p:blipFill>
           <a:blip r:embed="rId2">
             <a:extLst>
               <a:ext uri="{28A0092B-C50C-407E-A947-70E740481C1C}">
@@ -5062,140 +7860,265 @@
               </a:ext>
             </a:extLst>
           </a:blip>
-          <a:srcRect l="12389" t="304" r="7010" b="69843"/>
-          <a:stretch/>
+          <a:stretch>
+            <a:fillRect/>
+          </a:stretch>
         </p:blipFill>
-        <p:spPr bwMode="auto">
-          <a:xfrm>
-            <a:off x="1311676" y="695339"/>
-            <a:ext cx="5402834" cy="2001013"/>
+        <p:spPr>
+          <a:xfrm>
+            <a:off x="0" y="1601784"/>
+            <a:ext cx="9144000" cy="3370849"/>
+          </a:xfrm>
+          <a:prstGeom prst="rect">
+            <a:avLst/>
+          </a:prstGeom>
+        </p:spPr>
+      </p:pic>
+      <p:sp>
+        <p:nvSpPr>
+          <p:cNvPr id="3" name="TextBox 2"/>
+          <p:cNvSpPr txBox="1"/>
+          <p:nvPr/>
+        </p:nvSpPr>
+        <p:spPr>
+          <a:xfrm>
+            <a:off x="1077961" y="1109781"/>
+            <a:ext cx="840419" cy="369332"/>
           </a:xfrm>
           <a:prstGeom prst="rect">
             <a:avLst/>
           </a:prstGeom>
           <a:noFill/>
-          <a:ln>
-            <a:noFill/>
+        </p:spPr>
+        <p:txBody>
+          <a:bodyPr wrap="none" rtlCol="0">
+            <a:spAutoFit/>
+          </a:bodyPr>
+          <a:lstStyle/>
+          <a:p>
+            <a:r>
+              <a:rPr lang="en-US"/>
+              <a:t>Abiotic</a:t>
+            </a:r>
+          </a:p>
+        </p:txBody>
+      </p:sp>
+      <p:sp>
+        <p:nvSpPr>
+          <p:cNvPr id="4" name="TextBox 3"/>
+          <p:cNvSpPr txBox="1"/>
+          <p:nvPr/>
+        </p:nvSpPr>
+        <p:spPr>
+          <a:xfrm>
+            <a:off x="2809949" y="1109781"/>
+            <a:ext cx="814721" cy="369332"/>
+          </a:xfrm>
+          <a:prstGeom prst="rect">
+            <a:avLst/>
+          </a:prstGeom>
+          <a:noFill/>
+        </p:spPr>
+        <p:txBody>
+          <a:bodyPr wrap="none" rtlCol="0">
+            <a:spAutoFit/>
+          </a:bodyPr>
+          <a:lstStyle/>
+          <a:p>
+            <a:r>
+              <a:rPr lang="en-US"/>
+              <a:t>Spatial</a:t>
+            </a:r>
+          </a:p>
+        </p:txBody>
+      </p:sp>
+      <p:sp>
+        <p:nvSpPr>
+          <p:cNvPr id="5" name="TextBox 4"/>
+          <p:cNvSpPr txBox="1"/>
+          <p:nvPr/>
+        </p:nvSpPr>
+        <p:spPr>
+          <a:xfrm>
+            <a:off x="4115021" y="1109781"/>
+            <a:ext cx="1660731" cy="369332"/>
+          </a:xfrm>
+          <a:prstGeom prst="rect">
+            <a:avLst/>
+          </a:prstGeom>
+          <a:noFill/>
+        </p:spPr>
+        <p:txBody>
+          <a:bodyPr wrap="none" rtlCol="0">
+            <a:spAutoFit/>
+          </a:bodyPr>
+          <a:lstStyle/>
+          <a:p>
+            <a:r>
+              <a:rPr lang="en-US"/>
+              <a:t>Species Identity</a:t>
+            </a:r>
+          </a:p>
+        </p:txBody>
+      </p:sp>
+      <p:sp>
+        <p:nvSpPr>
+          <p:cNvPr id="6" name="TextBox 5"/>
+          <p:cNvSpPr txBox="1"/>
+          <p:nvPr/>
+        </p:nvSpPr>
+        <p:spPr>
+          <a:xfrm>
+            <a:off x="6177869" y="1109781"/>
+            <a:ext cx="1083425" cy="369332"/>
+          </a:xfrm>
+          <a:prstGeom prst="rect">
+            <a:avLst/>
+          </a:prstGeom>
+          <a:noFill/>
+        </p:spPr>
+        <p:txBody>
+          <a:bodyPr wrap="none" rtlCol="0">
+            <a:spAutoFit/>
+          </a:bodyPr>
+          <a:lstStyle/>
+          <a:p>
+            <a:r>
+              <a:rPr lang="en-US"/>
+              <a:t>Temporal</a:t>
+            </a:r>
+          </a:p>
+        </p:txBody>
+      </p:sp>
+      <p:sp>
+        <p:nvSpPr>
+          <p:cNvPr id="7" name="TextBox 6"/>
+          <p:cNvSpPr txBox="1"/>
+          <p:nvPr/>
+        </p:nvSpPr>
+        <p:spPr>
+          <a:xfrm>
+            <a:off x="7877839" y="1109781"/>
+            <a:ext cx="980444" cy="369332"/>
+          </a:xfrm>
+          <a:prstGeom prst="rect">
+            <a:avLst/>
+          </a:prstGeom>
+          <a:noFill/>
+        </p:spPr>
+        <p:txBody>
+          <a:bodyPr wrap="none" rtlCol="0">
+            <a:spAutoFit/>
+          </a:bodyPr>
+          <a:lstStyle/>
+          <a:p>
+            <a:r>
+              <a:rPr lang="en-US"/>
+              <a:t>3</a:t>
+            </a:r>
+            <a:r>
+              <a:rPr lang="en-US" baseline="30000"/>
+              <a:t>rd</a:t>
+            </a:r>
+            <a:r>
+              <a:rPr lang="en-US"/>
+              <a:t> party</a:t>
+            </a:r>
+          </a:p>
+        </p:txBody>
+      </p:sp>
+      <p:sp>
+        <p:nvSpPr>
+          <p:cNvPr id="8" name="Rectangle 7"/>
+          <p:cNvSpPr/>
+          <p:nvPr/>
+        </p:nvSpPr>
+        <p:spPr>
+          <a:xfrm>
+            <a:off x="655838" y="1601784"/>
+            <a:ext cx="1772741" cy="2781090"/>
+          </a:xfrm>
+          <a:prstGeom prst="rect">
+            <a:avLst/>
+          </a:prstGeom>
+          <a:noFill/>
+          <a:ln w="57150" cmpd="sng">
+            <a:solidFill>
+              <a:srgbClr val="FF0000"/>
+            </a:solidFill>
           </a:ln>
-          <a:extLst>
-            <a:ext uri="{53640926-AAD7-44d8-BBD7-CCE9431645EC}">
-              <a14:shadowObscured xmlns:a14="http://schemas.microsoft.com/office/drawing/2010/main"/>
-            </a:ext>
-          </a:extLst>
-        </p:spPr>
-      </p:pic>
-      <p:pic>
-        <p:nvPicPr>
-          <p:cNvPr id="3" name="Picture 2" descr="Macintosh HD:Mac:Projects:Conditionality:Analyses:R:latfigs:abslat_byspinttype.pdf"/>
-          <p:cNvPicPr/>
-          <p:nvPr/>
-        </p:nvPicPr>
-        <p:blipFill rotWithShape="1">
-          <a:blip r:embed="rId2">
-            <a:extLst>
-              <a:ext uri="{28A0092B-C50C-407E-A947-70E740481C1C}">
-                <a14:useLocalDpi xmlns:a14="http://schemas.microsoft.com/office/drawing/2010/main" val="0"/>
-              </a:ext>
-            </a:extLst>
-          </a:blip>
-          <a:srcRect l="7012" t="89331" r="7010" b="1978"/>
-          <a:stretch/>
-        </p:blipFill>
-        <p:spPr bwMode="auto">
-          <a:xfrm>
-            <a:off x="951250" y="2696352"/>
-            <a:ext cx="5763260" cy="582564"/>
+        </p:spPr>
+        <p:style>
+          <a:lnRef idx="1">
+            <a:schemeClr val="accent1"/>
+          </a:lnRef>
+          <a:fillRef idx="3">
+            <a:schemeClr val="accent1"/>
+          </a:fillRef>
+          <a:effectRef idx="2">
+            <a:schemeClr val="accent1"/>
+          </a:effectRef>
+          <a:fontRef idx="minor">
+            <a:schemeClr val="lt1"/>
+          </a:fontRef>
+        </p:style>
+        <p:txBody>
+          <a:bodyPr rtlCol="0" anchor="ctr"/>
+          <a:lstStyle/>
+          <a:p>
+            <a:pPr algn="ctr"/>
+            <a:endParaRPr lang="en-US"/>
+          </a:p>
+        </p:txBody>
+      </p:sp>
+      <p:sp>
+        <p:nvSpPr>
+          <p:cNvPr id="9" name="Rectangle 8"/>
+          <p:cNvSpPr/>
+          <p:nvPr/>
+        </p:nvSpPr>
+        <p:spPr>
+          <a:xfrm>
+            <a:off x="5684817" y="1601784"/>
+            <a:ext cx="1772741" cy="2781090"/>
           </a:xfrm>
           <a:prstGeom prst="rect">
             <a:avLst/>
           </a:prstGeom>
           <a:noFill/>
-          <a:ln>
-            <a:noFill/>
+          <a:ln w="57150" cmpd="sng">
+            <a:solidFill>
+              <a:srgbClr val="FF0000"/>
+            </a:solidFill>
           </a:ln>
-          <a:extLst>
-            <a:ext uri="{53640926-AAD7-44d8-BBD7-CCE9431645EC}">
-              <a14:shadowObscured xmlns:a14="http://schemas.microsoft.com/office/drawing/2010/main"/>
-            </a:ext>
-          </a:extLst>
-        </p:spPr>
-      </p:pic>
-      <p:pic>
-        <p:nvPicPr>
-          <p:cNvPr id="4" name="Picture 3" descr="Macintosh HD:Mac:Projects:Conditionality:Analyses:R:latfigs:abslat_byspinttype.pdf"/>
-          <p:cNvPicPr/>
-          <p:nvPr/>
-        </p:nvPicPr>
-        <p:blipFill rotWithShape="1">
-          <a:blip r:embed="rId2">
-            <a:extLst>
-              <a:ext uri="{28A0092B-C50C-407E-A947-70E740481C1C}">
-                <a14:useLocalDpi xmlns:a14="http://schemas.microsoft.com/office/drawing/2010/main" val="0"/>
-              </a:ext>
-            </a:extLst>
-          </a:blip>
-          <a:srcRect l="7012" t="24622" r="88797" b="50839"/>
-          <a:stretch/>
-        </p:blipFill>
-        <p:spPr bwMode="auto">
-          <a:xfrm>
-            <a:off x="979082" y="916135"/>
-            <a:ext cx="280897" cy="1644879"/>
-          </a:xfrm>
-          <a:prstGeom prst="rect">
-            <a:avLst/>
-          </a:prstGeom>
-          <a:noFill/>
-          <a:ln>
-            <a:noFill/>
-          </a:ln>
-          <a:extLst>
-            <a:ext uri="{53640926-AAD7-44d8-BBD7-CCE9431645EC}">
-              <a14:shadowObscured xmlns:a14="http://schemas.microsoft.com/office/drawing/2010/main"/>
-            </a:ext>
-          </a:extLst>
-        </p:spPr>
-      </p:pic>
-      <p:pic>
-        <p:nvPicPr>
-          <p:cNvPr id="5" name="Picture 4" descr="Macintosh HD:Mac:Projects:Conditionality:Analyses:R:latfigs:abslat_byspinttype.pdf"/>
-          <p:cNvPicPr/>
-          <p:nvPr/>
-        </p:nvPicPr>
-        <p:blipFill rotWithShape="1">
-          <a:blip r:embed="rId2">
-            <a:extLst>
-              <a:ext uri="{28A0092B-C50C-407E-A947-70E740481C1C}">
-                <a14:useLocalDpi xmlns:a14="http://schemas.microsoft.com/office/drawing/2010/main" val="0"/>
-              </a:ext>
-            </a:extLst>
-          </a:blip>
-          <a:srcRect l="7012" t="49217" r="88797" b="20398"/>
-          <a:stretch/>
-        </p:blipFill>
-        <p:spPr bwMode="auto">
-          <a:xfrm>
-            <a:off x="646488" y="916135"/>
-            <a:ext cx="280897" cy="2036722"/>
-          </a:xfrm>
-          <a:prstGeom prst="rect">
-            <a:avLst/>
-          </a:prstGeom>
-          <a:noFill/>
-          <a:ln>
-            <a:noFill/>
-          </a:ln>
-          <a:extLst>
-            <a:ext uri="{53640926-AAD7-44d8-BBD7-CCE9431645EC}">
-              <a14:shadowObscured xmlns:a14="http://schemas.microsoft.com/office/drawing/2010/main"/>
-            </a:ext>
-          </a:extLst>
-        </p:spPr>
-      </p:pic>
+        </p:spPr>
+        <p:style>
+          <a:lnRef idx="1">
+            <a:schemeClr val="accent1"/>
+          </a:lnRef>
+          <a:fillRef idx="3">
+            <a:schemeClr val="accent1"/>
+          </a:fillRef>
+          <a:effectRef idx="2">
+            <a:schemeClr val="accent1"/>
+          </a:effectRef>
+          <a:fontRef idx="minor">
+            <a:schemeClr val="lt1"/>
+          </a:fontRef>
+        </p:style>
+        <p:txBody>
+          <a:bodyPr rtlCol="0" anchor="ctr"/>
+          <a:lstStyle/>
+          <a:p>
+            <a:pPr algn="ctr"/>
+            <a:endParaRPr lang="en-US"/>
+          </a:p>
+        </p:txBody>
+      </p:sp>
     </p:spTree>
     <p:extLst>
       <p:ext uri="{BB962C8B-B14F-4D97-AF65-F5344CB8AC3E}">
-        <p14:creationId xmlns:p14="http://schemas.microsoft.com/office/powerpoint/2010/main" val="4246818546"/>
+        <p14:creationId xmlns:p14="http://schemas.microsoft.com/office/powerpoint/2010/main" val="4105440255"/>
       </p:ext>
     </p:extLst>
   </p:cSld>

--- a/ucalgarytalk/assets/Presentation2.pptx
+++ b/ucalgarytalk/assets/Presentation2.pptx
@@ -299,7 +299,7 @@
           <a:lstStyle/>
           <a:p>
             <a:fld id="{78370B39-E701-BD43-A90D-E131465F0C45}" type="datetimeFigureOut">
-              <a:t>9/25/12</a:t>
+              <a:t>9/27/12</a:t>
             </a:fld>
             <a:endParaRPr lang="en-US"/>
           </a:p>
@@ -465,7 +465,7 @@
           <a:lstStyle/>
           <a:p>
             <a:fld id="{78370B39-E701-BD43-A90D-E131465F0C45}" type="datetimeFigureOut">
-              <a:t>9/25/12</a:t>
+              <a:t>9/27/12</a:t>
             </a:fld>
             <a:endParaRPr lang="en-US"/>
           </a:p>
@@ -641,7 +641,7 @@
           <a:lstStyle/>
           <a:p>
             <a:fld id="{78370B39-E701-BD43-A90D-E131465F0C45}" type="datetimeFigureOut">
-              <a:t>9/25/12</a:t>
+              <a:t>9/27/12</a:t>
             </a:fld>
             <a:endParaRPr lang="en-US"/>
           </a:p>
@@ -807,7 +807,7 @@
           <a:lstStyle/>
           <a:p>
             <a:fld id="{78370B39-E701-BD43-A90D-E131465F0C45}" type="datetimeFigureOut">
-              <a:t>9/25/12</a:t>
+              <a:t>9/27/12</a:t>
             </a:fld>
             <a:endParaRPr lang="en-US"/>
           </a:p>
@@ -1050,7 +1050,7 @@
           <a:lstStyle/>
           <a:p>
             <a:fld id="{78370B39-E701-BD43-A90D-E131465F0C45}" type="datetimeFigureOut">
-              <a:t>9/25/12</a:t>
+              <a:t>9/27/12</a:t>
             </a:fld>
             <a:endParaRPr lang="en-US"/>
           </a:p>
@@ -1333,7 +1333,7 @@
           <a:lstStyle/>
           <a:p>
             <a:fld id="{78370B39-E701-BD43-A90D-E131465F0C45}" type="datetimeFigureOut">
-              <a:t>9/25/12</a:t>
+              <a:t>9/27/12</a:t>
             </a:fld>
             <a:endParaRPr lang="en-US"/>
           </a:p>
@@ -1750,7 +1750,7 @@
           <a:lstStyle/>
           <a:p>
             <a:fld id="{78370B39-E701-BD43-A90D-E131465F0C45}" type="datetimeFigureOut">
-              <a:t>9/25/12</a:t>
+              <a:t>9/27/12</a:t>
             </a:fld>
             <a:endParaRPr lang="en-US"/>
           </a:p>
@@ -1865,7 +1865,7 @@
           <a:lstStyle/>
           <a:p>
             <a:fld id="{78370B39-E701-BD43-A90D-E131465F0C45}" type="datetimeFigureOut">
-              <a:t>9/25/12</a:t>
+              <a:t>9/27/12</a:t>
             </a:fld>
             <a:endParaRPr lang="en-US"/>
           </a:p>
@@ -1958,7 +1958,7 @@
           <a:lstStyle/>
           <a:p>
             <a:fld id="{78370B39-E701-BD43-A90D-E131465F0C45}" type="datetimeFigureOut">
-              <a:t>9/25/12</a:t>
+              <a:t>9/27/12</a:t>
             </a:fld>
             <a:endParaRPr lang="en-US"/>
           </a:p>
@@ -2231,7 +2231,7 @@
           <a:lstStyle/>
           <a:p>
             <a:fld id="{78370B39-E701-BD43-A90D-E131465F0C45}" type="datetimeFigureOut">
-              <a:t>9/25/12</a:t>
+              <a:t>9/27/12</a:t>
             </a:fld>
             <a:endParaRPr lang="en-US"/>
           </a:p>
@@ -2481,7 +2481,7 @@
           <a:lstStyle/>
           <a:p>
             <a:fld id="{78370B39-E701-BD43-A90D-E131465F0C45}" type="datetimeFigureOut">
-              <a:t>9/25/12</a:t>
+              <a:t>9/27/12</a:t>
             </a:fld>
             <a:endParaRPr lang="en-US"/>
           </a:p>
@@ -2690,7 +2690,7 @@
           </a:lstStyle>
           <a:p>
             <a:fld id="{78370B39-E701-BD43-A90D-E131465F0C45}" type="datetimeFigureOut">
-              <a:t>9/25/12</a:t>
+              <a:t>9/27/12</a:t>
             </a:fld>
             <a:endParaRPr lang="en-US"/>
           </a:p>
@@ -5189,7 +5189,7 @@
           <a:graphicData uri="http://schemas.openxmlformats.org/presentationml/2006/ole">
             <mc:AlternateContent xmlns:mc="http://schemas.openxmlformats.org/markup-compatibility/2006">
               <mc:Choice xmlns:v="urn:schemas-microsoft-com:vml" Requires="v">
-                <p:oleObj spid="_x0000_s1040" name="Equation" r:id="rId4" imgW="1498600" imgH="241300" progId="Equation.3">
+                <p:oleObj spid="_x0000_s1042" name="Equation" r:id="rId4" imgW="1498600" imgH="241300" progId="Equation.3">
                   <p:embed/>
                 </p:oleObj>
               </mc:Choice>
@@ -5350,7 +5350,7 @@
         <p:spPr>
           <a:xfrm>
             <a:off x="5305467" y="5567833"/>
-            <a:ext cx="3230672" cy="830997"/>
+            <a:ext cx="3137698" cy="830997"/>
           </a:xfrm>
           <a:prstGeom prst="rect">
             <a:avLst/>
@@ -5373,7 +5373,7 @@
             </a:r>
             <a:r>
               <a:rPr lang="en-US" sz="1600" dirty="0"/>
-              <a:t> = better w/o herbivory</a:t>
+              <a:t> = better w/o predation</a:t>
             </a:r>
           </a:p>
           <a:p>
@@ -5390,7 +5390,7 @@
             </a:r>
             <a:r>
               <a:rPr lang="en-US" sz="1600" dirty="0"/>
-              <a:t> = better with herbivory</a:t>
+              <a:t> = better with predation</a:t>
             </a:r>
           </a:p>
         </p:txBody>
@@ -6127,7 +6127,7 @@
           <a:graphicData uri="http://schemas.openxmlformats.org/presentationml/2006/ole">
             <mc:AlternateContent xmlns:mc="http://schemas.openxmlformats.org/markup-compatibility/2006">
               <mc:Choice xmlns:v="urn:schemas-microsoft-com:vml" Requires="v">
-                <p:oleObj spid="_x0000_s2062" name="Equation" r:id="rId3" imgW="1193800" imgH="393700" progId="Equation.3">
+                <p:oleObj spid="_x0000_s2064" name="Equation" r:id="rId3" imgW="1193800" imgH="393700" progId="Equation.3">
                   <p:embed/>
                 </p:oleObj>
               </mc:Choice>
